--- a/Telerik - C# 2/Arrays.pptx
+++ b/Telerik - C# 2/Arrays.pptx
@@ -5,10 +5,10 @@
     <p:sldMasterId id="2147483672" r:id="rId1"/>
   </p:sldMasterIdLst>
   <p:notesMasterIdLst>
-    <p:notesMasterId r:id="rId40"/>
+    <p:notesMasterId r:id="rId47"/>
   </p:notesMasterIdLst>
   <p:handoutMasterIdLst>
-    <p:handoutMasterId r:id="rId41"/>
+    <p:handoutMasterId r:id="rId48"/>
   </p:handoutMasterIdLst>
   <p:sldIdLst>
     <p:sldId id="320" r:id="rId2"/>
@@ -48,7 +48,14 @@
     <p:sldId id="368" r:id="rId36"/>
     <p:sldId id="369" r:id="rId37"/>
     <p:sldId id="378" r:id="rId38"/>
-    <p:sldId id="333" r:id="rId39"/>
+    <p:sldId id="371" r:id="rId39"/>
+    <p:sldId id="372" r:id="rId40"/>
+    <p:sldId id="373" r:id="rId41"/>
+    <p:sldId id="374" r:id="rId42"/>
+    <p:sldId id="375" r:id="rId43"/>
+    <p:sldId id="376" r:id="rId44"/>
+    <p:sldId id="377" r:id="rId45"/>
+    <p:sldId id="333" r:id="rId46"/>
   </p:sldIdLst>
   <p:sldSz cx="9144000" cy="6858000" type="screen4x3"/>
   <p:notesSz cx="6881813" cy="9296400"/>
@@ -325,7 +332,7 @@
             <a:fld id="{3BF7C7B5-275F-4D1F-9AB4-9255447DBC73}" type="datetimeFigureOut">
               <a:rPr lang="en-US"/>
               <a:pPr/>
-              <a:t>2/4/2015</a:t>
+              <a:t>11-Dec-13</a:t>
             </a:fld>
             <a:endParaRPr lang="en-US" dirty="0"/>
           </a:p>
@@ -556,7 +563,7 @@
             <a:fld id="{9B46F231-FB2B-4655-A644-E2477325E686}" type="datetimeFigureOut">
               <a:rPr lang="en-US"/>
               <a:pPr/>
-              <a:t>2/4/2015</a:t>
+              <a:t>11-Dec-13</a:t>
             </a:fld>
             <a:endParaRPr lang="en-US" dirty="0"/>
           </a:p>
@@ -1115,6 +1122,986 @@
     <p:extLst>
       <p:ext uri="{BB962C8B-B14F-4D97-AF65-F5344CB8AC3E}">
         <p14:creationId xmlns:p14="http://schemas.microsoft.com/office/powerpoint/2010/main" val="4260879095"/>
+      </p:ext>
+    </p:extLst>
+  </p:cSld>
+  <p:clrMapOvr>
+    <a:masterClrMapping/>
+  </p:clrMapOvr>
+</p:notes>
+</file>
+
+<file path=ppt/notesSlides/notesSlide11.xml><?xml version="1.0" encoding="utf-8"?>
+<p:notes xmlns:a="http://schemas.openxmlformats.org/drawingml/2006/main" xmlns:r="http://schemas.openxmlformats.org/officeDocument/2006/relationships" xmlns:p="http://schemas.openxmlformats.org/presentationml/2006/main">
+  <p:cSld>
+    <p:spTree>
+      <p:nvGrpSpPr>
+        <p:cNvPr id="1" name=""/>
+        <p:cNvGrpSpPr/>
+        <p:nvPr/>
+      </p:nvGrpSpPr>
+      <p:grpSpPr>
+        <a:xfrm>
+          <a:off x="0" y="0"/>
+          <a:ext cx="0" cy="0"/>
+          <a:chOff x="0" y="0"/>
+          <a:chExt cx="0" cy="0"/>
+        </a:xfrm>
+      </p:grpSpPr>
+      <p:sp>
+        <p:nvSpPr>
+          <p:cNvPr id="4" name="Rectangle 2"/>
+          <p:cNvSpPr>
+            <a:spLocks noGrp="1" noChangeArrowheads="1"/>
+          </p:cNvSpPr>
+          <p:nvPr>
+            <p:ph type="hdr" sz="quarter"/>
+          </p:nvPr>
+        </p:nvSpPr>
+        <p:spPr>
+          <a:ln/>
+        </p:spPr>
+        <p:txBody>
+          <a:bodyPr/>
+          <a:lstStyle/>
+          <a:p>
+            <a:r>
+              <a:rPr lang="en-US" dirty="0"/>
+              <a:t>*</a:t>
+            </a:r>
+          </a:p>
+        </p:txBody>
+      </p:sp>
+      <p:sp>
+        <p:nvSpPr>
+          <p:cNvPr id="5" name="Rectangle 6"/>
+          <p:cNvSpPr>
+            <a:spLocks noGrp="1" noChangeArrowheads="1"/>
+          </p:cNvSpPr>
+          <p:nvPr>
+            <p:ph type="ftr" sz="quarter" idx="4"/>
+          </p:nvPr>
+        </p:nvSpPr>
+        <p:spPr>
+          <a:ln/>
+        </p:spPr>
+        <p:txBody>
+          <a:bodyPr/>
+          <a:lstStyle/>
+          <a:p>
+            <a:r>
+              <a:rPr lang="en-US" dirty="0"/>
+              <a:t>(c) 2007 National Academy for Software Development - http://academy.devbg.org. All rights reserved. Unauthorized copying or re-distribution is strictly prohibited.*</a:t>
+            </a:r>
+          </a:p>
+        </p:txBody>
+      </p:sp>
+      <p:sp>
+        <p:nvSpPr>
+          <p:cNvPr id="6" name="Rectangle 7"/>
+          <p:cNvSpPr>
+            <a:spLocks noGrp="1" noChangeArrowheads="1"/>
+          </p:cNvSpPr>
+          <p:nvPr>
+            <p:ph type="sldNum" sz="quarter" idx="5"/>
+          </p:nvPr>
+        </p:nvSpPr>
+        <p:spPr>
+          <a:ln/>
+        </p:spPr>
+        <p:txBody>
+          <a:bodyPr/>
+          <a:lstStyle/>
+          <a:p>
+            <a:fld id="{6DB9B8C7-BEA7-47CE-8FD3-B5D9ED2B34AF}" type="slidenum">
+              <a:rPr lang="en-US"/>
+              <a:pPr/>
+              <a:t>38</a:t>
+            </a:fld>
+            <a:r>
+              <a:rPr lang="en-US" dirty="0"/>
+              <a:t>##</a:t>
+            </a:r>
+          </a:p>
+        </p:txBody>
+      </p:sp>
+      <p:sp>
+        <p:nvSpPr>
+          <p:cNvPr id="427010" name="Rectangle 2"/>
+          <p:cNvSpPr>
+            <a:spLocks noGrp="1" noRot="1" noChangeAspect="1" noChangeArrowheads="1" noTextEdit="1"/>
+          </p:cNvSpPr>
+          <p:nvPr>
+            <p:ph type="sldImg"/>
+          </p:nvPr>
+        </p:nvSpPr>
+        <p:spPr>
+          <a:ln/>
+        </p:spPr>
+      </p:sp>
+      <p:sp>
+        <p:nvSpPr>
+          <p:cNvPr id="427011" name="Rectangle 3"/>
+          <p:cNvSpPr>
+            <a:spLocks noGrp="1" noChangeArrowheads="1"/>
+          </p:cNvSpPr>
+          <p:nvPr>
+            <p:ph type="body" idx="1"/>
+          </p:nvPr>
+        </p:nvSpPr>
+        <p:spPr/>
+        <p:txBody>
+          <a:bodyPr/>
+          <a:lstStyle/>
+          <a:p>
+            <a:endParaRPr lang="bg-BG"/>
+          </a:p>
+        </p:txBody>
+      </p:sp>
+    </p:spTree>
+    <p:extLst>
+      <p:ext uri="{BB962C8B-B14F-4D97-AF65-F5344CB8AC3E}">
+        <p14:creationId xmlns:p14="http://schemas.microsoft.com/office/powerpoint/2010/main" val="889700067"/>
+      </p:ext>
+    </p:extLst>
+  </p:cSld>
+  <p:clrMapOvr>
+    <a:masterClrMapping/>
+  </p:clrMapOvr>
+</p:notes>
+</file>
+
+<file path=ppt/notesSlides/notesSlide12.xml><?xml version="1.0" encoding="utf-8"?>
+<p:notes xmlns:a="http://schemas.openxmlformats.org/drawingml/2006/main" xmlns:r="http://schemas.openxmlformats.org/officeDocument/2006/relationships" xmlns:p="http://schemas.openxmlformats.org/presentationml/2006/main">
+  <p:cSld>
+    <p:spTree>
+      <p:nvGrpSpPr>
+        <p:cNvPr id="1" name=""/>
+        <p:cNvGrpSpPr/>
+        <p:nvPr/>
+      </p:nvGrpSpPr>
+      <p:grpSpPr>
+        <a:xfrm>
+          <a:off x="0" y="0"/>
+          <a:ext cx="0" cy="0"/>
+          <a:chOff x="0" y="0"/>
+          <a:chExt cx="0" cy="0"/>
+        </a:xfrm>
+      </p:grpSpPr>
+      <p:sp>
+        <p:nvSpPr>
+          <p:cNvPr id="4" name="Rectangle 2"/>
+          <p:cNvSpPr>
+            <a:spLocks noGrp="1" noChangeArrowheads="1"/>
+          </p:cNvSpPr>
+          <p:nvPr>
+            <p:ph type="hdr" sz="quarter"/>
+          </p:nvPr>
+        </p:nvSpPr>
+        <p:spPr>
+          <a:ln/>
+        </p:spPr>
+        <p:txBody>
+          <a:bodyPr/>
+          <a:lstStyle/>
+          <a:p>
+            <a:r>
+              <a:rPr lang="en-US" dirty="0"/>
+              <a:t>*</a:t>
+            </a:r>
+          </a:p>
+        </p:txBody>
+      </p:sp>
+      <p:sp>
+        <p:nvSpPr>
+          <p:cNvPr id="5" name="Rectangle 6"/>
+          <p:cNvSpPr>
+            <a:spLocks noGrp="1" noChangeArrowheads="1"/>
+          </p:cNvSpPr>
+          <p:nvPr>
+            <p:ph type="ftr" sz="quarter" idx="4"/>
+          </p:nvPr>
+        </p:nvSpPr>
+        <p:spPr>
+          <a:ln/>
+        </p:spPr>
+        <p:txBody>
+          <a:bodyPr/>
+          <a:lstStyle/>
+          <a:p>
+            <a:r>
+              <a:rPr lang="en-US" dirty="0"/>
+              <a:t>(c) 2007 National Academy for Software Development - http://academy.devbg.org. All rights reserved. Unauthorized copying or re-distribution is strictly prohibited.*</a:t>
+            </a:r>
+          </a:p>
+        </p:txBody>
+      </p:sp>
+      <p:sp>
+        <p:nvSpPr>
+          <p:cNvPr id="6" name="Rectangle 7"/>
+          <p:cNvSpPr>
+            <a:spLocks noGrp="1" noChangeArrowheads="1"/>
+          </p:cNvSpPr>
+          <p:nvPr>
+            <p:ph type="sldNum" sz="quarter" idx="5"/>
+          </p:nvPr>
+        </p:nvSpPr>
+        <p:spPr>
+          <a:ln/>
+        </p:spPr>
+        <p:txBody>
+          <a:bodyPr/>
+          <a:lstStyle/>
+          <a:p>
+            <a:fld id="{2AD16FAC-D17E-41B6-8065-40EF4B5D4998}" type="slidenum">
+              <a:rPr lang="en-US"/>
+              <a:pPr/>
+              <a:t>39</a:t>
+            </a:fld>
+            <a:r>
+              <a:rPr lang="en-US" dirty="0"/>
+              <a:t>##</a:t>
+            </a:r>
+          </a:p>
+        </p:txBody>
+      </p:sp>
+      <p:sp>
+        <p:nvSpPr>
+          <p:cNvPr id="594946" name="Rectangle 2"/>
+          <p:cNvSpPr>
+            <a:spLocks noGrp="1" noRot="1" noChangeAspect="1" noChangeArrowheads="1" noTextEdit="1"/>
+          </p:cNvSpPr>
+          <p:nvPr>
+            <p:ph type="sldImg"/>
+          </p:nvPr>
+        </p:nvSpPr>
+        <p:spPr>
+          <a:ln/>
+        </p:spPr>
+      </p:sp>
+      <p:sp>
+        <p:nvSpPr>
+          <p:cNvPr id="594947" name="Rectangle 3"/>
+          <p:cNvSpPr>
+            <a:spLocks noGrp="1" noChangeArrowheads="1"/>
+          </p:cNvSpPr>
+          <p:nvPr>
+            <p:ph type="body" idx="1"/>
+          </p:nvPr>
+        </p:nvSpPr>
+        <p:spPr/>
+        <p:txBody>
+          <a:bodyPr/>
+          <a:lstStyle/>
+          <a:p>
+            <a:endParaRPr lang="bg-BG"/>
+          </a:p>
+        </p:txBody>
+      </p:sp>
+    </p:spTree>
+    <p:extLst>
+      <p:ext uri="{BB962C8B-B14F-4D97-AF65-F5344CB8AC3E}">
+        <p14:creationId xmlns:p14="http://schemas.microsoft.com/office/powerpoint/2010/main" val="284203987"/>
+      </p:ext>
+    </p:extLst>
+  </p:cSld>
+  <p:clrMapOvr>
+    <a:masterClrMapping/>
+  </p:clrMapOvr>
+</p:notes>
+</file>
+
+<file path=ppt/notesSlides/notesSlide13.xml><?xml version="1.0" encoding="utf-8"?>
+<p:notes xmlns:a="http://schemas.openxmlformats.org/drawingml/2006/main" xmlns:r="http://schemas.openxmlformats.org/officeDocument/2006/relationships" xmlns:p="http://schemas.openxmlformats.org/presentationml/2006/main">
+  <p:cSld>
+    <p:spTree>
+      <p:nvGrpSpPr>
+        <p:cNvPr id="1" name=""/>
+        <p:cNvGrpSpPr/>
+        <p:nvPr/>
+      </p:nvGrpSpPr>
+      <p:grpSpPr>
+        <a:xfrm>
+          <a:off x="0" y="0"/>
+          <a:ext cx="0" cy="0"/>
+          <a:chOff x="0" y="0"/>
+          <a:chExt cx="0" cy="0"/>
+        </a:xfrm>
+      </p:grpSpPr>
+      <p:sp>
+        <p:nvSpPr>
+          <p:cNvPr id="4" name="Rectangle 2"/>
+          <p:cNvSpPr>
+            <a:spLocks noGrp="1" noChangeArrowheads="1"/>
+          </p:cNvSpPr>
+          <p:nvPr>
+            <p:ph type="hdr" sz="quarter"/>
+          </p:nvPr>
+        </p:nvSpPr>
+        <p:spPr>
+          <a:ln/>
+        </p:spPr>
+        <p:txBody>
+          <a:bodyPr/>
+          <a:lstStyle/>
+          <a:p>
+            <a:r>
+              <a:rPr lang="en-US" dirty="0"/>
+              <a:t>*</a:t>
+            </a:r>
+          </a:p>
+        </p:txBody>
+      </p:sp>
+      <p:sp>
+        <p:nvSpPr>
+          <p:cNvPr id="5" name="Rectangle 6"/>
+          <p:cNvSpPr>
+            <a:spLocks noGrp="1" noChangeArrowheads="1"/>
+          </p:cNvSpPr>
+          <p:nvPr>
+            <p:ph type="ftr" sz="quarter" idx="4"/>
+          </p:nvPr>
+        </p:nvSpPr>
+        <p:spPr>
+          <a:ln/>
+        </p:spPr>
+        <p:txBody>
+          <a:bodyPr/>
+          <a:lstStyle/>
+          <a:p>
+            <a:r>
+              <a:rPr lang="en-US" dirty="0"/>
+              <a:t>(c) 2007 National Academy for Software Development - http://academy.devbg.org. All rights reserved. Unauthorized copying or re-distribution is strictly prohibited.*</a:t>
+            </a:r>
+          </a:p>
+        </p:txBody>
+      </p:sp>
+      <p:sp>
+        <p:nvSpPr>
+          <p:cNvPr id="6" name="Rectangle 7"/>
+          <p:cNvSpPr>
+            <a:spLocks noGrp="1" noChangeArrowheads="1"/>
+          </p:cNvSpPr>
+          <p:nvPr>
+            <p:ph type="sldNum" sz="quarter" idx="5"/>
+          </p:nvPr>
+        </p:nvSpPr>
+        <p:spPr>
+          <a:ln/>
+        </p:spPr>
+        <p:txBody>
+          <a:bodyPr/>
+          <a:lstStyle/>
+          <a:p>
+            <a:fld id="{0608AE1A-7EAB-46F9-AD70-7530EBCE30F1}" type="slidenum">
+              <a:rPr lang="en-US"/>
+              <a:pPr/>
+              <a:t>40</a:t>
+            </a:fld>
+            <a:r>
+              <a:rPr lang="en-US" dirty="0"/>
+              <a:t>##</a:t>
+            </a:r>
+          </a:p>
+        </p:txBody>
+      </p:sp>
+      <p:sp>
+        <p:nvSpPr>
+          <p:cNvPr id="599042" name="Rectangle 2"/>
+          <p:cNvSpPr>
+            <a:spLocks noGrp="1" noRot="1" noChangeAspect="1" noChangeArrowheads="1" noTextEdit="1"/>
+          </p:cNvSpPr>
+          <p:nvPr>
+            <p:ph type="sldImg"/>
+          </p:nvPr>
+        </p:nvSpPr>
+        <p:spPr>
+          <a:ln/>
+        </p:spPr>
+      </p:sp>
+      <p:sp>
+        <p:nvSpPr>
+          <p:cNvPr id="599043" name="Rectangle 3"/>
+          <p:cNvSpPr>
+            <a:spLocks noGrp="1" noChangeArrowheads="1"/>
+          </p:cNvSpPr>
+          <p:nvPr>
+            <p:ph type="body" idx="1"/>
+          </p:nvPr>
+        </p:nvSpPr>
+        <p:spPr/>
+        <p:txBody>
+          <a:bodyPr/>
+          <a:lstStyle/>
+          <a:p>
+            <a:endParaRPr lang="bg-BG"/>
+          </a:p>
+        </p:txBody>
+      </p:sp>
+    </p:spTree>
+    <p:extLst>
+      <p:ext uri="{BB962C8B-B14F-4D97-AF65-F5344CB8AC3E}">
+        <p14:creationId xmlns:p14="http://schemas.microsoft.com/office/powerpoint/2010/main" val="3263517282"/>
+      </p:ext>
+    </p:extLst>
+  </p:cSld>
+  <p:clrMapOvr>
+    <a:masterClrMapping/>
+  </p:clrMapOvr>
+</p:notes>
+</file>
+
+<file path=ppt/notesSlides/notesSlide14.xml><?xml version="1.0" encoding="utf-8"?>
+<p:notes xmlns:a="http://schemas.openxmlformats.org/drawingml/2006/main" xmlns:r="http://schemas.openxmlformats.org/officeDocument/2006/relationships" xmlns:p="http://schemas.openxmlformats.org/presentationml/2006/main">
+  <p:cSld>
+    <p:spTree>
+      <p:nvGrpSpPr>
+        <p:cNvPr id="1" name=""/>
+        <p:cNvGrpSpPr/>
+        <p:nvPr/>
+      </p:nvGrpSpPr>
+      <p:grpSpPr>
+        <a:xfrm>
+          <a:off x="0" y="0"/>
+          <a:ext cx="0" cy="0"/>
+          <a:chOff x="0" y="0"/>
+          <a:chExt cx="0" cy="0"/>
+        </a:xfrm>
+      </p:grpSpPr>
+      <p:sp>
+        <p:nvSpPr>
+          <p:cNvPr id="4" name="Rectangle 2"/>
+          <p:cNvSpPr>
+            <a:spLocks noGrp="1" noChangeArrowheads="1"/>
+          </p:cNvSpPr>
+          <p:nvPr>
+            <p:ph type="hdr" sz="quarter"/>
+          </p:nvPr>
+        </p:nvSpPr>
+        <p:spPr>
+          <a:ln/>
+        </p:spPr>
+        <p:txBody>
+          <a:bodyPr/>
+          <a:lstStyle/>
+          <a:p>
+            <a:r>
+              <a:rPr lang="en-US" dirty="0"/>
+              <a:t>*</a:t>
+            </a:r>
+          </a:p>
+        </p:txBody>
+      </p:sp>
+      <p:sp>
+        <p:nvSpPr>
+          <p:cNvPr id="5" name="Rectangle 6"/>
+          <p:cNvSpPr>
+            <a:spLocks noGrp="1" noChangeArrowheads="1"/>
+          </p:cNvSpPr>
+          <p:nvPr>
+            <p:ph type="ftr" sz="quarter" idx="4"/>
+          </p:nvPr>
+        </p:nvSpPr>
+        <p:spPr>
+          <a:ln/>
+        </p:spPr>
+        <p:txBody>
+          <a:bodyPr/>
+          <a:lstStyle/>
+          <a:p>
+            <a:r>
+              <a:rPr lang="en-US" dirty="0"/>
+              <a:t>(c) 2007 National Academy for Software Development - http://academy.devbg.org. All rights reserved. Unauthorized copying or re-distribution is strictly prohibited.*</a:t>
+            </a:r>
+          </a:p>
+        </p:txBody>
+      </p:sp>
+      <p:sp>
+        <p:nvSpPr>
+          <p:cNvPr id="6" name="Rectangle 7"/>
+          <p:cNvSpPr>
+            <a:spLocks noGrp="1" noChangeArrowheads="1"/>
+          </p:cNvSpPr>
+          <p:nvPr>
+            <p:ph type="sldNum" sz="quarter" idx="5"/>
+          </p:nvPr>
+        </p:nvSpPr>
+        <p:spPr>
+          <a:ln/>
+        </p:spPr>
+        <p:txBody>
+          <a:bodyPr/>
+          <a:lstStyle/>
+          <a:p>
+            <a:fld id="{CD32FD00-9757-462C-AB3F-641876EDD145}" type="slidenum">
+              <a:rPr lang="en-US"/>
+              <a:pPr/>
+              <a:t>41</a:t>
+            </a:fld>
+            <a:r>
+              <a:rPr lang="en-US" dirty="0"/>
+              <a:t>##</a:t>
+            </a:r>
+          </a:p>
+        </p:txBody>
+      </p:sp>
+      <p:sp>
+        <p:nvSpPr>
+          <p:cNvPr id="466946" name="Rectangle 2"/>
+          <p:cNvSpPr>
+            <a:spLocks noGrp="1" noRot="1" noChangeAspect="1" noChangeArrowheads="1" noTextEdit="1"/>
+          </p:cNvSpPr>
+          <p:nvPr>
+            <p:ph type="sldImg"/>
+          </p:nvPr>
+        </p:nvSpPr>
+        <p:spPr>
+          <a:ln/>
+        </p:spPr>
+      </p:sp>
+      <p:sp>
+        <p:nvSpPr>
+          <p:cNvPr id="466947" name="Rectangle 3"/>
+          <p:cNvSpPr>
+            <a:spLocks noGrp="1" noChangeArrowheads="1"/>
+          </p:cNvSpPr>
+          <p:nvPr>
+            <p:ph type="body" idx="1"/>
+          </p:nvPr>
+        </p:nvSpPr>
+        <p:spPr/>
+        <p:txBody>
+          <a:bodyPr/>
+          <a:lstStyle/>
+          <a:p>
+            <a:endParaRPr lang="bg-BG"/>
+          </a:p>
+        </p:txBody>
+      </p:sp>
+    </p:spTree>
+    <p:extLst>
+      <p:ext uri="{BB962C8B-B14F-4D97-AF65-F5344CB8AC3E}">
+        <p14:creationId xmlns:p14="http://schemas.microsoft.com/office/powerpoint/2010/main" val="1315168139"/>
+      </p:ext>
+    </p:extLst>
+  </p:cSld>
+  <p:clrMapOvr>
+    <a:masterClrMapping/>
+  </p:clrMapOvr>
+</p:notes>
+</file>
+
+<file path=ppt/notesSlides/notesSlide15.xml><?xml version="1.0" encoding="utf-8"?>
+<p:notes xmlns:a="http://schemas.openxmlformats.org/drawingml/2006/main" xmlns:r="http://schemas.openxmlformats.org/officeDocument/2006/relationships" xmlns:p="http://schemas.openxmlformats.org/presentationml/2006/main">
+  <p:cSld>
+    <p:spTree>
+      <p:nvGrpSpPr>
+        <p:cNvPr id="1" name=""/>
+        <p:cNvGrpSpPr/>
+        <p:nvPr/>
+      </p:nvGrpSpPr>
+      <p:grpSpPr>
+        <a:xfrm>
+          <a:off x="0" y="0"/>
+          <a:ext cx="0" cy="0"/>
+          <a:chOff x="0" y="0"/>
+          <a:chExt cx="0" cy="0"/>
+        </a:xfrm>
+      </p:grpSpPr>
+      <p:sp>
+        <p:nvSpPr>
+          <p:cNvPr id="4" name="Rectangle 2"/>
+          <p:cNvSpPr>
+            <a:spLocks noGrp="1" noChangeArrowheads="1"/>
+          </p:cNvSpPr>
+          <p:nvPr>
+            <p:ph type="hdr" sz="quarter"/>
+          </p:nvPr>
+        </p:nvSpPr>
+        <p:spPr>
+          <a:ln/>
+        </p:spPr>
+        <p:txBody>
+          <a:bodyPr/>
+          <a:lstStyle/>
+          <a:p>
+            <a:r>
+              <a:rPr lang="en-US" dirty="0"/>
+              <a:t>*</a:t>
+            </a:r>
+          </a:p>
+        </p:txBody>
+      </p:sp>
+      <p:sp>
+        <p:nvSpPr>
+          <p:cNvPr id="5" name="Rectangle 6"/>
+          <p:cNvSpPr>
+            <a:spLocks noGrp="1" noChangeArrowheads="1"/>
+          </p:cNvSpPr>
+          <p:nvPr>
+            <p:ph type="ftr" sz="quarter" idx="4"/>
+          </p:nvPr>
+        </p:nvSpPr>
+        <p:spPr>
+          <a:ln/>
+        </p:spPr>
+        <p:txBody>
+          <a:bodyPr/>
+          <a:lstStyle/>
+          <a:p>
+            <a:r>
+              <a:rPr lang="en-US" dirty="0"/>
+              <a:t>(c) 2007 National Academy for Software Development - http://academy.devbg.org. All rights reserved. Unauthorized copying or re-distribution is strictly prohibited.*</a:t>
+            </a:r>
+          </a:p>
+        </p:txBody>
+      </p:sp>
+      <p:sp>
+        <p:nvSpPr>
+          <p:cNvPr id="6" name="Rectangle 7"/>
+          <p:cNvSpPr>
+            <a:spLocks noGrp="1" noChangeArrowheads="1"/>
+          </p:cNvSpPr>
+          <p:nvPr>
+            <p:ph type="sldNum" sz="quarter" idx="5"/>
+          </p:nvPr>
+        </p:nvSpPr>
+        <p:spPr>
+          <a:ln/>
+        </p:spPr>
+        <p:txBody>
+          <a:bodyPr/>
+          <a:lstStyle/>
+          <a:p>
+            <a:fld id="{90E01032-09FC-48A1-AEEA-569C45640C5E}" type="slidenum">
+              <a:rPr lang="en-US"/>
+              <a:pPr/>
+              <a:t>42</a:t>
+            </a:fld>
+            <a:r>
+              <a:rPr lang="en-US" dirty="0"/>
+              <a:t>##</a:t>
+            </a:r>
+          </a:p>
+        </p:txBody>
+      </p:sp>
+      <p:sp>
+        <p:nvSpPr>
+          <p:cNvPr id="596994" name="Rectangle 2"/>
+          <p:cNvSpPr>
+            <a:spLocks noGrp="1" noRot="1" noChangeAspect="1" noChangeArrowheads="1" noTextEdit="1"/>
+          </p:cNvSpPr>
+          <p:nvPr>
+            <p:ph type="sldImg"/>
+          </p:nvPr>
+        </p:nvSpPr>
+        <p:spPr>
+          <a:ln/>
+        </p:spPr>
+      </p:sp>
+      <p:sp>
+        <p:nvSpPr>
+          <p:cNvPr id="596995" name="Rectangle 3"/>
+          <p:cNvSpPr>
+            <a:spLocks noGrp="1" noChangeArrowheads="1"/>
+          </p:cNvSpPr>
+          <p:nvPr>
+            <p:ph type="body" idx="1"/>
+          </p:nvPr>
+        </p:nvSpPr>
+        <p:spPr/>
+        <p:txBody>
+          <a:bodyPr/>
+          <a:lstStyle/>
+          <a:p>
+            <a:endParaRPr lang="bg-BG"/>
+          </a:p>
+        </p:txBody>
+      </p:sp>
+    </p:spTree>
+    <p:extLst>
+      <p:ext uri="{BB962C8B-B14F-4D97-AF65-F5344CB8AC3E}">
+        <p14:creationId xmlns:p14="http://schemas.microsoft.com/office/powerpoint/2010/main" val="434592294"/>
+      </p:ext>
+    </p:extLst>
+  </p:cSld>
+  <p:clrMapOvr>
+    <a:masterClrMapping/>
+  </p:clrMapOvr>
+</p:notes>
+</file>
+
+<file path=ppt/notesSlides/notesSlide16.xml><?xml version="1.0" encoding="utf-8"?>
+<p:notes xmlns:a="http://schemas.openxmlformats.org/drawingml/2006/main" xmlns:r="http://schemas.openxmlformats.org/officeDocument/2006/relationships" xmlns:p="http://schemas.openxmlformats.org/presentationml/2006/main">
+  <p:cSld>
+    <p:spTree>
+      <p:nvGrpSpPr>
+        <p:cNvPr id="1" name=""/>
+        <p:cNvGrpSpPr/>
+        <p:nvPr/>
+      </p:nvGrpSpPr>
+      <p:grpSpPr>
+        <a:xfrm>
+          <a:off x="0" y="0"/>
+          <a:ext cx="0" cy="0"/>
+          <a:chOff x="0" y="0"/>
+          <a:chExt cx="0" cy="0"/>
+        </a:xfrm>
+      </p:grpSpPr>
+      <p:sp>
+        <p:nvSpPr>
+          <p:cNvPr id="4" name="Rectangle 2"/>
+          <p:cNvSpPr>
+            <a:spLocks noGrp="1" noChangeArrowheads="1"/>
+          </p:cNvSpPr>
+          <p:nvPr>
+            <p:ph type="hdr" sz="quarter"/>
+          </p:nvPr>
+        </p:nvSpPr>
+        <p:spPr>
+          <a:ln/>
+        </p:spPr>
+        <p:txBody>
+          <a:bodyPr/>
+          <a:lstStyle/>
+          <a:p>
+            <a:r>
+              <a:rPr lang="en-US" dirty="0"/>
+              <a:t>*</a:t>
+            </a:r>
+          </a:p>
+        </p:txBody>
+      </p:sp>
+      <p:sp>
+        <p:nvSpPr>
+          <p:cNvPr id="5" name="Rectangle 6"/>
+          <p:cNvSpPr>
+            <a:spLocks noGrp="1" noChangeArrowheads="1"/>
+          </p:cNvSpPr>
+          <p:nvPr>
+            <p:ph type="ftr" sz="quarter" idx="4"/>
+          </p:nvPr>
+        </p:nvSpPr>
+        <p:spPr>
+          <a:ln/>
+        </p:spPr>
+        <p:txBody>
+          <a:bodyPr/>
+          <a:lstStyle/>
+          <a:p>
+            <a:r>
+              <a:rPr lang="en-US" dirty="0"/>
+              <a:t>(c) 2007 National Academy for Software Development - http://academy.devbg.org. All rights reserved. Unauthorized copying or re-distribution is strictly prohibited.*</a:t>
+            </a:r>
+          </a:p>
+        </p:txBody>
+      </p:sp>
+      <p:sp>
+        <p:nvSpPr>
+          <p:cNvPr id="6" name="Rectangle 7"/>
+          <p:cNvSpPr>
+            <a:spLocks noGrp="1" noChangeArrowheads="1"/>
+          </p:cNvSpPr>
+          <p:nvPr>
+            <p:ph type="sldNum" sz="quarter" idx="5"/>
+          </p:nvPr>
+        </p:nvSpPr>
+        <p:spPr>
+          <a:ln/>
+        </p:spPr>
+        <p:txBody>
+          <a:bodyPr/>
+          <a:lstStyle/>
+          <a:p>
+            <a:fld id="{A9F17ACE-7042-4504-B31F-7EA154AC421A}" type="slidenum">
+              <a:rPr lang="en-US"/>
+              <a:pPr/>
+              <a:t>43</a:t>
+            </a:fld>
+            <a:r>
+              <a:rPr lang="en-US" dirty="0"/>
+              <a:t>##</a:t>
+            </a:r>
+          </a:p>
+        </p:txBody>
+      </p:sp>
+      <p:sp>
+        <p:nvSpPr>
+          <p:cNvPr id="606210" name="Rectangle 2"/>
+          <p:cNvSpPr>
+            <a:spLocks noGrp="1" noRot="1" noChangeAspect="1" noChangeArrowheads="1" noTextEdit="1"/>
+          </p:cNvSpPr>
+          <p:nvPr>
+            <p:ph type="sldImg"/>
+          </p:nvPr>
+        </p:nvSpPr>
+        <p:spPr>
+          <a:ln/>
+        </p:spPr>
+      </p:sp>
+      <p:sp>
+        <p:nvSpPr>
+          <p:cNvPr id="606211" name="Rectangle 3"/>
+          <p:cNvSpPr>
+            <a:spLocks noGrp="1" noChangeArrowheads="1"/>
+          </p:cNvSpPr>
+          <p:nvPr>
+            <p:ph type="body" idx="1"/>
+          </p:nvPr>
+        </p:nvSpPr>
+        <p:spPr/>
+        <p:txBody>
+          <a:bodyPr/>
+          <a:lstStyle/>
+          <a:p>
+            <a:endParaRPr lang="bg-BG"/>
+          </a:p>
+        </p:txBody>
+      </p:sp>
+    </p:spTree>
+    <p:extLst>
+      <p:ext uri="{BB962C8B-B14F-4D97-AF65-F5344CB8AC3E}">
+        <p14:creationId xmlns:p14="http://schemas.microsoft.com/office/powerpoint/2010/main" val="981762340"/>
+      </p:ext>
+    </p:extLst>
+  </p:cSld>
+  <p:clrMapOvr>
+    <a:masterClrMapping/>
+  </p:clrMapOvr>
+</p:notes>
+</file>
+
+<file path=ppt/notesSlides/notesSlide17.xml><?xml version="1.0" encoding="utf-8"?>
+<p:notes xmlns:a="http://schemas.openxmlformats.org/drawingml/2006/main" xmlns:r="http://schemas.openxmlformats.org/officeDocument/2006/relationships" xmlns:p="http://schemas.openxmlformats.org/presentationml/2006/main">
+  <p:cSld>
+    <p:spTree>
+      <p:nvGrpSpPr>
+        <p:cNvPr id="1" name=""/>
+        <p:cNvGrpSpPr/>
+        <p:nvPr/>
+      </p:nvGrpSpPr>
+      <p:grpSpPr>
+        <a:xfrm>
+          <a:off x="0" y="0"/>
+          <a:ext cx="0" cy="0"/>
+          <a:chOff x="0" y="0"/>
+          <a:chExt cx="0" cy="0"/>
+        </a:xfrm>
+      </p:grpSpPr>
+      <p:sp>
+        <p:nvSpPr>
+          <p:cNvPr id="4" name="Rectangle 2"/>
+          <p:cNvSpPr>
+            <a:spLocks noGrp="1" noChangeArrowheads="1"/>
+          </p:cNvSpPr>
+          <p:nvPr>
+            <p:ph type="hdr" sz="quarter"/>
+          </p:nvPr>
+        </p:nvSpPr>
+        <p:spPr>
+          <a:ln/>
+        </p:spPr>
+        <p:txBody>
+          <a:bodyPr/>
+          <a:lstStyle/>
+          <a:p>
+            <a:r>
+              <a:rPr lang="en-US" dirty="0"/>
+              <a:t>*</a:t>
+            </a:r>
+          </a:p>
+        </p:txBody>
+      </p:sp>
+      <p:sp>
+        <p:nvSpPr>
+          <p:cNvPr id="5" name="Rectangle 6"/>
+          <p:cNvSpPr>
+            <a:spLocks noGrp="1" noChangeArrowheads="1"/>
+          </p:cNvSpPr>
+          <p:nvPr>
+            <p:ph type="ftr" sz="quarter" idx="4"/>
+          </p:nvPr>
+        </p:nvSpPr>
+        <p:spPr>
+          <a:ln/>
+        </p:spPr>
+        <p:txBody>
+          <a:bodyPr/>
+          <a:lstStyle/>
+          <a:p>
+            <a:r>
+              <a:rPr lang="en-US" dirty="0"/>
+              <a:t>(c) 2007 National Academy for Software Development - http://academy.devbg.org. All rights reserved. Unauthorized copying or re-distribution is strictly prohibited.*</a:t>
+            </a:r>
+          </a:p>
+        </p:txBody>
+      </p:sp>
+      <p:sp>
+        <p:nvSpPr>
+          <p:cNvPr id="6" name="Rectangle 7"/>
+          <p:cNvSpPr>
+            <a:spLocks noGrp="1" noChangeArrowheads="1"/>
+          </p:cNvSpPr>
+          <p:nvPr>
+            <p:ph type="sldNum" sz="quarter" idx="5"/>
+          </p:nvPr>
+        </p:nvSpPr>
+        <p:spPr>
+          <a:ln/>
+        </p:spPr>
+        <p:txBody>
+          <a:bodyPr/>
+          <a:lstStyle/>
+          <a:p>
+            <a:fld id="{81293827-4D05-4487-A2E4-FFBD5EEDEBEA}" type="slidenum">
+              <a:rPr lang="en-US"/>
+              <a:pPr/>
+              <a:t>44</a:t>
+            </a:fld>
+            <a:r>
+              <a:rPr lang="en-US" dirty="0"/>
+              <a:t>##</a:t>
+            </a:r>
+          </a:p>
+        </p:txBody>
+      </p:sp>
+      <p:sp>
+        <p:nvSpPr>
+          <p:cNvPr id="608258" name="Rectangle 2"/>
+          <p:cNvSpPr>
+            <a:spLocks noGrp="1" noRot="1" noChangeAspect="1" noChangeArrowheads="1" noTextEdit="1"/>
+          </p:cNvSpPr>
+          <p:nvPr>
+            <p:ph type="sldImg"/>
+          </p:nvPr>
+        </p:nvSpPr>
+        <p:spPr>
+          <a:ln/>
+        </p:spPr>
+      </p:sp>
+      <p:sp>
+        <p:nvSpPr>
+          <p:cNvPr id="608259" name="Rectangle 3"/>
+          <p:cNvSpPr>
+            <a:spLocks noGrp="1" noChangeArrowheads="1"/>
+          </p:cNvSpPr>
+          <p:nvPr>
+            <p:ph type="body" idx="1"/>
+          </p:nvPr>
+        </p:nvSpPr>
+        <p:spPr/>
+        <p:txBody>
+          <a:bodyPr/>
+          <a:lstStyle/>
+          <a:p>
+            <a:endParaRPr lang="bg-BG"/>
+          </a:p>
+        </p:txBody>
+      </p:sp>
+    </p:spTree>
+    <p:extLst>
+      <p:ext uri="{BB962C8B-B14F-4D97-AF65-F5344CB8AC3E}">
+        <p14:creationId xmlns:p14="http://schemas.microsoft.com/office/powerpoint/2010/main" val="2886188940"/>
       </p:ext>
     </p:extLst>
   </p:cSld>
@@ -7024,6 +8011,81 @@
       </p:sp>
       <p:sp>
         <p:nvSpPr>
+          <p:cNvPr id="27" name="Text Placeholder 6"/>
+          <p:cNvSpPr>
+            <a:spLocks noGrp="1"/>
+          </p:cNvSpPr>
+          <p:nvPr>
+            <p:ph type="body" sz="quarter" idx="10"/>
+          </p:nvPr>
+        </p:nvSpPr>
+        <p:spPr/>
+        <p:txBody>
+          <a:bodyPr/>
+          <a:lstStyle/>
+          <a:p>
+            <a:r>
+              <a:rPr lang="en-US" dirty="0" smtClean="0"/>
+              <a:t>Learning &amp; Development Team</a:t>
+            </a:r>
+            <a:endParaRPr lang="en-US" dirty="0"/>
+          </a:p>
+        </p:txBody>
+      </p:sp>
+      <p:sp>
+        <p:nvSpPr>
+          <p:cNvPr id="28" name="Text Placeholder 7"/>
+          <p:cNvSpPr>
+            <a:spLocks noGrp="1"/>
+          </p:cNvSpPr>
+          <p:nvPr>
+            <p:ph type="body" sz="quarter" idx="11"/>
+          </p:nvPr>
+        </p:nvSpPr>
+        <p:spPr/>
+        <p:txBody>
+          <a:bodyPr/>
+          <a:lstStyle/>
+          <a:p>
+            <a:r>
+              <a:rPr lang="en-US" dirty="0" smtClean="0">
+                <a:hlinkClick r:id="rId3"/>
+              </a:rPr>
+              <a:t>http://academy.telerik.com</a:t>
+            </a:r>
+            <a:r>
+              <a:rPr lang="en-US" dirty="0" smtClean="0"/>
+              <a:t> </a:t>
+            </a:r>
+            <a:endParaRPr lang="en-US" dirty="0"/>
+          </a:p>
+        </p:txBody>
+      </p:sp>
+      <p:sp>
+        <p:nvSpPr>
+          <p:cNvPr id="29" name="Text Placeholder 13"/>
+          <p:cNvSpPr>
+            <a:spLocks noGrp="1"/>
+          </p:cNvSpPr>
+          <p:nvPr>
+            <p:ph type="body" sz="quarter" idx="12"/>
+          </p:nvPr>
+        </p:nvSpPr>
+        <p:spPr/>
+        <p:txBody>
+          <a:bodyPr/>
+          <a:lstStyle/>
+          <a:p>
+            <a:r>
+              <a:rPr lang="en-US" dirty="0" smtClean="0"/>
+              <a:t>Telerik Software Academy</a:t>
+            </a:r>
+            <a:endParaRPr lang="en-US" dirty="0"/>
+          </a:p>
+        </p:txBody>
+      </p:sp>
+      <p:sp>
+        <p:nvSpPr>
           <p:cNvPr id="12" name="TextBox 10"/>
           <p:cNvSpPr txBox="1"/>
           <p:nvPr/>
@@ -7185,7 +8247,7 @@
                   </a:innerShdw>
                   <a:reflection blurRad="63500" stA="50000" endPos="50000" dist="12700" dir="5400000" sy="-100000" algn="bl" rotWithShape="0"/>
                 </a:effectLst>
-                <a:hlinkClick r:id="rId3"/>
+                <a:hlinkClick r:id="rId4"/>
               </a:rPr>
               <a:t>http://csharpfundamentals.telerik.com</a:t>
             </a:r>
@@ -7212,7 +8274,7 @@
       <p:pic>
         <p:nvPicPr>
           <p:cNvPr id="19" name="Picture 18">
-            <a:hlinkClick r:id="rId3"/>
+            <a:hlinkClick r:id="rId4"/>
           </p:cNvPr>
           <p:cNvPicPr>
             <a:picLocks noChangeAspect="1"/>
@@ -7220,7 +8282,7 @@
           <p:nvPr/>
         </p:nvPicPr>
         <p:blipFill>
-          <a:blip r:embed="rId4" cstate="print">
+          <a:blip r:embed="rId5" cstate="print">
             <a:extLst>
               <a:ext uri="{28A0092B-C50C-407E-A947-70E740481C1C}">
                 <a14:useLocalDpi xmlns:a14="http://schemas.microsoft.com/office/drawing/2010/main" val="0"/>
@@ -7250,7 +8312,7 @@
           <p:nvPr/>
         </p:nvPicPr>
         <p:blipFill>
-          <a:blip r:embed="rId5" cstate="screen">
+          <a:blip r:embed="rId6" cstate="screen">
             <a:lum contrast="20000"/>
             <a:extLst>
               <a:ext uri="{28A0092B-C50C-407E-A947-70E740481C1C}">
@@ -7288,7 +8350,7 @@
           <p:nvPr/>
         </p:nvPicPr>
         <p:blipFill>
-          <a:blip r:embed="rId6" cstate="screen">
+          <a:blip r:embed="rId7" cstate="screen">
             <a:duotone>
               <a:prstClr val="black"/>
               <a:schemeClr val="tx2">
@@ -7325,817 +8387,6 @@
           </a:effectLst>
         </p:spPr>
       </p:pic>
-      <p:sp>
-        <p:nvSpPr>
-          <p:cNvPr id="14" name="Text Placeholder 6"/>
-          <p:cNvSpPr>
-            <a:spLocks noGrp="1"/>
-          </p:cNvSpPr>
-          <p:nvPr/>
-        </p:nvSpPr>
-        <p:spPr>
-          <a:xfrm>
-            <a:off x="429086" y="5726668"/>
-            <a:ext cx="3990513" cy="400110"/>
-          </a:xfrm>
-          <a:prstGeom prst="rect">
-            <a:avLst/>
-          </a:prstGeom>
-          <a:noFill/>
-        </p:spPr>
-        <p:txBody>
-          <a:bodyPr wrap="square" rtlCol="0">
-            <a:spAutoFit/>
-          </a:bodyPr>
-          <a:lstStyle>
-            <a:lvl1pPr marL="319088" indent="-319088" algn="l" rtl="0" eaLnBrk="0" fontAlgn="base" hangingPunct="0">
-              <a:spcBef>
-                <a:spcPct val="20000"/>
-              </a:spcBef>
-              <a:spcAft>
-                <a:spcPct val="0"/>
-              </a:spcAft>
-              <a:buClr>
-                <a:schemeClr val="accent5">
-                  <a:lumMod val="40000"/>
-                  <a:lumOff val="60000"/>
-                </a:schemeClr>
-              </a:buClr>
-              <a:buSzPct val="70000"/>
-              <a:buFont typeface="Wingdings 2" pitchFamily="18" charset="2"/>
-              <a:buNone/>
-              <a:defRPr lang="en-US" sz="2000" b="1" kern="1200" dirty="0">
-                <a:solidFill>
-                  <a:schemeClr val="tx2">
-                    <a:lumMod val="20000"/>
-                    <a:lumOff val="80000"/>
-                  </a:schemeClr>
-                </a:solidFill>
-                <a:effectLst>
-                  <a:outerShdw blurRad="38100" dist="38100" dir="2700000" algn="tl">
-                    <a:srgbClr val="000000">
-                      <a:alpha val="43137"/>
-                    </a:srgbClr>
-                  </a:outerShdw>
-                </a:effectLst>
-                <a:latin typeface="Corbel" pitchFamily="34" charset="0"/>
-                <a:ea typeface="+mn-ea"/>
-                <a:cs typeface="+mn-cs"/>
-              </a:defRPr>
-            </a:lvl1pPr>
-            <a:lvl2pPr marL="630238" indent="-273050" algn="l" rtl="0" eaLnBrk="0" fontAlgn="base" hangingPunct="0">
-              <a:spcBef>
-                <a:spcPct val="20000"/>
-              </a:spcBef>
-              <a:spcAft>
-                <a:spcPct val="0"/>
-              </a:spcAft>
-              <a:buClr>
-                <a:schemeClr val="accent2">
-                  <a:lumMod val="60000"/>
-                  <a:lumOff val="40000"/>
-                </a:schemeClr>
-              </a:buClr>
-              <a:buFont typeface="Wingdings 2" pitchFamily="18" charset="2"/>
-              <a:buChar char=""/>
-              <a:defRPr sz="3000" b="1" kern="1200">
-                <a:solidFill>
-                  <a:schemeClr val="tx1">
-                    <a:lumMod val="20000"/>
-                    <a:lumOff val="80000"/>
-                  </a:schemeClr>
-                </a:solidFill>
-                <a:effectLst>
-                  <a:outerShdw blurRad="38100" dist="38100" dir="2700000" algn="tl">
-                    <a:srgbClr val="000000">
-                      <a:alpha val="43137"/>
-                    </a:srgbClr>
-                  </a:outerShdw>
-                </a:effectLst>
-                <a:latin typeface="+mn-lt"/>
-                <a:ea typeface="+mn-ea"/>
-                <a:cs typeface="+mn-cs"/>
-              </a:defRPr>
-            </a:lvl2pPr>
-            <a:lvl3pPr marL="922338" indent="-273050" algn="l" rtl="0" eaLnBrk="0" fontAlgn="base" hangingPunct="0">
-              <a:spcBef>
-                <a:spcPct val="20000"/>
-              </a:spcBef>
-              <a:spcAft>
-                <a:spcPct val="0"/>
-              </a:spcAft>
-              <a:buClr>
-                <a:schemeClr val="tx1">
-                  <a:lumMod val="50000"/>
-                </a:schemeClr>
-              </a:buClr>
-              <a:buFont typeface="Wingdings 2" pitchFamily="18" charset="2"/>
-              <a:buChar char=""/>
-              <a:defRPr sz="2800" b="1" kern="1200">
-                <a:solidFill>
-                  <a:schemeClr val="tx1">
-                    <a:lumMod val="20000"/>
-                    <a:lumOff val="80000"/>
-                  </a:schemeClr>
-                </a:solidFill>
-                <a:effectLst>
-                  <a:outerShdw blurRad="38100" dist="38100" dir="2700000" algn="tl">
-                    <a:srgbClr val="000000">
-                      <a:alpha val="43137"/>
-                    </a:srgbClr>
-                  </a:outerShdw>
-                </a:effectLst>
-                <a:latin typeface="+mn-lt"/>
-                <a:ea typeface="+mn-ea"/>
-                <a:cs typeface="+mn-cs"/>
-              </a:defRPr>
-            </a:lvl3pPr>
-            <a:lvl4pPr marL="1187450" indent="-228600" algn="l" rtl="0" eaLnBrk="0" fontAlgn="base" hangingPunct="0">
-              <a:spcBef>
-                <a:spcPct val="20000"/>
-              </a:spcBef>
-              <a:spcAft>
-                <a:spcPct val="0"/>
-              </a:spcAft>
-              <a:buClr>
-                <a:srgbClr val="F8BD52"/>
-              </a:buClr>
-              <a:buFont typeface="Wingdings 2" pitchFamily="18" charset="2"/>
-              <a:buChar char=""/>
-              <a:defRPr sz="2600" b="1" kern="1200">
-                <a:solidFill>
-                  <a:schemeClr val="tx1">
-                    <a:lumMod val="20000"/>
-                    <a:lumOff val="80000"/>
-                  </a:schemeClr>
-                </a:solidFill>
-                <a:effectLst>
-                  <a:outerShdw blurRad="38100" dist="38100" dir="2700000" algn="tl">
-                    <a:srgbClr val="000000">
-                      <a:alpha val="43137"/>
-                    </a:srgbClr>
-                  </a:outerShdw>
-                </a:effectLst>
-                <a:latin typeface="+mn-lt"/>
-                <a:ea typeface="+mn-ea"/>
-                <a:cs typeface="+mn-cs"/>
-              </a:defRPr>
-            </a:lvl4pPr>
-            <a:lvl5pPr marL="1425575" indent="-228600" algn="l" rtl="0" eaLnBrk="0" fontAlgn="base" hangingPunct="0">
-              <a:spcBef>
-                <a:spcPct val="20000"/>
-              </a:spcBef>
-              <a:spcAft>
-                <a:spcPct val="0"/>
-              </a:spcAft>
-              <a:buClr>
-                <a:srgbClr val="46A6BD"/>
-              </a:buClr>
-              <a:buFont typeface="Wingdings 2" pitchFamily="18" charset="2"/>
-              <a:buChar char=""/>
-              <a:defRPr sz="2400" b="1" kern="1200">
-                <a:solidFill>
-                  <a:schemeClr val="tx1">
-                    <a:lumMod val="20000"/>
-                    <a:lumOff val="80000"/>
-                  </a:schemeClr>
-                </a:solidFill>
-                <a:effectLst>
-                  <a:outerShdw blurRad="38100" dist="38100" dir="2700000" algn="tl">
-                    <a:srgbClr val="000000">
-                      <a:alpha val="43137"/>
-                    </a:srgbClr>
-                  </a:outerShdw>
-                </a:effectLst>
-                <a:latin typeface="+mn-lt"/>
-                <a:ea typeface="+mn-ea"/>
-                <a:cs typeface="+mn-cs"/>
-              </a:defRPr>
-            </a:lvl5pPr>
-            <a:lvl6pPr marL="1673352" indent="-228600" algn="l" rtl="0" eaLnBrk="1" latinLnBrk="0" hangingPunct="1">
-              <a:spcBef>
-                <a:spcPct val="20000"/>
-              </a:spcBef>
-              <a:buClr>
-                <a:schemeClr val="accent6"/>
-              </a:buClr>
-              <a:buFont typeface="Wingdings 2"/>
-              <a:buChar char=""/>
-              <a:defRPr sz="1800" kern="1200">
-                <a:solidFill>
-                  <a:schemeClr val="tx1"/>
-                </a:solidFill>
-                <a:latin typeface="+mn-lt"/>
-                <a:ea typeface="+mn-ea"/>
-                <a:cs typeface="+mn-cs"/>
-              </a:defRPr>
-            </a:lvl6pPr>
-            <a:lvl7pPr marL="1911096" indent="-228600" algn="l" rtl="0" eaLnBrk="1" latinLnBrk="0" hangingPunct="1">
-              <a:spcBef>
-                <a:spcPct val="20000"/>
-              </a:spcBef>
-              <a:buClr>
-                <a:schemeClr val="tx2"/>
-              </a:buClr>
-              <a:buFont typeface="Wingdings 2"/>
-              <a:buChar char=""/>
-              <a:defRPr sz="1600" kern="1200">
-                <a:solidFill>
-                  <a:schemeClr val="tx1"/>
-                </a:solidFill>
-                <a:latin typeface="+mn-lt"/>
-                <a:ea typeface="+mn-ea"/>
-                <a:cs typeface="+mn-cs"/>
-              </a:defRPr>
-            </a:lvl7pPr>
-            <a:lvl8pPr marL="2121408" indent="-182880" algn="l" rtl="0" eaLnBrk="1" latinLnBrk="0" hangingPunct="1">
-              <a:spcBef>
-                <a:spcPct val="20000"/>
-              </a:spcBef>
-              <a:buClr>
-                <a:schemeClr val="tx2"/>
-              </a:buClr>
-              <a:buFont typeface="Wingdings 2"/>
-              <a:buChar char=""/>
-              <a:defRPr sz="1400" kern="1200">
-                <a:solidFill>
-                  <a:schemeClr val="tx1"/>
-                </a:solidFill>
-                <a:latin typeface="+mn-lt"/>
-                <a:ea typeface="+mn-ea"/>
-                <a:cs typeface="+mn-cs"/>
-              </a:defRPr>
-            </a:lvl8pPr>
-            <a:lvl9pPr marL="2322576" indent="-182880" algn="l" rtl="0" eaLnBrk="1" latinLnBrk="0" hangingPunct="1">
-              <a:spcBef>
-                <a:spcPct val="20000"/>
-              </a:spcBef>
-              <a:buClr>
-                <a:schemeClr val="tx2"/>
-              </a:buClr>
-              <a:buFont typeface="Wingdings 2"/>
-              <a:buChar char=""/>
-              <a:defRPr sz="1400" kern="1200">
-                <a:solidFill>
-                  <a:schemeClr val="tx1"/>
-                </a:solidFill>
-                <a:latin typeface="+mn-lt"/>
-                <a:ea typeface="+mn-ea"/>
-                <a:cs typeface="+mn-cs"/>
-              </a:defRPr>
-            </a:lvl9pPr>
-          </a:lstStyle>
-          <a:p>
-            <a:r>
-              <a:rPr lang="en-US" dirty="0"/>
-              <a:t>Telerik Software Academy</a:t>
-            </a:r>
-          </a:p>
-        </p:txBody>
-      </p:sp>
-      <p:sp>
-        <p:nvSpPr>
-          <p:cNvPr id="15" name="Text Placeholder 7"/>
-          <p:cNvSpPr>
-            <a:spLocks noGrp="1"/>
-          </p:cNvSpPr>
-          <p:nvPr/>
-        </p:nvSpPr>
-        <p:spPr>
-          <a:xfrm>
-            <a:off x="429087" y="6031468"/>
-            <a:ext cx="3990513" cy="369332"/>
-          </a:xfrm>
-          <a:prstGeom prst="rect">
-            <a:avLst/>
-          </a:prstGeom>
-          <a:noFill/>
-        </p:spPr>
-        <p:txBody>
-          <a:bodyPr wrap="square" rtlCol="0">
-            <a:spAutoFit/>
-          </a:bodyPr>
-          <a:lstStyle>
-            <a:lvl1pPr marL="319088" indent="-319088" algn="l" rtl="0" eaLnBrk="0" fontAlgn="base" hangingPunct="0">
-              <a:spcBef>
-                <a:spcPct val="20000"/>
-              </a:spcBef>
-              <a:spcAft>
-                <a:spcPct val="0"/>
-              </a:spcAft>
-              <a:buClr>
-                <a:schemeClr val="accent5">
-                  <a:lumMod val="40000"/>
-                  <a:lumOff val="60000"/>
-                </a:schemeClr>
-              </a:buClr>
-              <a:buSzPct val="70000"/>
-              <a:buFont typeface="Wingdings 2" pitchFamily="18" charset="2"/>
-              <a:buNone/>
-              <a:defRPr lang="en-US" sz="1800" b="1" kern="1200" dirty="0">
-                <a:solidFill>
-                  <a:schemeClr val="tx2">
-                    <a:lumMod val="20000"/>
-                    <a:lumOff val="80000"/>
-                  </a:schemeClr>
-                </a:solidFill>
-                <a:effectLst>
-                  <a:outerShdw blurRad="38100" dist="38100" dir="2700000" algn="tl">
-                    <a:srgbClr val="000000">
-                      <a:alpha val="43137"/>
-                    </a:srgbClr>
-                  </a:outerShdw>
-                </a:effectLst>
-                <a:latin typeface="Corbel" pitchFamily="34" charset="0"/>
-                <a:ea typeface="+mn-ea"/>
-                <a:cs typeface="+mn-cs"/>
-              </a:defRPr>
-            </a:lvl1pPr>
-            <a:lvl2pPr marL="630238" indent="-273050" algn="l" rtl="0" eaLnBrk="0" fontAlgn="base" hangingPunct="0">
-              <a:spcBef>
-                <a:spcPct val="20000"/>
-              </a:spcBef>
-              <a:spcAft>
-                <a:spcPct val="0"/>
-              </a:spcAft>
-              <a:buClr>
-                <a:schemeClr val="accent2">
-                  <a:lumMod val="60000"/>
-                  <a:lumOff val="40000"/>
-                </a:schemeClr>
-              </a:buClr>
-              <a:buFont typeface="Wingdings 2" pitchFamily="18" charset="2"/>
-              <a:buChar char=""/>
-              <a:defRPr sz="3000" b="1" kern="1200">
-                <a:solidFill>
-                  <a:schemeClr val="tx1">
-                    <a:lumMod val="20000"/>
-                    <a:lumOff val="80000"/>
-                  </a:schemeClr>
-                </a:solidFill>
-                <a:effectLst>
-                  <a:outerShdw blurRad="38100" dist="38100" dir="2700000" algn="tl">
-                    <a:srgbClr val="000000">
-                      <a:alpha val="43137"/>
-                    </a:srgbClr>
-                  </a:outerShdw>
-                </a:effectLst>
-                <a:latin typeface="+mn-lt"/>
-                <a:ea typeface="+mn-ea"/>
-                <a:cs typeface="+mn-cs"/>
-              </a:defRPr>
-            </a:lvl2pPr>
-            <a:lvl3pPr marL="922338" indent="-273050" algn="l" rtl="0" eaLnBrk="0" fontAlgn="base" hangingPunct="0">
-              <a:spcBef>
-                <a:spcPct val="20000"/>
-              </a:spcBef>
-              <a:spcAft>
-                <a:spcPct val="0"/>
-              </a:spcAft>
-              <a:buClr>
-                <a:schemeClr val="tx1">
-                  <a:lumMod val="50000"/>
-                </a:schemeClr>
-              </a:buClr>
-              <a:buFont typeface="Wingdings 2" pitchFamily="18" charset="2"/>
-              <a:buChar char=""/>
-              <a:defRPr sz="2800" b="1" kern="1200">
-                <a:solidFill>
-                  <a:schemeClr val="tx1">
-                    <a:lumMod val="20000"/>
-                    <a:lumOff val="80000"/>
-                  </a:schemeClr>
-                </a:solidFill>
-                <a:effectLst>
-                  <a:outerShdw blurRad="38100" dist="38100" dir="2700000" algn="tl">
-                    <a:srgbClr val="000000">
-                      <a:alpha val="43137"/>
-                    </a:srgbClr>
-                  </a:outerShdw>
-                </a:effectLst>
-                <a:latin typeface="+mn-lt"/>
-                <a:ea typeface="+mn-ea"/>
-                <a:cs typeface="+mn-cs"/>
-              </a:defRPr>
-            </a:lvl3pPr>
-            <a:lvl4pPr marL="1187450" indent="-228600" algn="l" rtl="0" eaLnBrk="0" fontAlgn="base" hangingPunct="0">
-              <a:spcBef>
-                <a:spcPct val="20000"/>
-              </a:spcBef>
-              <a:spcAft>
-                <a:spcPct val="0"/>
-              </a:spcAft>
-              <a:buClr>
-                <a:srgbClr val="F8BD52"/>
-              </a:buClr>
-              <a:buFont typeface="Wingdings 2" pitchFamily="18" charset="2"/>
-              <a:buChar char=""/>
-              <a:defRPr sz="2600" b="1" kern="1200">
-                <a:solidFill>
-                  <a:schemeClr val="tx1">
-                    <a:lumMod val="20000"/>
-                    <a:lumOff val="80000"/>
-                  </a:schemeClr>
-                </a:solidFill>
-                <a:effectLst>
-                  <a:outerShdw blurRad="38100" dist="38100" dir="2700000" algn="tl">
-                    <a:srgbClr val="000000">
-                      <a:alpha val="43137"/>
-                    </a:srgbClr>
-                  </a:outerShdw>
-                </a:effectLst>
-                <a:latin typeface="+mn-lt"/>
-                <a:ea typeface="+mn-ea"/>
-                <a:cs typeface="+mn-cs"/>
-              </a:defRPr>
-            </a:lvl4pPr>
-            <a:lvl5pPr marL="1425575" indent="-228600" algn="l" rtl="0" eaLnBrk="0" fontAlgn="base" hangingPunct="0">
-              <a:spcBef>
-                <a:spcPct val="20000"/>
-              </a:spcBef>
-              <a:spcAft>
-                <a:spcPct val="0"/>
-              </a:spcAft>
-              <a:buClr>
-                <a:srgbClr val="46A6BD"/>
-              </a:buClr>
-              <a:buFont typeface="Wingdings 2" pitchFamily="18" charset="2"/>
-              <a:buChar char=""/>
-              <a:defRPr sz="2400" b="1" kern="1200">
-                <a:solidFill>
-                  <a:schemeClr val="tx1">
-                    <a:lumMod val="20000"/>
-                    <a:lumOff val="80000"/>
-                  </a:schemeClr>
-                </a:solidFill>
-                <a:effectLst>
-                  <a:outerShdw blurRad="38100" dist="38100" dir="2700000" algn="tl">
-                    <a:srgbClr val="000000">
-                      <a:alpha val="43137"/>
-                    </a:srgbClr>
-                  </a:outerShdw>
-                </a:effectLst>
-                <a:latin typeface="+mn-lt"/>
-                <a:ea typeface="+mn-ea"/>
-                <a:cs typeface="+mn-cs"/>
-              </a:defRPr>
-            </a:lvl5pPr>
-            <a:lvl6pPr marL="1673352" indent="-228600" algn="l" rtl="0" eaLnBrk="1" latinLnBrk="0" hangingPunct="1">
-              <a:spcBef>
-                <a:spcPct val="20000"/>
-              </a:spcBef>
-              <a:buClr>
-                <a:schemeClr val="accent6"/>
-              </a:buClr>
-              <a:buFont typeface="Wingdings 2"/>
-              <a:buChar char=""/>
-              <a:defRPr sz="1800" kern="1200">
-                <a:solidFill>
-                  <a:schemeClr val="tx1"/>
-                </a:solidFill>
-                <a:latin typeface="+mn-lt"/>
-                <a:ea typeface="+mn-ea"/>
-                <a:cs typeface="+mn-cs"/>
-              </a:defRPr>
-            </a:lvl6pPr>
-            <a:lvl7pPr marL="1911096" indent="-228600" algn="l" rtl="0" eaLnBrk="1" latinLnBrk="0" hangingPunct="1">
-              <a:spcBef>
-                <a:spcPct val="20000"/>
-              </a:spcBef>
-              <a:buClr>
-                <a:schemeClr val="tx2"/>
-              </a:buClr>
-              <a:buFont typeface="Wingdings 2"/>
-              <a:buChar char=""/>
-              <a:defRPr sz="1600" kern="1200">
-                <a:solidFill>
-                  <a:schemeClr val="tx1"/>
-                </a:solidFill>
-                <a:latin typeface="+mn-lt"/>
-                <a:ea typeface="+mn-ea"/>
-                <a:cs typeface="+mn-cs"/>
-              </a:defRPr>
-            </a:lvl7pPr>
-            <a:lvl8pPr marL="2121408" indent="-182880" algn="l" rtl="0" eaLnBrk="1" latinLnBrk="0" hangingPunct="1">
-              <a:spcBef>
-                <a:spcPct val="20000"/>
-              </a:spcBef>
-              <a:buClr>
-                <a:schemeClr val="tx2"/>
-              </a:buClr>
-              <a:buFont typeface="Wingdings 2"/>
-              <a:buChar char=""/>
-              <a:defRPr sz="1400" kern="1200">
-                <a:solidFill>
-                  <a:schemeClr val="tx1"/>
-                </a:solidFill>
-                <a:latin typeface="+mn-lt"/>
-                <a:ea typeface="+mn-ea"/>
-                <a:cs typeface="+mn-cs"/>
-              </a:defRPr>
-            </a:lvl8pPr>
-            <a:lvl9pPr marL="2322576" indent="-182880" algn="l" rtl="0" eaLnBrk="1" latinLnBrk="0" hangingPunct="1">
-              <a:spcBef>
-                <a:spcPct val="20000"/>
-              </a:spcBef>
-              <a:buClr>
-                <a:schemeClr val="tx2"/>
-              </a:buClr>
-              <a:buFont typeface="Wingdings 2"/>
-              <a:buChar char=""/>
-              <a:defRPr sz="1400" kern="1200">
-                <a:solidFill>
-                  <a:schemeClr val="tx1"/>
-                </a:solidFill>
-                <a:latin typeface="+mn-lt"/>
-                <a:ea typeface="+mn-ea"/>
-                <a:cs typeface="+mn-cs"/>
-              </a:defRPr>
-            </a:lvl9pPr>
-          </a:lstStyle>
-          <a:p>
-            <a:r>
-              <a:rPr lang="en-US" dirty="0" smtClean="0">
-                <a:hlinkClick r:id="rId7"/>
-              </a:rPr>
-              <a:t>http://academy.telerik.com</a:t>
-            </a:r>
-            <a:r>
-              <a:rPr lang="en-US" dirty="0" smtClean="0"/>
-              <a:t> </a:t>
-            </a:r>
-            <a:endParaRPr lang="en-US" dirty="0"/>
-          </a:p>
-        </p:txBody>
-      </p:sp>
-      <p:sp>
-        <p:nvSpPr>
-          <p:cNvPr id="16" name="Text Placeholder 13"/>
-          <p:cNvSpPr>
-            <a:spLocks noGrp="1"/>
-          </p:cNvSpPr>
-          <p:nvPr/>
-        </p:nvSpPr>
-        <p:spPr>
-          <a:xfrm>
-            <a:off x="429087" y="5352025"/>
-            <a:ext cx="3990513" cy="461665"/>
-          </a:xfrm>
-          <a:prstGeom prst="rect">
-            <a:avLst/>
-          </a:prstGeom>
-          <a:noFill/>
-        </p:spPr>
-        <p:txBody>
-          <a:bodyPr wrap="square" rtlCol="0">
-            <a:spAutoFit/>
-          </a:bodyPr>
-          <a:lstStyle>
-            <a:lvl1pPr marL="0" indent="0" algn="l" rtl="0" eaLnBrk="0" fontAlgn="base" hangingPunct="0">
-              <a:spcBef>
-                <a:spcPct val="20000"/>
-              </a:spcBef>
-              <a:spcAft>
-                <a:spcPct val="0"/>
-              </a:spcAft>
-              <a:buClr>
-                <a:schemeClr val="accent5">
-                  <a:lumMod val="40000"/>
-                  <a:lumOff val="60000"/>
-                </a:schemeClr>
-              </a:buClr>
-              <a:buSzPct val="70000"/>
-              <a:buFont typeface="Wingdings 2" pitchFamily="18" charset="2"/>
-              <a:buNone/>
-              <a:defRPr lang="en-US" sz="2400" b="1" kern="1200" dirty="0">
-                <a:solidFill>
-                  <a:schemeClr val="tx2">
-                    <a:lumMod val="50000"/>
-                  </a:schemeClr>
-                </a:solidFill>
-                <a:effectLst>
-                  <a:outerShdw blurRad="38100" dist="38100" dir="2700000" algn="tl">
-                    <a:srgbClr val="000000">
-                      <a:alpha val="43137"/>
-                    </a:srgbClr>
-                  </a:outerShdw>
-                </a:effectLst>
-                <a:latin typeface="Corbel" pitchFamily="34" charset="0"/>
-                <a:ea typeface="+mn-ea"/>
-                <a:cs typeface="+mn-cs"/>
-              </a:defRPr>
-            </a:lvl1pPr>
-            <a:lvl2pPr marL="630238" indent="-273050" algn="l" rtl="0" eaLnBrk="0" fontAlgn="base" hangingPunct="0">
-              <a:spcBef>
-                <a:spcPct val="20000"/>
-              </a:spcBef>
-              <a:spcAft>
-                <a:spcPct val="0"/>
-              </a:spcAft>
-              <a:buClr>
-                <a:schemeClr val="accent2">
-                  <a:lumMod val="60000"/>
-                  <a:lumOff val="40000"/>
-                </a:schemeClr>
-              </a:buClr>
-              <a:buFont typeface="Wingdings 2" pitchFamily="18" charset="2"/>
-              <a:buChar char=""/>
-              <a:defRPr sz="3000" b="1" kern="1200">
-                <a:solidFill>
-                  <a:schemeClr val="tx1">
-                    <a:lumMod val="20000"/>
-                    <a:lumOff val="80000"/>
-                  </a:schemeClr>
-                </a:solidFill>
-                <a:effectLst>
-                  <a:outerShdw blurRad="38100" dist="38100" dir="2700000" algn="tl">
-                    <a:srgbClr val="000000">
-                      <a:alpha val="43137"/>
-                    </a:srgbClr>
-                  </a:outerShdw>
-                </a:effectLst>
-                <a:latin typeface="+mn-lt"/>
-                <a:ea typeface="+mn-ea"/>
-                <a:cs typeface="+mn-cs"/>
-              </a:defRPr>
-            </a:lvl2pPr>
-            <a:lvl3pPr marL="922338" indent="-273050" algn="l" rtl="0" eaLnBrk="0" fontAlgn="base" hangingPunct="0">
-              <a:spcBef>
-                <a:spcPct val="20000"/>
-              </a:spcBef>
-              <a:spcAft>
-                <a:spcPct val="0"/>
-              </a:spcAft>
-              <a:buClr>
-                <a:schemeClr val="tx1">
-                  <a:lumMod val="50000"/>
-                </a:schemeClr>
-              </a:buClr>
-              <a:buFont typeface="Wingdings 2" pitchFamily="18" charset="2"/>
-              <a:buChar char=""/>
-              <a:defRPr sz="2800" b="1" kern="1200">
-                <a:solidFill>
-                  <a:schemeClr val="tx1">
-                    <a:lumMod val="20000"/>
-                    <a:lumOff val="80000"/>
-                  </a:schemeClr>
-                </a:solidFill>
-                <a:effectLst>
-                  <a:outerShdw blurRad="38100" dist="38100" dir="2700000" algn="tl">
-                    <a:srgbClr val="000000">
-                      <a:alpha val="43137"/>
-                    </a:srgbClr>
-                  </a:outerShdw>
-                </a:effectLst>
-                <a:latin typeface="+mn-lt"/>
-                <a:ea typeface="+mn-ea"/>
-                <a:cs typeface="+mn-cs"/>
-              </a:defRPr>
-            </a:lvl3pPr>
-            <a:lvl4pPr marL="1187450" indent="-228600" algn="l" rtl="0" eaLnBrk="0" fontAlgn="base" hangingPunct="0">
-              <a:spcBef>
-                <a:spcPct val="20000"/>
-              </a:spcBef>
-              <a:spcAft>
-                <a:spcPct val="0"/>
-              </a:spcAft>
-              <a:buClr>
-                <a:srgbClr val="F8BD52"/>
-              </a:buClr>
-              <a:buFont typeface="Wingdings 2" pitchFamily="18" charset="2"/>
-              <a:buChar char=""/>
-              <a:defRPr sz="2600" b="1" kern="1200">
-                <a:solidFill>
-                  <a:schemeClr val="tx1">
-                    <a:lumMod val="20000"/>
-                    <a:lumOff val="80000"/>
-                  </a:schemeClr>
-                </a:solidFill>
-                <a:effectLst>
-                  <a:outerShdw blurRad="38100" dist="38100" dir="2700000" algn="tl">
-                    <a:srgbClr val="000000">
-                      <a:alpha val="43137"/>
-                    </a:srgbClr>
-                  </a:outerShdw>
-                </a:effectLst>
-                <a:latin typeface="+mn-lt"/>
-                <a:ea typeface="+mn-ea"/>
-                <a:cs typeface="+mn-cs"/>
-              </a:defRPr>
-            </a:lvl4pPr>
-            <a:lvl5pPr marL="1425575" indent="-228600" algn="l" rtl="0" eaLnBrk="0" fontAlgn="base" hangingPunct="0">
-              <a:spcBef>
-                <a:spcPct val="20000"/>
-              </a:spcBef>
-              <a:spcAft>
-                <a:spcPct val="0"/>
-              </a:spcAft>
-              <a:buClr>
-                <a:srgbClr val="46A6BD"/>
-              </a:buClr>
-              <a:buFont typeface="Wingdings 2" pitchFamily="18" charset="2"/>
-              <a:buChar char=""/>
-              <a:defRPr sz="2400" b="1" kern="1200">
-                <a:solidFill>
-                  <a:schemeClr val="tx1">
-                    <a:lumMod val="20000"/>
-                    <a:lumOff val="80000"/>
-                  </a:schemeClr>
-                </a:solidFill>
-                <a:effectLst>
-                  <a:outerShdw blurRad="38100" dist="38100" dir="2700000" algn="tl">
-                    <a:srgbClr val="000000">
-                      <a:alpha val="43137"/>
-                    </a:srgbClr>
-                  </a:outerShdw>
-                </a:effectLst>
-                <a:latin typeface="+mn-lt"/>
-                <a:ea typeface="+mn-ea"/>
-                <a:cs typeface="+mn-cs"/>
-              </a:defRPr>
-            </a:lvl5pPr>
-            <a:lvl6pPr marL="1673352" indent="-228600" algn="l" rtl="0" eaLnBrk="1" latinLnBrk="0" hangingPunct="1">
-              <a:spcBef>
-                <a:spcPct val="20000"/>
-              </a:spcBef>
-              <a:buClr>
-                <a:schemeClr val="accent6"/>
-              </a:buClr>
-              <a:buFont typeface="Wingdings 2"/>
-              <a:buChar char=""/>
-              <a:defRPr sz="1800" kern="1200">
-                <a:solidFill>
-                  <a:schemeClr val="tx1"/>
-                </a:solidFill>
-                <a:latin typeface="+mn-lt"/>
-                <a:ea typeface="+mn-ea"/>
-                <a:cs typeface="+mn-cs"/>
-              </a:defRPr>
-            </a:lvl6pPr>
-            <a:lvl7pPr marL="1911096" indent="-228600" algn="l" rtl="0" eaLnBrk="1" latinLnBrk="0" hangingPunct="1">
-              <a:spcBef>
-                <a:spcPct val="20000"/>
-              </a:spcBef>
-              <a:buClr>
-                <a:schemeClr val="tx2"/>
-              </a:buClr>
-              <a:buFont typeface="Wingdings 2"/>
-              <a:buChar char=""/>
-              <a:defRPr sz="1600" kern="1200">
-                <a:solidFill>
-                  <a:schemeClr val="tx1"/>
-                </a:solidFill>
-                <a:latin typeface="+mn-lt"/>
-                <a:ea typeface="+mn-ea"/>
-                <a:cs typeface="+mn-cs"/>
-              </a:defRPr>
-            </a:lvl7pPr>
-            <a:lvl8pPr marL="2121408" indent="-182880" algn="l" rtl="0" eaLnBrk="1" latinLnBrk="0" hangingPunct="1">
-              <a:spcBef>
-                <a:spcPct val="20000"/>
-              </a:spcBef>
-              <a:buClr>
-                <a:schemeClr val="tx2"/>
-              </a:buClr>
-              <a:buFont typeface="Wingdings 2"/>
-              <a:buChar char=""/>
-              <a:defRPr sz="1400" kern="1200">
-                <a:solidFill>
-                  <a:schemeClr val="tx1"/>
-                </a:solidFill>
-                <a:latin typeface="+mn-lt"/>
-                <a:ea typeface="+mn-ea"/>
-                <a:cs typeface="+mn-cs"/>
-              </a:defRPr>
-            </a:lvl8pPr>
-            <a:lvl9pPr marL="2322576" indent="-182880" algn="l" rtl="0" eaLnBrk="1" latinLnBrk="0" hangingPunct="1">
-              <a:spcBef>
-                <a:spcPct val="20000"/>
-              </a:spcBef>
-              <a:buClr>
-                <a:schemeClr val="tx2"/>
-              </a:buClr>
-              <a:buFont typeface="Wingdings 2"/>
-              <a:buChar char=""/>
-              <a:defRPr sz="1400" kern="1200">
-                <a:solidFill>
-                  <a:schemeClr val="tx1"/>
-                </a:solidFill>
-                <a:latin typeface="+mn-lt"/>
-                <a:ea typeface="+mn-ea"/>
-                <a:cs typeface="+mn-cs"/>
-              </a:defRPr>
-            </a:lvl9pPr>
-          </a:lstStyle>
-          <a:p>
-            <a:r>
-              <a:rPr lang="en-US" dirty="0" smtClean="0"/>
-              <a:t>C# Fundamentals – Part 2</a:t>
-            </a:r>
-            <a:endParaRPr lang="en-US" dirty="0"/>
-          </a:p>
-        </p:txBody>
-      </p:sp>
     </p:spTree>
   </p:cSld>
   <p:clrMapOvr>
@@ -15104,13 +15355,17 @@
           <a:p>
             <a:r>
               <a:rPr lang="en-US" sz="3800" dirty="0" smtClean="0"/>
-              <a:t>Processing Arrays Using</a:t>
+              <a:t>Processing </a:t>
+            </a:r>
+            <a:r>
+              <a:rPr lang="en-US" sz="3800" smtClean="0"/>
+              <a:t>Arrays Using</a:t>
             </a:r>
             <a:br>
-              <a:rPr lang="en-US" sz="3800" dirty="0" smtClean="0"/>
+              <a:rPr lang="en-US" sz="3800" smtClean="0"/>
             </a:br>
             <a:r>
-              <a:rPr lang="en-US" sz="3800" dirty="0" smtClean="0">
+              <a:rPr lang="en-US" sz="3800" smtClean="0">
                 <a:solidFill>
                   <a:schemeClr val="accent5">
                     <a:lumMod val="20000"/>
@@ -15123,14 +15378,22 @@
               <a:t>for</a:t>
             </a:r>
             <a:r>
-              <a:rPr lang="en-US" sz="3800" dirty="0" smtClean="0"/>
+              <a:rPr lang="en-US" sz="3800" smtClean="0"/>
               <a:t> </a:t>
             </a:r>
             <a:r>
-              <a:rPr lang="en-US" sz="3800" dirty="0"/>
+              <a:rPr lang="en-US" sz="3800" dirty="0" smtClean="0">
+                <a:solidFill>
+                  <a:schemeClr val="tx1"/>
+                </a:solidFill>
+              </a:rPr>
               <a:t>Loop – Examples</a:t>
             </a:r>
-            <a:endParaRPr lang="bg-BG" sz="3800" dirty="0"/>
+            <a:endParaRPr lang="bg-BG" sz="3800" dirty="0">
+              <a:solidFill>
+                <a:schemeClr val="tx1"/>
+              </a:solidFill>
+            </a:endParaRPr>
           </a:p>
         </p:txBody>
       </p:sp>
@@ -23397,9 +23660,53 @@
       </p:grpSpPr>
       <p:sp>
         <p:nvSpPr>
-          <p:cNvPr id="3" name="Title 2"/>
+          <p:cNvPr id="4" name="Rectangle 5"/>
           <p:cNvSpPr>
-            <a:spLocks noGrp="1"/>
+            <a:spLocks noChangeArrowheads="1"/>
+          </p:cNvSpPr>
+          <p:nvPr/>
+        </p:nvSpPr>
+        <p:spPr bwMode="auto">
+          <a:xfrm>
+            <a:off x="4476750" y="5962650"/>
+            <a:ext cx="1085850" cy="457200"/>
+          </a:xfrm>
+          <a:prstGeom prst="rect">
+            <a:avLst/>
+          </a:prstGeom>
+          <a:solidFill>
+            <a:schemeClr val="accent5">
+              <a:lumMod val="20000"/>
+              <a:lumOff val="80000"/>
+              <a:alpha val="20000"/>
+            </a:schemeClr>
+          </a:solidFill>
+          <a:ln w="9525" algn="ctr">
+            <a:solidFill>
+              <a:schemeClr val="accent5">
+                <a:lumMod val="20000"/>
+                <a:lumOff val="80000"/>
+              </a:schemeClr>
+            </a:solidFill>
+            <a:miter lim="800000"/>
+            <a:headEnd/>
+            <a:tailEnd/>
+          </a:ln>
+          <a:effectLst/>
+        </p:spPr>
+        <p:txBody>
+          <a:bodyPr wrap="none" anchor="ctr"/>
+          <a:lstStyle/>
+          <a:p>
+            <a:endParaRPr lang="en-US" dirty="0"/>
+          </a:p>
+        </p:txBody>
+      </p:sp>
+      <p:sp>
+        <p:nvSpPr>
+          <p:cNvPr id="425986" name="Rectangle 2"/>
+          <p:cNvSpPr>
+            <a:spLocks noGrp="1" noChangeArrowheads="1"/>
           </p:cNvSpPr>
           <p:nvPr>
             <p:ph type="title"/>
@@ -23411,18 +23718,18 @@
           <a:lstStyle/>
           <a:p>
             <a:r>
-              <a:rPr lang="en-US" sz="3600" dirty="0" smtClean="0"/>
-              <a:t>Free Trainings @ Telerik Academy</a:t>
-            </a:r>
-            <a:endParaRPr lang="en-US" sz="3600" dirty="0"/>
+              <a:rPr lang="en-US" dirty="0"/>
+              <a:t>Exercises</a:t>
+            </a:r>
+            <a:endParaRPr lang="bg-BG"/>
           </a:p>
         </p:txBody>
       </p:sp>
       <p:sp>
         <p:nvSpPr>
-          <p:cNvPr id="4" name="Content Placeholder 3"/>
+          <p:cNvPr id="425987" name="Rectangle 3"/>
           <p:cNvSpPr>
-            <a:spLocks noGrp="1"/>
+            <a:spLocks noGrp="1" noChangeArrowheads="1"/>
           </p:cNvSpPr>
           <p:nvPr>
             <p:ph idx="1"/>
@@ -23430,404 +23737,477 @@
         </p:nvSpPr>
         <p:spPr>
           <a:xfrm>
-            <a:off x="228600" y="1066800"/>
-            <a:ext cx="8686800" cy="5638800"/>
+            <a:off x="228600" y="1143000"/>
+            <a:ext cx="8686800" cy="5562600"/>
           </a:xfrm>
         </p:spPr>
         <p:txBody>
           <a:bodyPr/>
           <a:lstStyle/>
           <a:p>
-            <a:r>
-              <a:rPr lang="en-US" dirty="0" smtClean="0"/>
-              <a:t>“C# Programming @ Telerik Academy</a:t>
-            </a:r>
-          </a:p>
-          <a:p>
-            <a:pPr marL="574675" lvl="2" indent="-282575">
-              <a:buClr>
-                <a:schemeClr val="accent5">
-                  <a:lumMod val="40000"/>
-                  <a:lumOff val="60000"/>
-                </a:schemeClr>
-              </a:buClr>
-              <a:buSzPct val="70000"/>
-              <a:buFont typeface="Wingdings 2" pitchFamily="18" charset="2"/>
-              <a:buChar char=""/>
-              <a:tabLst>
-                <a:tab pos="282575" algn="l"/>
-              </a:tabLst>
+            <a:pPr marL="450850" indent="-450850">
+              <a:lnSpc>
+                <a:spcPts val="3600"/>
+              </a:lnSpc>
+              <a:buFontTx/>
+              <a:buAutoNum type="arabicPeriod"/>
             </a:pPr>
             <a:r>
-              <a:rPr lang="en-US" noProof="1">
-                <a:hlinkClick r:id="rId2"/>
-              </a:rPr>
-              <a:t>csharpfundamentals.telerik.com</a:t>
-            </a:r>
-            <a:endParaRPr lang="en-US" noProof="1"/>
-          </a:p>
-          <a:p>
-            <a:pPr marL="282575" lvl="1" indent="-282575">
-              <a:spcBef>
-                <a:spcPts val="1800"/>
-              </a:spcBef>
-              <a:buClr>
-                <a:schemeClr val="accent5">
-                  <a:lumMod val="40000"/>
-                  <a:lumOff val="60000"/>
-                </a:schemeClr>
-              </a:buClr>
-              <a:buSzPct val="70000"/>
-              <a:buFont typeface="Wingdings 2" pitchFamily="18" charset="2"/>
-              <a:buChar char=""/>
-              <a:tabLst>
-                <a:tab pos="282575" algn="l"/>
-              </a:tabLst>
+              <a:rPr lang="en-US" sz="2800" dirty="0"/>
+              <a:t>Write a program that allocates array of 20 integers and initializes each element by its index multiplied by 5. Print the obtained array on the console.</a:t>
+            </a:r>
+            <a:endParaRPr lang="en-US" sz="2800" noProof="1"/>
+          </a:p>
+          <a:p>
+            <a:pPr marL="450850" indent="-450850">
+              <a:lnSpc>
+                <a:spcPts val="3600"/>
+              </a:lnSpc>
+              <a:buFontTx/>
+              <a:buAutoNum type="arabicPeriod"/>
             </a:pPr>
             <a:r>
-              <a:rPr lang="en-US" dirty="0" smtClean="0"/>
-              <a:t>Telerik Software Academy</a:t>
-            </a:r>
-          </a:p>
-          <a:p>
-            <a:pPr marL="574675" lvl="2" indent="-282575">
-              <a:buClr>
-                <a:schemeClr val="accent5">
-                  <a:lumMod val="40000"/>
-                  <a:lumOff val="60000"/>
-                </a:schemeClr>
-              </a:buClr>
-              <a:buSzPct val="70000"/>
-              <a:buFont typeface="Wingdings 2" pitchFamily="18" charset="2"/>
-              <a:buChar char=""/>
-              <a:tabLst>
-                <a:tab pos="282575" algn="l"/>
-              </a:tabLst>
+              <a:rPr lang="en-US" sz="2800" dirty="0"/>
+              <a:t>Write a program that reads two arrays from the console and compares them </a:t>
+            </a:r>
+            <a:r>
+              <a:rPr lang="en-US" sz="2800" dirty="0" smtClean="0"/>
+              <a:t>element by element.</a:t>
+            </a:r>
+            <a:endParaRPr lang="en-US" sz="2800" dirty="0"/>
+          </a:p>
+          <a:p>
+            <a:pPr marL="450850" indent="-450850">
+              <a:lnSpc>
+                <a:spcPts val="3600"/>
+              </a:lnSpc>
+              <a:buFontTx/>
+              <a:buAutoNum type="arabicPeriod"/>
             </a:pPr>
             <a:r>
-              <a:rPr lang="en-US" noProof="1" smtClean="0">
-                <a:hlinkClick r:id="rId3" tooltip="Telerik Software Academy - Free Programming Courses"/>
-              </a:rPr>
-              <a:t>academy.telerik.com</a:t>
-            </a:r>
-            <a:endParaRPr lang="en-US" noProof="1" smtClean="0"/>
-          </a:p>
-          <a:p>
-            <a:pPr marL="282575" lvl="1" indent="-282575">
-              <a:spcBef>
-                <a:spcPts val="1800"/>
-              </a:spcBef>
-              <a:buClr>
-                <a:schemeClr val="accent5">
-                  <a:lumMod val="40000"/>
-                  <a:lumOff val="60000"/>
-                </a:schemeClr>
-              </a:buClr>
-              <a:buSzPct val="70000"/>
-              <a:buFont typeface="Wingdings 2" pitchFamily="18" charset="2"/>
-              <a:buChar char=""/>
-              <a:tabLst>
-                <a:tab pos="282575" algn="l"/>
-              </a:tabLst>
+              <a:rPr lang="en-US" sz="2800" dirty="0"/>
+              <a:t>Write a program that compares two </a:t>
+            </a:r>
+            <a:r>
+              <a:rPr lang="en-US" sz="2800" dirty="0">
+                <a:solidFill>
+                  <a:schemeClr val="accent5">
+                    <a:lumMod val="20000"/>
+                    <a:lumOff val="80000"/>
+                  </a:schemeClr>
+                </a:solidFill>
+                <a:effectLst>
+                  <a:outerShdw blurRad="38100" dist="38100" dir="2700000" algn="tl">
+                    <a:srgbClr val="000000"/>
+                  </a:outerShdw>
+                </a:effectLst>
+                <a:latin typeface="Consolas" pitchFamily="49" charset="0"/>
+                <a:cs typeface="Consolas" pitchFamily="49" charset="0"/>
+              </a:rPr>
+              <a:t>char</a:t>
+            </a:r>
+            <a:r>
+              <a:rPr lang="en-US" sz="2800" dirty="0"/>
+              <a:t> arrays lexicographically (letter by letter).</a:t>
+            </a:r>
+          </a:p>
+          <a:p>
+            <a:pPr marL="450850" indent="-450850">
+              <a:lnSpc>
+                <a:spcPts val="3600"/>
+              </a:lnSpc>
+              <a:buFontTx/>
+              <a:buAutoNum type="arabicPeriod"/>
             </a:pPr>
             <a:r>
-              <a:rPr lang="en-US" dirty="0" smtClean="0"/>
-              <a:t>Telerik Academy @ Facebook</a:t>
-            </a:r>
-          </a:p>
-          <a:p>
-            <a:pPr marL="574675" lvl="2" indent="-282575">
-              <a:buClr>
-                <a:schemeClr val="accent5">
-                  <a:lumMod val="40000"/>
-                  <a:lumOff val="60000"/>
-                </a:schemeClr>
-              </a:buClr>
-              <a:buSzPct val="70000"/>
-              <a:buFont typeface="Wingdings 2" pitchFamily="18" charset="2"/>
-              <a:buChar char=""/>
-              <a:tabLst>
-                <a:tab pos="282575" algn="l"/>
-              </a:tabLst>
+              <a:rPr lang="en-US" sz="2800" dirty="0"/>
+              <a:t>Write a program that finds the maximal sequence of equal elements in an array</a:t>
+            </a:r>
+            <a:r>
+              <a:rPr lang="en-US" sz="2800" dirty="0" smtClean="0"/>
+              <a:t>.</a:t>
+            </a:r>
+          </a:p>
+          <a:p>
+            <a:pPr marL="450850" indent="-450850">
+              <a:lnSpc>
+                <a:spcPts val="3600"/>
+              </a:lnSpc>
+              <a:buNone/>
             </a:pPr>
             <a:r>
-              <a:rPr lang="en-US" noProof="1" smtClean="0">
-                <a:hlinkClick r:id="rId4" tooltip="Telerik Softyware Academy @ Facebook"/>
-              </a:rPr>
-              <a:t>facebook.com/TelerikAcademy</a:t>
-            </a:r>
-            <a:endParaRPr lang="en-US" noProof="1" smtClean="0"/>
-          </a:p>
-          <a:p>
-            <a:pPr marL="282575" lvl="1" indent="-282575">
-              <a:spcBef>
-                <a:spcPts val="1800"/>
-              </a:spcBef>
-              <a:buClr>
-                <a:schemeClr val="accent5">
-                  <a:lumMod val="40000"/>
-                  <a:lumOff val="60000"/>
-                </a:schemeClr>
-              </a:buClr>
-              <a:buSzPct val="70000"/>
-              <a:buFont typeface="Wingdings 2" pitchFamily="18" charset="2"/>
-              <a:buChar char=""/>
-              <a:tabLst>
-                <a:tab pos="282575" algn="l"/>
-              </a:tabLst>
-            </a:pPr>
-            <a:r>
-              <a:rPr lang="en-US" dirty="0" smtClean="0"/>
-              <a:t>Telerik Software Academy Forums</a:t>
-            </a:r>
-          </a:p>
-          <a:p>
-            <a:pPr marL="574675" lvl="2" indent="-282575">
-              <a:buClr>
-                <a:schemeClr val="accent5">
-                  <a:lumMod val="40000"/>
-                  <a:lumOff val="60000"/>
-                </a:schemeClr>
-              </a:buClr>
-              <a:buSzPct val="70000"/>
-              <a:buFont typeface="Wingdings 2" pitchFamily="18" charset="2"/>
-              <a:buChar char=""/>
-              <a:tabLst>
-                <a:tab pos="282575" algn="l"/>
-              </a:tabLst>
-            </a:pPr>
-            <a:r>
-              <a:rPr lang="en-US" noProof="1" smtClean="0">
-                <a:hlinkClick r:id="rId5" tooltip="Telerik Software Academy Forums - Community for Programmers"/>
-              </a:rPr>
-              <a:t>forums.academy.telerik.com</a:t>
-            </a:r>
-            <a:endParaRPr lang="en-US" noProof="1"/>
+              <a:rPr lang="en-US" sz="2800" dirty="0" smtClean="0"/>
+              <a:t>		Example</a:t>
+            </a:r>
+            <a:r>
+              <a:rPr lang="en-US" sz="2800" dirty="0"/>
+              <a:t>: {2, 1, 1, 2, 3, 3, </a:t>
+            </a:r>
+            <a:r>
+              <a:rPr lang="en-US" sz="2800" dirty="0">
+                <a:solidFill>
+                  <a:schemeClr val="accent5">
+                    <a:lumMod val="20000"/>
+                    <a:lumOff val="80000"/>
+                  </a:schemeClr>
+                </a:solidFill>
+                <a:effectLst>
+                  <a:outerShdw blurRad="38100" dist="38100" dir="2700000" algn="tl">
+                    <a:srgbClr val="000000"/>
+                  </a:outerShdw>
+                </a:effectLst>
+              </a:rPr>
+              <a:t>2, 2, 2</a:t>
+            </a:r>
+            <a:r>
+              <a:rPr lang="en-US" sz="2800" dirty="0"/>
+              <a:t>, 1} </a:t>
+            </a:r>
+            <a:r>
+              <a:rPr lang="en-US" sz="2800" dirty="0">
+                <a:sym typeface="Wingdings" pitchFamily="2" charset="2"/>
+              </a:rPr>
+              <a:t> {2, 2, 2}.</a:t>
+            </a:r>
+            <a:endParaRPr lang="en-US" sz="2800" dirty="0"/>
           </a:p>
         </p:txBody>
       </p:sp>
-      <p:pic>
-        <p:nvPicPr>
-          <p:cNvPr id="5" name="Picture 5">
-            <a:hlinkClick r:id="rId5" tooltip="Telerik Software Academy Forums - Discussion Board for Developers"/>
-          </p:cNvPr>
-          <p:cNvPicPr>
-            <a:picLocks noChangeAspect="1" noChangeArrowheads="1"/>
-          </p:cNvPicPr>
-          <p:nvPr/>
-        </p:nvPicPr>
-        <p:blipFill>
-          <a:blip r:embed="rId6">
-            <a:extLst>
-              <a:ext uri="{28A0092B-C50C-407E-A947-70E740481C1C}">
-                <a14:useLocalDpi xmlns:a14="http://schemas.microsoft.com/office/drawing/2010/main" val="0"/>
-              </a:ext>
-            </a:extLst>
-          </a:blip>
-          <a:srcRect/>
-          <a:stretch>
-            <a:fillRect/>
-          </a:stretch>
-        </p:blipFill>
-        <p:spPr bwMode="auto">
-          <a:xfrm>
-            <a:off x="7523898" y="5218092"/>
-            <a:ext cx="1162902" cy="1268619"/>
-          </a:xfrm>
-          <a:prstGeom prst="rect">
-            <a:avLst/>
-          </a:prstGeom>
-          <a:noFill/>
-          <a:ln>
-            <a:noFill/>
-          </a:ln>
-          <a:effectLst/>
-          <a:extLst>
-            <a:ext uri="{909E8E84-426E-40DD-AFC4-6F175D3DCCD1}">
-              <a14:hiddenFill xmlns:a14="http://schemas.microsoft.com/office/drawing/2010/main">
-                <a:solidFill>
-                  <a:schemeClr val="accent1"/>
-                </a:solidFill>
-              </a14:hiddenFill>
-            </a:ext>
-            <a:ext uri="{91240B29-F687-4F45-9708-019B960494DF}">
-              <a14:hiddenLine xmlns:a14="http://schemas.microsoft.com/office/drawing/2010/main" w="9525">
-                <a:solidFill>
-                  <a:schemeClr val="tx1"/>
-                </a:solidFill>
-                <a:miter lim="800000"/>
-                <a:headEnd/>
-                <a:tailEnd/>
-              </a14:hiddenLine>
-            </a:ext>
-            <a:ext uri="{AF507438-7753-43E0-B8FC-AC1667EBCBE1}">
-              <a14:hiddenEffects xmlns:a14="http://schemas.microsoft.com/office/drawing/2010/main">
-                <a:effectLst>
-                  <a:outerShdw dist="35921" dir="2700000" algn="ctr" rotWithShape="0">
-                    <a:schemeClr val="bg2"/>
-                  </a:outerShdw>
-                </a:effectLst>
-              </a14:hiddenEffects>
-            </a:ext>
-          </a:extLst>
-        </p:spPr>
-      </p:pic>
-      <p:pic>
-        <p:nvPicPr>
-          <p:cNvPr id="1028" name="Picture 4">
-            <a:hlinkClick r:id="rId3" tooltip="Telerik Software Academy"/>
-          </p:cNvPr>
-          <p:cNvPicPr>
-            <a:picLocks noChangeAspect="1" noChangeArrowheads="1"/>
-          </p:cNvPicPr>
-          <p:nvPr/>
-        </p:nvPicPr>
-        <p:blipFill>
-          <a:blip r:embed="rId7">
-            <a:extLst>
-              <a:ext uri="{28A0092B-C50C-407E-A947-70E740481C1C}">
-                <a14:useLocalDpi xmlns:a14="http://schemas.microsoft.com/office/drawing/2010/main" val="0"/>
-              </a:ext>
-            </a:extLst>
-          </a:blip>
-          <a:srcRect/>
-          <a:stretch>
-            <a:fillRect/>
-          </a:stretch>
-        </p:blipFill>
-        <p:spPr bwMode="auto">
-          <a:xfrm>
-            <a:off x="5548941" y="2667000"/>
-            <a:ext cx="3137859" cy="918234"/>
-          </a:xfrm>
-          <a:prstGeom prst="rect">
-            <a:avLst/>
-          </a:prstGeom>
-          <a:noFill/>
-          <a:ln>
-            <a:solidFill>
-              <a:srgbClr val="9BCC00"/>
-            </a:solidFill>
-          </a:ln>
-          <a:extLst>
-            <a:ext uri="{909E8E84-426E-40DD-AFC4-6F175D3DCCD1}">
-              <a14:hiddenFill xmlns:a14="http://schemas.microsoft.com/office/drawing/2010/main">
-                <a:solidFill>
-                  <a:srgbClr val="FFFFFF"/>
-                </a:solidFill>
-              </a14:hiddenFill>
-            </a:ext>
-          </a:extLst>
-        </p:spPr>
-      </p:pic>
-      <p:pic>
-        <p:nvPicPr>
-          <p:cNvPr id="1037" name="Picture 13">
-            <a:hlinkClick r:id="rId8" tooltip="Telerik Academy @ Facebook"/>
-          </p:cNvPr>
-          <p:cNvPicPr>
-            <a:picLocks noChangeAspect="1" noChangeArrowheads="1"/>
-          </p:cNvPicPr>
-          <p:nvPr/>
-        </p:nvPicPr>
-        <p:blipFill>
-          <a:blip r:embed="rId9">
-            <a:extLst>
-              <a:ext uri="{28A0092B-C50C-407E-A947-70E740481C1C}">
-                <a14:useLocalDpi xmlns:a14="http://schemas.microsoft.com/office/drawing/2010/main" val="0"/>
-              </a:ext>
-            </a:extLst>
-          </a:blip>
-          <a:srcRect/>
-          <a:stretch>
-            <a:fillRect/>
-          </a:stretch>
-        </p:blipFill>
-        <p:spPr bwMode="auto">
-          <a:xfrm>
-            <a:off x="7748587" y="4003901"/>
-            <a:ext cx="938213" cy="938213"/>
-          </a:xfrm>
-          <a:prstGeom prst="rect">
-            <a:avLst/>
-          </a:prstGeom>
-          <a:noFill/>
-          <a:ln>
-            <a:noFill/>
-          </a:ln>
-          <a:effectLst/>
-          <a:extLst>
-            <a:ext uri="{909E8E84-426E-40DD-AFC4-6F175D3DCCD1}">
-              <a14:hiddenFill xmlns:a14="http://schemas.microsoft.com/office/drawing/2010/main">
-                <a:solidFill>
-                  <a:schemeClr val="accent1"/>
-                </a:solidFill>
-              </a14:hiddenFill>
-            </a:ext>
-            <a:ext uri="{91240B29-F687-4F45-9708-019B960494DF}">
-              <a14:hiddenLine xmlns:a14="http://schemas.microsoft.com/office/drawing/2010/main" w="9525">
-                <a:solidFill>
-                  <a:schemeClr val="tx1"/>
-                </a:solidFill>
-                <a:miter lim="800000"/>
-                <a:headEnd/>
-                <a:tailEnd/>
-              </a14:hiddenLine>
-            </a:ext>
-            <a:ext uri="{AF507438-7753-43E0-B8FC-AC1667EBCBE1}">
-              <a14:hiddenEffects xmlns:a14="http://schemas.microsoft.com/office/drawing/2010/main">
-                <a:effectLst>
-                  <a:outerShdw dist="35921" dir="2700000" algn="ctr" rotWithShape="0">
-                    <a:schemeClr val="bg2"/>
-                  </a:outerShdw>
-                </a:effectLst>
-              </a14:hiddenEffects>
-            </a:ext>
-          </a:extLst>
-        </p:spPr>
-      </p:pic>
-      <p:pic>
-        <p:nvPicPr>
-          <p:cNvPr id="2" name="Picture 1">
-            <a:hlinkClick r:id="rId2"/>
-          </p:cNvPr>
-          <p:cNvPicPr>
-            <a:picLocks noChangeAspect="1"/>
-          </p:cNvPicPr>
-          <p:nvPr/>
-        </p:nvPicPr>
-        <p:blipFill>
-          <a:blip r:embed="rId10" cstate="print">
-            <a:extLst>
-              <a:ext uri="{28A0092B-C50C-407E-A947-70E740481C1C}">
-                <a14:useLocalDpi xmlns:a14="http://schemas.microsoft.com/office/drawing/2010/main" val="0"/>
-              </a:ext>
-            </a:extLst>
-          </a:blip>
-          <a:stretch>
-            <a:fillRect/>
-          </a:stretch>
-        </p:blipFill>
+      <p:sp>
+        <p:nvSpPr>
+          <p:cNvPr id="5" name="Slide Number Placeholder 3"/>
+          <p:cNvSpPr>
+            <a:spLocks noGrp="1"/>
+          </p:cNvSpPr>
+          <p:nvPr>
+            <p:ph type="sldNum" sz="quarter" idx="10"/>
+          </p:nvPr>
+        </p:nvSpPr>
         <p:spPr>
           <a:xfrm>
-            <a:off x="7562025" y="1123558"/>
-            <a:ext cx="1124775" cy="1124775"/>
+            <a:off x="8610600" y="6553200"/>
+            <a:ext cx="457200" cy="228600"/>
           </a:xfrm>
-          <a:prstGeom prst="rect">
-            <a:avLst/>
-          </a:prstGeom>
         </p:spPr>
-      </p:pic>
+        <p:txBody>
+          <a:bodyPr/>
+          <a:lstStyle/>
+          <a:p>
+            <a:pPr>
+              <a:defRPr/>
+            </a:pPr>
+            <a:fld id="{58452FF4-89E3-4D1B-9927-2DBDC00E58D7}" type="slidenum">
+              <a:rPr lang="en-US" smtClean="0"/>
+              <a:pPr>
+                <a:defRPr/>
+              </a:pPr>
+              <a:t>38</a:t>
+            </a:fld>
+            <a:endParaRPr lang="en-US" dirty="0"/>
+          </a:p>
+        </p:txBody>
+      </p:sp>
     </p:spTree>
     <p:extLst>
       <p:ext uri="{BB962C8B-B14F-4D97-AF65-F5344CB8AC3E}">
-        <p14:creationId xmlns:p14="http://schemas.microsoft.com/office/powerpoint/2010/main" val="495879396"/>
+        <p14:creationId xmlns:p14="http://schemas.microsoft.com/office/powerpoint/2010/main" val="2695570913"/>
       </p:ext>
     </p:extLst>
   </p:cSld>
   <p:clrMapOvr>
     <a:masterClrMapping/>
   </p:clrMapOvr>
+  <p:transition/>
+  <p:timing>
+    <p:tnLst>
+      <p:par>
+        <p:cTn id="1" dur="indefinite" restart="never" nodeType="tmRoot"/>
+      </p:par>
+    </p:tnLst>
+  </p:timing>
+</p:sld>
+</file>
+
+<file path=ppt/slides/slide39.xml><?xml version="1.0" encoding="utf-8"?>
+<p:sld xmlns:a="http://schemas.openxmlformats.org/drawingml/2006/main" xmlns:r="http://schemas.openxmlformats.org/officeDocument/2006/relationships" xmlns:p="http://schemas.openxmlformats.org/presentationml/2006/main">
+  <p:cSld>
+    <p:spTree>
+      <p:nvGrpSpPr>
+        <p:cNvPr id="1" name=""/>
+        <p:cNvGrpSpPr/>
+        <p:nvPr/>
+      </p:nvGrpSpPr>
+      <p:grpSpPr>
+        <a:xfrm>
+          <a:off x="0" y="0"/>
+          <a:ext cx="0" cy="0"/>
+          <a:chOff x="0" y="0"/>
+          <a:chExt cx="0" cy="0"/>
+        </a:xfrm>
+      </p:grpSpPr>
+      <p:sp>
+        <p:nvSpPr>
+          <p:cNvPr id="5" name="Rectangle 5"/>
+          <p:cNvSpPr>
+            <a:spLocks noChangeArrowheads="1"/>
+          </p:cNvSpPr>
+          <p:nvPr/>
+        </p:nvSpPr>
+        <p:spPr bwMode="auto">
+          <a:xfrm>
+            <a:off x="1162050" y="1827211"/>
+            <a:ext cx="1085850" cy="457200"/>
+          </a:xfrm>
+          <a:prstGeom prst="rect">
+            <a:avLst/>
+          </a:prstGeom>
+          <a:solidFill>
+            <a:schemeClr val="accent5">
+              <a:lumMod val="20000"/>
+              <a:lumOff val="80000"/>
+              <a:alpha val="20000"/>
+            </a:schemeClr>
+          </a:solidFill>
+          <a:ln w="9525" algn="ctr">
+            <a:solidFill>
+              <a:schemeClr val="accent5">
+                <a:lumMod val="20000"/>
+                <a:lumOff val="80000"/>
+              </a:schemeClr>
+            </a:solidFill>
+            <a:miter lim="800000"/>
+            <a:headEnd/>
+            <a:tailEnd/>
+          </a:ln>
+          <a:effectLst/>
+        </p:spPr>
+        <p:txBody>
+          <a:bodyPr wrap="none" anchor="ctr"/>
+          <a:lstStyle/>
+          <a:p>
+            <a:endParaRPr lang="en-US" dirty="0"/>
+          </a:p>
+        </p:txBody>
+      </p:sp>
+      <p:sp>
+        <p:nvSpPr>
+          <p:cNvPr id="593922" name="Rectangle 2"/>
+          <p:cNvSpPr>
+            <a:spLocks noGrp="1" noChangeArrowheads="1"/>
+          </p:cNvSpPr>
+          <p:nvPr>
+            <p:ph type="title"/>
+          </p:nvPr>
+        </p:nvSpPr>
+        <p:spPr/>
+        <p:txBody>
+          <a:bodyPr/>
+          <a:lstStyle/>
+          <a:p>
+            <a:r>
+              <a:rPr lang="en-US" dirty="0"/>
+              <a:t>Exercises (2)</a:t>
+            </a:r>
+            <a:endParaRPr lang="bg-BG"/>
+          </a:p>
+        </p:txBody>
+      </p:sp>
+      <p:sp>
+        <p:nvSpPr>
+          <p:cNvPr id="593923" name="Rectangle 3"/>
+          <p:cNvSpPr>
+            <a:spLocks noGrp="1" noChangeArrowheads="1"/>
+          </p:cNvSpPr>
+          <p:nvPr>
+            <p:ph idx="1"/>
+          </p:nvPr>
+        </p:nvSpPr>
+        <p:spPr>
+          <a:xfrm>
+            <a:off x="228600" y="1027112"/>
+            <a:ext cx="8686800" cy="5602288"/>
+          </a:xfrm>
+        </p:spPr>
+        <p:txBody>
+          <a:bodyPr/>
+          <a:lstStyle/>
+          <a:p>
+            <a:pPr marL="450850" indent="-450850">
+              <a:lnSpc>
+                <a:spcPct val="90000"/>
+              </a:lnSpc>
+              <a:spcBef>
+                <a:spcPct val="30000"/>
+              </a:spcBef>
+              <a:buFontTx/>
+              <a:buAutoNum type="arabicPeriod" startAt="5"/>
+            </a:pPr>
+            <a:r>
+              <a:rPr lang="en-US" sz="2800" dirty="0"/>
+              <a:t>Write a program that finds the maximal increasing </a:t>
+            </a:r>
+            <a:r>
+              <a:rPr lang="en-US" sz="2800" dirty="0" smtClean="0"/>
+              <a:t>sequence </a:t>
+            </a:r>
+            <a:r>
+              <a:rPr lang="en-US" sz="2800" dirty="0"/>
+              <a:t>in an array. Example: </a:t>
+            </a:r>
+            <a:br>
+              <a:rPr lang="en-US" sz="2800" dirty="0"/>
+            </a:br>
+            <a:r>
+              <a:rPr lang="en-US" sz="2800" dirty="0"/>
+              <a:t>{3, </a:t>
+            </a:r>
+            <a:r>
+              <a:rPr lang="en-US" sz="2800" dirty="0">
+                <a:solidFill>
+                  <a:schemeClr val="accent5">
+                    <a:lumMod val="20000"/>
+                    <a:lumOff val="80000"/>
+                  </a:schemeClr>
+                </a:solidFill>
+                <a:effectLst>
+                  <a:outerShdw blurRad="38100" dist="38100" dir="2700000" algn="tl">
+                    <a:srgbClr val="000000"/>
+                  </a:outerShdw>
+                </a:effectLst>
+              </a:rPr>
+              <a:t>2, 3, 4</a:t>
+            </a:r>
+            <a:r>
+              <a:rPr lang="en-US" sz="2800" dirty="0"/>
+              <a:t>, 2, 2, 4} </a:t>
+            </a:r>
+            <a:r>
+              <a:rPr lang="en-US" sz="2800" dirty="0">
+                <a:sym typeface="Wingdings" pitchFamily="2" charset="2"/>
+              </a:rPr>
+              <a:t> {2, 3, 4}.</a:t>
+            </a:r>
+          </a:p>
+          <a:p>
+            <a:pPr marL="450850" indent="-450850">
+              <a:lnSpc>
+                <a:spcPct val="90000"/>
+              </a:lnSpc>
+              <a:spcBef>
+                <a:spcPct val="30000"/>
+              </a:spcBef>
+              <a:buFontTx/>
+              <a:buAutoNum type="arabicPeriod" startAt="5"/>
+            </a:pPr>
+            <a:r>
+              <a:rPr lang="en-US" sz="2800" dirty="0">
+                <a:sym typeface="Wingdings" pitchFamily="2" charset="2"/>
+              </a:rPr>
+              <a:t>Write a program that reads two integer numbers N and K and an array of N elements from the console. Find in the array those K elements that have maximal sum.</a:t>
+            </a:r>
+          </a:p>
+          <a:p>
+            <a:pPr marL="450850" indent="-450850">
+              <a:lnSpc>
+                <a:spcPct val="90000"/>
+              </a:lnSpc>
+              <a:spcBef>
+                <a:spcPct val="30000"/>
+              </a:spcBef>
+              <a:buFontTx/>
+              <a:buAutoNum type="arabicPeriod" startAt="5"/>
+            </a:pPr>
+            <a:r>
+              <a:rPr lang="en-US" sz="2800" dirty="0">
+                <a:solidFill>
+                  <a:schemeClr val="accent5">
+                    <a:lumMod val="20000"/>
+                    <a:lumOff val="80000"/>
+                  </a:schemeClr>
+                </a:solidFill>
+                <a:sym typeface="Wingdings" pitchFamily="2" charset="2"/>
+              </a:rPr>
+              <a:t>Sorting</a:t>
+            </a:r>
+            <a:r>
+              <a:rPr lang="en-US" sz="2800" dirty="0">
+                <a:sym typeface="Wingdings" pitchFamily="2" charset="2"/>
+              </a:rPr>
+              <a:t> an array means to arrange its elements in increasing order. Write a program to sort an array. Use the "selection sort" algorithm: Find the smallest element, </a:t>
+            </a:r>
+            <a:r>
+              <a:rPr lang="en-US" sz="2800" dirty="0" smtClean="0">
+                <a:sym typeface="Wingdings" pitchFamily="2" charset="2"/>
+              </a:rPr>
+              <a:t>move it </a:t>
+            </a:r>
+            <a:r>
+              <a:rPr lang="en-US" sz="2800" dirty="0">
+                <a:sym typeface="Wingdings" pitchFamily="2" charset="2"/>
+              </a:rPr>
+              <a:t>at the first position, find the smallest from the rest, move it at </a:t>
+            </a:r>
+            <a:r>
+              <a:rPr lang="en-US" sz="2800" dirty="0" smtClean="0">
+                <a:sym typeface="Wingdings" pitchFamily="2" charset="2"/>
+              </a:rPr>
+              <a:t>the second </a:t>
+            </a:r>
+            <a:r>
+              <a:rPr lang="en-US" sz="2800" dirty="0">
+                <a:sym typeface="Wingdings" pitchFamily="2" charset="2"/>
+              </a:rPr>
+              <a:t>position, etc.</a:t>
+            </a:r>
+            <a:endParaRPr lang="en-US" sz="2800" dirty="0"/>
+          </a:p>
+        </p:txBody>
+      </p:sp>
+      <p:sp>
+        <p:nvSpPr>
+          <p:cNvPr id="6" name="Slide Number Placeholder 3"/>
+          <p:cNvSpPr>
+            <a:spLocks noGrp="1"/>
+          </p:cNvSpPr>
+          <p:nvPr>
+            <p:ph type="sldNum" sz="quarter" idx="10"/>
+          </p:nvPr>
+        </p:nvSpPr>
+        <p:spPr>
+          <a:xfrm>
+            <a:off x="8610600" y="6553200"/>
+            <a:ext cx="457200" cy="228600"/>
+          </a:xfrm>
+        </p:spPr>
+        <p:txBody>
+          <a:bodyPr/>
+          <a:lstStyle/>
+          <a:p>
+            <a:pPr>
+              <a:defRPr/>
+            </a:pPr>
+            <a:fld id="{58452FF4-89E3-4D1B-9927-2DBDC00E58D7}" type="slidenum">
+              <a:rPr lang="en-US" smtClean="0"/>
+              <a:pPr>
+                <a:defRPr/>
+              </a:pPr>
+              <a:t>39</a:t>
+            </a:fld>
+            <a:endParaRPr lang="en-US" dirty="0"/>
+          </a:p>
+        </p:txBody>
+      </p:sp>
+    </p:spTree>
+    <p:extLst>
+      <p:ext uri="{BB962C8B-B14F-4D97-AF65-F5344CB8AC3E}">
+        <p14:creationId xmlns:p14="http://schemas.microsoft.com/office/powerpoint/2010/main" val="3285141503"/>
+      </p:ext>
+    </p:extLst>
+  </p:cSld>
+  <p:clrMapOvr>
+    <a:masterClrMapping/>
+  </p:clrMapOvr>
+  <p:transition/>
   <p:timing>
     <p:tnLst>
       <p:par>
@@ -25187,6 +25567,2744 @@
       <p:bldP spid="428057" grpId="0" animBg="1"/>
       <p:bldP spid="428056" grpId="0" animBg="1"/>
     </p:bldLst>
+  </p:timing>
+</p:sld>
+</file>
+
+<file path=ppt/slides/slide40.xml><?xml version="1.0" encoding="utf-8"?>
+<p:sld xmlns:a="http://schemas.openxmlformats.org/drawingml/2006/main" xmlns:r="http://schemas.openxmlformats.org/officeDocument/2006/relationships" xmlns:p="http://schemas.openxmlformats.org/presentationml/2006/main">
+  <p:cSld>
+    <p:spTree>
+      <p:nvGrpSpPr>
+        <p:cNvPr id="1" name=""/>
+        <p:cNvGrpSpPr/>
+        <p:nvPr/>
+      </p:nvGrpSpPr>
+      <p:grpSpPr>
+        <a:xfrm>
+          <a:off x="0" y="0"/>
+          <a:ext cx="0" cy="0"/>
+          <a:chOff x="0" y="0"/>
+          <a:chExt cx="0" cy="0"/>
+        </a:xfrm>
+      </p:grpSpPr>
+      <p:sp>
+        <p:nvSpPr>
+          <p:cNvPr id="4" name="Rectangle 5"/>
+          <p:cNvSpPr>
+            <a:spLocks noChangeArrowheads="1"/>
+          </p:cNvSpPr>
+          <p:nvPr/>
+        </p:nvSpPr>
+        <p:spPr bwMode="auto">
+          <a:xfrm>
+            <a:off x="2505074" y="2114550"/>
+            <a:ext cx="1590675" cy="457200"/>
+          </a:xfrm>
+          <a:prstGeom prst="rect">
+            <a:avLst/>
+          </a:prstGeom>
+          <a:solidFill>
+            <a:schemeClr val="accent5">
+              <a:lumMod val="20000"/>
+              <a:lumOff val="80000"/>
+              <a:alpha val="20000"/>
+            </a:schemeClr>
+          </a:solidFill>
+          <a:ln w="9525" algn="ctr">
+            <a:solidFill>
+              <a:schemeClr val="accent5">
+                <a:lumMod val="20000"/>
+                <a:lumOff val="80000"/>
+              </a:schemeClr>
+            </a:solidFill>
+            <a:miter lim="800000"/>
+            <a:headEnd/>
+            <a:tailEnd/>
+          </a:ln>
+          <a:effectLst/>
+        </p:spPr>
+        <p:txBody>
+          <a:bodyPr wrap="none" anchor="ctr"/>
+          <a:lstStyle/>
+          <a:p>
+            <a:endParaRPr lang="en-US" dirty="0"/>
+          </a:p>
+        </p:txBody>
+      </p:sp>
+      <p:sp>
+        <p:nvSpPr>
+          <p:cNvPr id="598018" name="Rectangle 2"/>
+          <p:cNvSpPr>
+            <a:spLocks noGrp="1" noChangeArrowheads="1"/>
+          </p:cNvSpPr>
+          <p:nvPr>
+            <p:ph type="title"/>
+          </p:nvPr>
+        </p:nvSpPr>
+        <p:spPr/>
+        <p:txBody>
+          <a:bodyPr/>
+          <a:lstStyle/>
+          <a:p>
+            <a:r>
+              <a:rPr lang="en-US" dirty="0"/>
+              <a:t>Exercises (3)</a:t>
+            </a:r>
+            <a:endParaRPr lang="bg-BG"/>
+          </a:p>
+        </p:txBody>
+      </p:sp>
+      <p:sp>
+        <p:nvSpPr>
+          <p:cNvPr id="598019" name="Rectangle 3"/>
+          <p:cNvSpPr>
+            <a:spLocks noGrp="1" noChangeArrowheads="1"/>
+          </p:cNvSpPr>
+          <p:nvPr>
+            <p:ph idx="1"/>
+          </p:nvPr>
+        </p:nvSpPr>
+        <p:spPr>
+          <a:xfrm>
+            <a:off x="228600" y="1066800"/>
+            <a:ext cx="8686800" cy="5486400"/>
+          </a:xfrm>
+        </p:spPr>
+        <p:txBody>
+          <a:bodyPr/>
+          <a:lstStyle/>
+          <a:p>
+            <a:pPr marL="447675" indent="-447675">
+              <a:lnSpc>
+                <a:spcPts val="3300"/>
+              </a:lnSpc>
+              <a:buFontTx/>
+              <a:buAutoNum type="arabicPeriod" startAt="8"/>
+              <a:tabLst>
+                <a:tab pos="447675" algn="l"/>
+              </a:tabLst>
+            </a:pPr>
+            <a:r>
+              <a:rPr lang="en-US" sz="2800" dirty="0"/>
+              <a:t>Write a program that finds the sequence of maximal sum in given array. Example:</a:t>
+            </a:r>
+          </a:p>
+          <a:p>
+            <a:pPr marL="447675" indent="-447675">
+              <a:lnSpc>
+                <a:spcPts val="3300"/>
+              </a:lnSpc>
+              <a:buFontTx/>
+              <a:buNone/>
+              <a:tabLst>
+                <a:tab pos="447675" algn="l"/>
+              </a:tabLst>
+            </a:pPr>
+            <a:r>
+              <a:rPr lang="en-US" sz="2800" dirty="0"/>
+              <a:t>	{2, 3, -6, -1, </a:t>
+            </a:r>
+            <a:r>
+              <a:rPr lang="en-US" sz="2800" dirty="0">
+                <a:solidFill>
+                  <a:schemeClr val="accent5">
+                    <a:lumMod val="20000"/>
+                    <a:lumOff val="80000"/>
+                  </a:schemeClr>
+                </a:solidFill>
+                <a:effectLst>
+                  <a:outerShdw blurRad="38100" dist="38100" dir="2700000" algn="tl">
+                    <a:srgbClr val="000000"/>
+                  </a:outerShdw>
+                </a:effectLst>
+              </a:rPr>
+              <a:t>2, -1, 6, 4</a:t>
+            </a:r>
+            <a:r>
+              <a:rPr lang="en-US" sz="2800" dirty="0"/>
+              <a:t>, -8, 8} </a:t>
+            </a:r>
+            <a:r>
+              <a:rPr lang="en-US" sz="2800" dirty="0">
+                <a:sym typeface="Wingdings" pitchFamily="2" charset="2"/>
+              </a:rPr>
+              <a:t> {2, -1, 6, 4}</a:t>
+            </a:r>
+          </a:p>
+          <a:p>
+            <a:pPr marL="447675" indent="-447675">
+              <a:lnSpc>
+                <a:spcPts val="3300"/>
+              </a:lnSpc>
+              <a:buFontTx/>
+              <a:buNone/>
+              <a:tabLst>
+                <a:tab pos="447675" algn="l"/>
+              </a:tabLst>
+            </a:pPr>
+            <a:r>
+              <a:rPr lang="en-US" sz="2800" dirty="0">
+                <a:sym typeface="Wingdings" pitchFamily="2" charset="2"/>
+              </a:rPr>
+              <a:t>	Can you do it with only one loop (with single scan through the elements of the array)?</a:t>
+            </a:r>
+          </a:p>
+          <a:p>
+            <a:pPr marL="447675" indent="-447675">
+              <a:lnSpc>
+                <a:spcPts val="3300"/>
+              </a:lnSpc>
+              <a:buFontTx/>
+              <a:buAutoNum type="arabicPeriod" startAt="9"/>
+              <a:tabLst>
+                <a:tab pos="447675" algn="l"/>
+              </a:tabLst>
+            </a:pPr>
+            <a:r>
+              <a:rPr lang="en-US" sz="2800" dirty="0">
+                <a:sym typeface="Wingdings" pitchFamily="2" charset="2"/>
+              </a:rPr>
+              <a:t>Write a program that finds the most frequent number in an array. Example:</a:t>
+            </a:r>
+          </a:p>
+          <a:p>
+            <a:pPr marL="447675" indent="-447675">
+              <a:lnSpc>
+                <a:spcPts val="3300"/>
+              </a:lnSpc>
+              <a:buFontTx/>
+              <a:buNone/>
+              <a:tabLst>
+                <a:tab pos="447675" algn="l"/>
+              </a:tabLst>
+            </a:pPr>
+            <a:r>
+              <a:rPr lang="en-US" sz="2800" dirty="0"/>
+              <a:t>	{</a:t>
+            </a:r>
+            <a:r>
+              <a:rPr lang="en-US" sz="2800" dirty="0">
+                <a:solidFill>
+                  <a:schemeClr val="accent5">
+                    <a:lumMod val="20000"/>
+                    <a:lumOff val="80000"/>
+                  </a:schemeClr>
+                </a:solidFill>
+                <a:effectLst>
+                  <a:outerShdw blurRad="38100" dist="38100" dir="2700000" algn="tl">
+                    <a:srgbClr val="000000"/>
+                  </a:outerShdw>
+                </a:effectLst>
+              </a:rPr>
+              <a:t>4</a:t>
+            </a:r>
+            <a:r>
+              <a:rPr lang="en-US" sz="2800" dirty="0"/>
+              <a:t>, 1, 1, </a:t>
+            </a:r>
+            <a:r>
+              <a:rPr lang="en-US" sz="2800" dirty="0">
+                <a:solidFill>
+                  <a:schemeClr val="accent5">
+                    <a:lumMod val="20000"/>
+                    <a:lumOff val="80000"/>
+                  </a:schemeClr>
+                </a:solidFill>
+                <a:effectLst>
+                  <a:outerShdw blurRad="38100" dist="38100" dir="2700000" algn="tl">
+                    <a:srgbClr val="000000"/>
+                  </a:outerShdw>
+                </a:effectLst>
+              </a:rPr>
+              <a:t>4</a:t>
+            </a:r>
+            <a:r>
+              <a:rPr lang="en-US" sz="2800" dirty="0"/>
+              <a:t>, 2, 3, </a:t>
+            </a:r>
+            <a:r>
+              <a:rPr lang="en-US" sz="2800" dirty="0">
+                <a:solidFill>
+                  <a:schemeClr val="accent5">
+                    <a:lumMod val="20000"/>
+                    <a:lumOff val="80000"/>
+                  </a:schemeClr>
+                </a:solidFill>
+                <a:effectLst>
+                  <a:outerShdw blurRad="38100" dist="38100" dir="2700000" algn="tl">
+                    <a:srgbClr val="000000"/>
+                  </a:outerShdw>
+                </a:effectLst>
+              </a:rPr>
+              <a:t>4</a:t>
+            </a:r>
+            <a:r>
+              <a:rPr lang="en-US" sz="2800" dirty="0"/>
+              <a:t>, </a:t>
+            </a:r>
+            <a:r>
+              <a:rPr lang="en-US" sz="2800" dirty="0">
+                <a:solidFill>
+                  <a:schemeClr val="accent5">
+                    <a:lumMod val="20000"/>
+                    <a:lumOff val="80000"/>
+                  </a:schemeClr>
+                </a:solidFill>
+                <a:effectLst>
+                  <a:outerShdw blurRad="38100" dist="38100" dir="2700000" algn="tl">
+                    <a:srgbClr val="000000"/>
+                  </a:outerShdw>
+                </a:effectLst>
+              </a:rPr>
+              <a:t>4</a:t>
+            </a:r>
+            <a:r>
+              <a:rPr lang="en-US" sz="2800" dirty="0"/>
+              <a:t>, 1, 2, </a:t>
+            </a:r>
+            <a:r>
+              <a:rPr lang="en-US" sz="2800" dirty="0">
+                <a:solidFill>
+                  <a:schemeClr val="accent5">
+                    <a:lumMod val="20000"/>
+                    <a:lumOff val="80000"/>
+                  </a:schemeClr>
+                </a:solidFill>
+                <a:effectLst>
+                  <a:outerShdw blurRad="38100" dist="38100" dir="2700000" algn="tl">
+                    <a:srgbClr val="000000"/>
+                  </a:outerShdw>
+                </a:effectLst>
+              </a:rPr>
+              <a:t>4</a:t>
+            </a:r>
+            <a:r>
+              <a:rPr lang="en-US" sz="2800" dirty="0"/>
+              <a:t>, 9, 3} </a:t>
+            </a:r>
+            <a:r>
+              <a:rPr lang="en-US" sz="2800" dirty="0">
+                <a:sym typeface="Wingdings" pitchFamily="2" charset="2"/>
+              </a:rPr>
+              <a:t> 4 (5 times)</a:t>
+            </a:r>
+          </a:p>
+          <a:p>
+            <a:pPr marL="447675" indent="-447675">
+              <a:lnSpc>
+                <a:spcPts val="3300"/>
+              </a:lnSpc>
+              <a:buFontTx/>
+              <a:buAutoNum type="arabicPeriod" startAt="10"/>
+              <a:tabLst>
+                <a:tab pos="447675" algn="l"/>
+              </a:tabLst>
+            </a:pPr>
+            <a:r>
+              <a:rPr lang="en-US" sz="2800" dirty="0"/>
+              <a:t>Write a program that finds </a:t>
+            </a:r>
+            <a:r>
+              <a:rPr lang="en-US" sz="2800" dirty="0" smtClean="0"/>
+              <a:t>in given array of integers a </a:t>
+            </a:r>
+            <a:r>
+              <a:rPr lang="en-US" sz="2800" dirty="0"/>
+              <a:t>sequence of given sum S </a:t>
+            </a:r>
+            <a:r>
+              <a:rPr lang="en-US" sz="2800" dirty="0" smtClean="0"/>
+              <a:t>(</a:t>
+            </a:r>
+            <a:r>
+              <a:rPr lang="en-US" sz="2800" dirty="0"/>
+              <a:t>if present). Example</a:t>
+            </a:r>
+            <a:r>
+              <a:rPr lang="en-US" sz="2800" dirty="0" smtClean="0"/>
+              <a:t>:	 </a:t>
+            </a:r>
+            <a:r>
+              <a:rPr lang="en-US" sz="2800" dirty="0"/>
+              <a:t>{4, 3, 1, </a:t>
+            </a:r>
+            <a:r>
+              <a:rPr lang="en-US" sz="2800" dirty="0">
+                <a:solidFill>
+                  <a:schemeClr val="accent5">
+                    <a:lumMod val="20000"/>
+                    <a:lumOff val="80000"/>
+                  </a:schemeClr>
+                </a:solidFill>
+                <a:effectLst>
+                  <a:outerShdw blurRad="38100" dist="38100" dir="2700000" algn="tl">
+                    <a:srgbClr val="000000"/>
+                  </a:outerShdw>
+                </a:effectLst>
+              </a:rPr>
+              <a:t>4</a:t>
+            </a:r>
+            <a:r>
+              <a:rPr lang="en-US" sz="2800" dirty="0">
+                <a:solidFill>
+                  <a:schemeClr val="accent5">
+                    <a:lumMod val="20000"/>
+                    <a:lumOff val="80000"/>
+                  </a:schemeClr>
+                </a:solidFill>
+              </a:rPr>
+              <a:t>, </a:t>
+            </a:r>
+            <a:r>
+              <a:rPr lang="en-US" sz="2800" dirty="0">
+                <a:solidFill>
+                  <a:schemeClr val="accent5">
+                    <a:lumMod val="20000"/>
+                    <a:lumOff val="80000"/>
+                  </a:schemeClr>
+                </a:solidFill>
+                <a:effectLst>
+                  <a:outerShdw blurRad="38100" dist="38100" dir="2700000" algn="tl">
+                    <a:srgbClr val="000000"/>
+                  </a:outerShdw>
+                </a:effectLst>
+              </a:rPr>
+              <a:t>2</a:t>
+            </a:r>
+            <a:r>
+              <a:rPr lang="en-US" sz="2800" dirty="0">
+                <a:solidFill>
+                  <a:schemeClr val="accent5">
+                    <a:lumMod val="20000"/>
+                    <a:lumOff val="80000"/>
+                  </a:schemeClr>
+                </a:solidFill>
+              </a:rPr>
+              <a:t>, </a:t>
+            </a:r>
+            <a:r>
+              <a:rPr lang="en-US" sz="2800" dirty="0">
+                <a:solidFill>
+                  <a:schemeClr val="accent5">
+                    <a:lumMod val="20000"/>
+                    <a:lumOff val="80000"/>
+                  </a:schemeClr>
+                </a:solidFill>
+                <a:effectLst>
+                  <a:outerShdw blurRad="38100" dist="38100" dir="2700000" algn="tl">
+                    <a:srgbClr val="000000"/>
+                  </a:outerShdw>
+                </a:effectLst>
+              </a:rPr>
+              <a:t>5</a:t>
+            </a:r>
+            <a:r>
+              <a:rPr lang="en-US" sz="2800" dirty="0"/>
+              <a:t>, 8}, S=11 </a:t>
+            </a:r>
+            <a:r>
+              <a:rPr lang="en-US" sz="2800" dirty="0">
+                <a:sym typeface="Wingdings" pitchFamily="2" charset="2"/>
+              </a:rPr>
+              <a:t> {4, 2, 5}	</a:t>
+            </a:r>
+          </a:p>
+        </p:txBody>
+      </p:sp>
+      <p:sp>
+        <p:nvSpPr>
+          <p:cNvPr id="5" name="Rectangle 5"/>
+          <p:cNvSpPr>
+            <a:spLocks noChangeArrowheads="1"/>
+          </p:cNvSpPr>
+          <p:nvPr/>
+        </p:nvSpPr>
+        <p:spPr bwMode="auto">
+          <a:xfrm>
+            <a:off x="828676" y="4733925"/>
+            <a:ext cx="304800" cy="381000"/>
+          </a:xfrm>
+          <a:prstGeom prst="rect">
+            <a:avLst/>
+          </a:prstGeom>
+          <a:solidFill>
+            <a:schemeClr val="accent5">
+              <a:lumMod val="20000"/>
+              <a:lumOff val="80000"/>
+              <a:alpha val="20000"/>
+            </a:schemeClr>
+          </a:solidFill>
+          <a:ln w="9525" algn="ctr">
+            <a:solidFill>
+              <a:schemeClr val="accent5">
+                <a:lumMod val="20000"/>
+                <a:lumOff val="80000"/>
+              </a:schemeClr>
+            </a:solidFill>
+            <a:miter lim="800000"/>
+            <a:headEnd/>
+            <a:tailEnd/>
+          </a:ln>
+          <a:effectLst/>
+        </p:spPr>
+        <p:txBody>
+          <a:bodyPr wrap="none" anchor="ctr"/>
+          <a:lstStyle/>
+          <a:p>
+            <a:endParaRPr lang="en-US" dirty="0"/>
+          </a:p>
+        </p:txBody>
+      </p:sp>
+      <p:sp>
+        <p:nvSpPr>
+          <p:cNvPr id="6" name="Rectangle 5"/>
+          <p:cNvSpPr>
+            <a:spLocks noChangeArrowheads="1"/>
+          </p:cNvSpPr>
+          <p:nvPr/>
+        </p:nvSpPr>
+        <p:spPr bwMode="auto">
+          <a:xfrm>
+            <a:off x="1905000" y="4724400"/>
+            <a:ext cx="304800" cy="381000"/>
+          </a:xfrm>
+          <a:prstGeom prst="rect">
+            <a:avLst/>
+          </a:prstGeom>
+          <a:solidFill>
+            <a:schemeClr val="accent5">
+              <a:lumMod val="20000"/>
+              <a:lumOff val="80000"/>
+              <a:alpha val="20000"/>
+            </a:schemeClr>
+          </a:solidFill>
+          <a:ln w="9525" algn="ctr">
+            <a:solidFill>
+              <a:schemeClr val="accent5">
+                <a:lumMod val="20000"/>
+                <a:lumOff val="80000"/>
+              </a:schemeClr>
+            </a:solidFill>
+            <a:miter lim="800000"/>
+            <a:headEnd/>
+            <a:tailEnd/>
+          </a:ln>
+          <a:effectLst/>
+        </p:spPr>
+        <p:txBody>
+          <a:bodyPr wrap="none" anchor="ctr"/>
+          <a:lstStyle/>
+          <a:p>
+            <a:endParaRPr lang="en-US" dirty="0"/>
+          </a:p>
+        </p:txBody>
+      </p:sp>
+      <p:sp>
+        <p:nvSpPr>
+          <p:cNvPr id="7" name="Rectangle 5"/>
+          <p:cNvSpPr>
+            <a:spLocks noChangeArrowheads="1"/>
+          </p:cNvSpPr>
+          <p:nvPr/>
+        </p:nvSpPr>
+        <p:spPr bwMode="auto">
+          <a:xfrm>
+            <a:off x="3009900" y="4724400"/>
+            <a:ext cx="304800" cy="381000"/>
+          </a:xfrm>
+          <a:prstGeom prst="rect">
+            <a:avLst/>
+          </a:prstGeom>
+          <a:solidFill>
+            <a:schemeClr val="accent5">
+              <a:lumMod val="20000"/>
+              <a:lumOff val="80000"/>
+              <a:alpha val="20000"/>
+            </a:schemeClr>
+          </a:solidFill>
+          <a:ln w="9525" algn="ctr">
+            <a:solidFill>
+              <a:schemeClr val="accent5">
+                <a:lumMod val="20000"/>
+                <a:lumOff val="80000"/>
+              </a:schemeClr>
+            </a:solidFill>
+            <a:miter lim="800000"/>
+            <a:headEnd/>
+            <a:tailEnd/>
+          </a:ln>
+          <a:effectLst/>
+        </p:spPr>
+        <p:txBody>
+          <a:bodyPr wrap="none" anchor="ctr"/>
+          <a:lstStyle/>
+          <a:p>
+            <a:endParaRPr lang="en-US" dirty="0"/>
+          </a:p>
+        </p:txBody>
+      </p:sp>
+      <p:sp>
+        <p:nvSpPr>
+          <p:cNvPr id="8" name="Rectangle 5"/>
+          <p:cNvSpPr>
+            <a:spLocks noChangeArrowheads="1"/>
+          </p:cNvSpPr>
+          <p:nvPr/>
+        </p:nvSpPr>
+        <p:spPr bwMode="auto">
+          <a:xfrm>
+            <a:off x="3400425" y="4724400"/>
+            <a:ext cx="304800" cy="381000"/>
+          </a:xfrm>
+          <a:prstGeom prst="rect">
+            <a:avLst/>
+          </a:prstGeom>
+          <a:solidFill>
+            <a:schemeClr val="accent5">
+              <a:lumMod val="20000"/>
+              <a:lumOff val="80000"/>
+              <a:alpha val="20000"/>
+            </a:schemeClr>
+          </a:solidFill>
+          <a:ln w="9525" algn="ctr">
+            <a:solidFill>
+              <a:schemeClr val="accent5">
+                <a:lumMod val="20000"/>
+                <a:lumOff val="80000"/>
+              </a:schemeClr>
+            </a:solidFill>
+            <a:miter lim="800000"/>
+            <a:headEnd/>
+            <a:tailEnd/>
+          </a:ln>
+          <a:effectLst/>
+        </p:spPr>
+        <p:txBody>
+          <a:bodyPr wrap="none" anchor="ctr"/>
+          <a:lstStyle/>
+          <a:p>
+            <a:endParaRPr lang="en-US" dirty="0"/>
+          </a:p>
+        </p:txBody>
+      </p:sp>
+      <p:sp>
+        <p:nvSpPr>
+          <p:cNvPr id="9" name="Rectangle 5"/>
+          <p:cNvSpPr>
+            <a:spLocks noChangeArrowheads="1"/>
+          </p:cNvSpPr>
+          <p:nvPr/>
+        </p:nvSpPr>
+        <p:spPr bwMode="auto">
+          <a:xfrm>
+            <a:off x="4495800" y="4724400"/>
+            <a:ext cx="304800" cy="381000"/>
+          </a:xfrm>
+          <a:prstGeom prst="rect">
+            <a:avLst/>
+          </a:prstGeom>
+          <a:solidFill>
+            <a:schemeClr val="accent5">
+              <a:lumMod val="20000"/>
+              <a:lumOff val="80000"/>
+              <a:alpha val="20000"/>
+            </a:schemeClr>
+          </a:solidFill>
+          <a:ln w="9525" algn="ctr">
+            <a:solidFill>
+              <a:schemeClr val="accent5">
+                <a:lumMod val="20000"/>
+                <a:lumOff val="80000"/>
+              </a:schemeClr>
+            </a:solidFill>
+            <a:miter lim="800000"/>
+            <a:headEnd/>
+            <a:tailEnd/>
+          </a:ln>
+          <a:effectLst/>
+        </p:spPr>
+        <p:txBody>
+          <a:bodyPr wrap="none" anchor="ctr"/>
+          <a:lstStyle/>
+          <a:p>
+            <a:endParaRPr lang="en-US" dirty="0"/>
+          </a:p>
+        </p:txBody>
+      </p:sp>
+      <p:sp>
+        <p:nvSpPr>
+          <p:cNvPr id="10" name="Rectangle 5"/>
+          <p:cNvSpPr>
+            <a:spLocks noChangeArrowheads="1"/>
+          </p:cNvSpPr>
+          <p:nvPr/>
+        </p:nvSpPr>
+        <p:spPr bwMode="auto">
+          <a:xfrm>
+            <a:off x="1905001" y="6096000"/>
+            <a:ext cx="1066800" cy="457200"/>
+          </a:xfrm>
+          <a:prstGeom prst="rect">
+            <a:avLst/>
+          </a:prstGeom>
+          <a:solidFill>
+            <a:schemeClr val="accent5">
+              <a:lumMod val="20000"/>
+              <a:lumOff val="80000"/>
+              <a:alpha val="20000"/>
+            </a:schemeClr>
+          </a:solidFill>
+          <a:ln w="9525" algn="ctr">
+            <a:solidFill>
+              <a:schemeClr val="accent5">
+                <a:lumMod val="20000"/>
+                <a:lumOff val="80000"/>
+              </a:schemeClr>
+            </a:solidFill>
+            <a:miter lim="800000"/>
+            <a:headEnd/>
+            <a:tailEnd/>
+          </a:ln>
+          <a:effectLst/>
+        </p:spPr>
+        <p:txBody>
+          <a:bodyPr wrap="none" anchor="ctr"/>
+          <a:lstStyle/>
+          <a:p>
+            <a:endParaRPr lang="en-US" dirty="0"/>
+          </a:p>
+        </p:txBody>
+      </p:sp>
+      <p:sp>
+        <p:nvSpPr>
+          <p:cNvPr id="11" name="Slide Number Placeholder 3"/>
+          <p:cNvSpPr>
+            <a:spLocks noGrp="1"/>
+          </p:cNvSpPr>
+          <p:nvPr>
+            <p:ph type="sldNum" sz="quarter" idx="10"/>
+          </p:nvPr>
+        </p:nvSpPr>
+        <p:spPr>
+          <a:xfrm>
+            <a:off x="8610600" y="6553200"/>
+            <a:ext cx="457200" cy="228600"/>
+          </a:xfrm>
+        </p:spPr>
+        <p:txBody>
+          <a:bodyPr/>
+          <a:lstStyle/>
+          <a:p>
+            <a:pPr>
+              <a:defRPr/>
+            </a:pPr>
+            <a:fld id="{58452FF4-89E3-4D1B-9927-2DBDC00E58D7}" type="slidenum">
+              <a:rPr lang="en-US" smtClean="0"/>
+              <a:pPr>
+                <a:defRPr/>
+              </a:pPr>
+              <a:t>40</a:t>
+            </a:fld>
+            <a:endParaRPr lang="en-US" dirty="0"/>
+          </a:p>
+        </p:txBody>
+      </p:sp>
+    </p:spTree>
+    <p:extLst>
+      <p:ext uri="{BB962C8B-B14F-4D97-AF65-F5344CB8AC3E}">
+        <p14:creationId xmlns:p14="http://schemas.microsoft.com/office/powerpoint/2010/main" val="2054161154"/>
+      </p:ext>
+    </p:extLst>
+  </p:cSld>
+  <p:clrMapOvr>
+    <a:masterClrMapping/>
+  </p:clrMapOvr>
+  <p:transition/>
+  <p:timing>
+    <p:tnLst>
+      <p:par>
+        <p:cTn id="1" dur="indefinite" restart="never" nodeType="tmRoot"/>
+      </p:par>
+    </p:tnLst>
+  </p:timing>
+</p:sld>
+</file>
+
+<file path=ppt/slides/slide41.xml><?xml version="1.0" encoding="utf-8"?>
+<p:sld xmlns:a="http://schemas.openxmlformats.org/drawingml/2006/main" xmlns:r="http://schemas.openxmlformats.org/officeDocument/2006/relationships" xmlns:p="http://schemas.openxmlformats.org/presentationml/2006/main">
+  <p:cSld>
+    <p:spTree>
+      <p:nvGrpSpPr>
+        <p:cNvPr id="1" name=""/>
+        <p:cNvGrpSpPr/>
+        <p:nvPr/>
+      </p:nvGrpSpPr>
+      <p:grpSpPr>
+        <a:xfrm>
+          <a:off x="0" y="0"/>
+          <a:ext cx="0" cy="0"/>
+          <a:chOff x="0" y="0"/>
+          <a:chExt cx="0" cy="0"/>
+        </a:xfrm>
+      </p:grpSpPr>
+      <p:sp>
+        <p:nvSpPr>
+          <p:cNvPr id="465922" name="Rectangle 2"/>
+          <p:cNvSpPr>
+            <a:spLocks noGrp="1" noChangeArrowheads="1"/>
+          </p:cNvSpPr>
+          <p:nvPr>
+            <p:ph type="title"/>
+          </p:nvPr>
+        </p:nvSpPr>
+        <p:spPr/>
+        <p:txBody>
+          <a:bodyPr/>
+          <a:lstStyle/>
+          <a:p>
+            <a:r>
+              <a:rPr lang="en-US" dirty="0" smtClean="0"/>
+              <a:t>Exercises (6)</a:t>
+            </a:r>
+            <a:endParaRPr lang="bg-BG" dirty="0"/>
+          </a:p>
+        </p:txBody>
+      </p:sp>
+      <p:sp>
+        <p:nvSpPr>
+          <p:cNvPr id="465923" name="Rectangle 3"/>
+          <p:cNvSpPr>
+            <a:spLocks noGrp="1" noChangeArrowheads="1"/>
+          </p:cNvSpPr>
+          <p:nvPr>
+            <p:ph idx="1"/>
+          </p:nvPr>
+        </p:nvSpPr>
+        <p:spPr>
+          <a:xfrm>
+            <a:off x="228600" y="1057275"/>
+            <a:ext cx="8686800" cy="5581650"/>
+          </a:xfrm>
+        </p:spPr>
+        <p:txBody>
+          <a:bodyPr/>
+          <a:lstStyle/>
+          <a:p>
+            <a:pPr marL="514350" indent="-514350">
+              <a:lnSpc>
+                <a:spcPts val="3600"/>
+              </a:lnSpc>
+              <a:buFont typeface="+mj-lt"/>
+              <a:buAutoNum type="arabicPeriod" startAt="11"/>
+              <a:tabLst/>
+            </a:pPr>
+            <a:r>
+              <a:rPr lang="en-US" sz="2800" dirty="0"/>
+              <a:t>Write a program that finds the index of given element in a sorted </a:t>
+            </a:r>
+            <a:r>
+              <a:rPr lang="en-US" sz="2800" dirty="0" smtClean="0"/>
+              <a:t>array of integers by </a:t>
+            </a:r>
+            <a:r>
+              <a:rPr lang="en-US" sz="2800" dirty="0"/>
+              <a:t>using the </a:t>
+            </a:r>
+            <a:r>
+              <a:rPr lang="en-US" sz="2800" dirty="0">
+                <a:solidFill>
+                  <a:schemeClr val="accent5">
+                    <a:lumMod val="20000"/>
+                    <a:lumOff val="80000"/>
+                  </a:schemeClr>
+                </a:solidFill>
+                <a:hlinkClick r:id="rId3"/>
+              </a:rPr>
+              <a:t>binary</a:t>
+            </a:r>
+            <a:r>
+              <a:rPr lang="en-US" sz="2800" dirty="0">
+                <a:hlinkClick r:id="rId3"/>
+              </a:rPr>
+              <a:t> </a:t>
+            </a:r>
+            <a:r>
+              <a:rPr lang="en-US" sz="2800" dirty="0">
+                <a:solidFill>
+                  <a:schemeClr val="accent5">
+                    <a:lumMod val="20000"/>
+                    <a:lumOff val="80000"/>
+                  </a:schemeClr>
+                </a:solidFill>
+                <a:hlinkClick r:id="rId3"/>
+              </a:rPr>
+              <a:t>search</a:t>
+            </a:r>
+            <a:r>
+              <a:rPr lang="en-US" sz="2800" dirty="0"/>
+              <a:t> </a:t>
+            </a:r>
+            <a:r>
+              <a:rPr lang="en-US" sz="2800" dirty="0" smtClean="0"/>
+              <a:t>algorithm (find it in Wikipedia).</a:t>
+            </a:r>
+            <a:endParaRPr lang="en-US" sz="2800" dirty="0"/>
+          </a:p>
+          <a:p>
+            <a:pPr marL="447675" indent="-447675">
+              <a:lnSpc>
+                <a:spcPts val="3600"/>
+              </a:lnSpc>
+              <a:buFontTx/>
+              <a:buAutoNum type="arabicPeriod" startAt="11"/>
+              <a:tabLst/>
+            </a:pPr>
+            <a:r>
+              <a:rPr lang="en-US" sz="2800" dirty="0"/>
+              <a:t>Write a program that creates an array containing all letters from the </a:t>
+            </a:r>
+            <a:r>
+              <a:rPr lang="en-US" sz="2800" dirty="0" smtClean="0"/>
+              <a:t>alphabet (A-Z). </a:t>
+            </a:r>
+            <a:r>
+              <a:rPr lang="en-US" sz="2800" dirty="0"/>
+              <a:t>Read a word from the console and print the index of each </a:t>
+            </a:r>
+            <a:r>
+              <a:rPr lang="en-US" sz="2800" dirty="0" smtClean="0"/>
+              <a:t>of its letters </a:t>
+            </a:r>
+            <a:r>
+              <a:rPr lang="en-US" sz="2800" dirty="0"/>
+              <a:t>in the array.</a:t>
+            </a:r>
+          </a:p>
+          <a:p>
+            <a:pPr marL="447675" indent="-447675">
+              <a:lnSpc>
+                <a:spcPts val="3600"/>
+              </a:lnSpc>
+              <a:buFontTx/>
+              <a:buAutoNum type="arabicPeriod" startAt="11"/>
+              <a:tabLst/>
+            </a:pPr>
+            <a:r>
+              <a:rPr lang="en-US" sz="2800" dirty="0" smtClean="0"/>
+              <a:t>* Write </a:t>
+            </a:r>
+            <a:r>
+              <a:rPr lang="en-US" sz="2800" dirty="0"/>
+              <a:t>a program that sorts an </a:t>
+            </a:r>
+            <a:r>
+              <a:rPr lang="en-US" sz="2800" dirty="0" smtClean="0"/>
+              <a:t>array of integers using </a:t>
+            </a:r>
+            <a:r>
+              <a:rPr lang="en-US" sz="2800" dirty="0"/>
+              <a:t>the </a:t>
+            </a:r>
+            <a:r>
+              <a:rPr lang="en-US" sz="2800" dirty="0">
+                <a:solidFill>
+                  <a:schemeClr val="accent5">
+                    <a:lumMod val="20000"/>
+                    <a:lumOff val="80000"/>
+                  </a:schemeClr>
+                </a:solidFill>
+                <a:hlinkClick r:id="rId4"/>
+              </a:rPr>
+              <a:t>merge</a:t>
+            </a:r>
+            <a:r>
+              <a:rPr lang="en-US" sz="2800" dirty="0">
+                <a:hlinkClick r:id="rId4"/>
+              </a:rPr>
+              <a:t> sort</a:t>
+            </a:r>
+            <a:r>
+              <a:rPr lang="en-US" sz="2800" dirty="0"/>
+              <a:t> </a:t>
+            </a:r>
+            <a:r>
+              <a:rPr lang="en-US" sz="2800" dirty="0" smtClean="0"/>
+              <a:t>algorithm (find it in Wikipedia).</a:t>
+            </a:r>
+            <a:endParaRPr lang="en-US" sz="2800" dirty="0"/>
+          </a:p>
+          <a:p>
+            <a:pPr marL="447675" indent="-447675">
+              <a:lnSpc>
+                <a:spcPts val="3600"/>
+              </a:lnSpc>
+              <a:buFontTx/>
+              <a:buAutoNum type="arabicPeriod" startAt="11"/>
+              <a:tabLst/>
+            </a:pPr>
+            <a:r>
+              <a:rPr lang="en-US" sz="2800" dirty="0"/>
+              <a:t>Write a program that sorts an </a:t>
+            </a:r>
+            <a:r>
+              <a:rPr lang="en-US" sz="2800" dirty="0" smtClean="0"/>
+              <a:t>array of strings using </a:t>
+            </a:r>
+            <a:r>
+              <a:rPr lang="en-US" sz="2800" dirty="0"/>
+              <a:t>the </a:t>
+            </a:r>
+            <a:r>
+              <a:rPr lang="en-US" sz="2800" dirty="0">
+                <a:solidFill>
+                  <a:schemeClr val="accent5">
+                    <a:lumMod val="20000"/>
+                    <a:lumOff val="80000"/>
+                  </a:schemeClr>
+                </a:solidFill>
+                <a:hlinkClick r:id="rId5"/>
+              </a:rPr>
+              <a:t>quick</a:t>
+            </a:r>
+            <a:r>
+              <a:rPr lang="en-US" sz="2800" dirty="0">
+                <a:hlinkClick r:id="rId5"/>
+              </a:rPr>
+              <a:t> </a:t>
+            </a:r>
+            <a:r>
+              <a:rPr lang="en-US" sz="2800" dirty="0">
+                <a:solidFill>
+                  <a:schemeClr val="accent5">
+                    <a:lumMod val="20000"/>
+                    <a:lumOff val="80000"/>
+                  </a:schemeClr>
+                </a:solidFill>
+                <a:hlinkClick r:id="rId5"/>
+              </a:rPr>
+              <a:t>sort</a:t>
+            </a:r>
+            <a:r>
+              <a:rPr lang="en-US" sz="2800" dirty="0"/>
+              <a:t> </a:t>
+            </a:r>
+            <a:r>
+              <a:rPr lang="en-US" sz="2800" dirty="0" smtClean="0"/>
+              <a:t>algorithm (find it in Wikipedia).</a:t>
+            </a:r>
+            <a:endParaRPr lang="en-US" sz="2800" dirty="0"/>
+          </a:p>
+        </p:txBody>
+      </p:sp>
+      <p:sp>
+        <p:nvSpPr>
+          <p:cNvPr id="4" name="Slide Number Placeholder 3"/>
+          <p:cNvSpPr>
+            <a:spLocks noGrp="1"/>
+          </p:cNvSpPr>
+          <p:nvPr>
+            <p:ph type="sldNum" sz="quarter" idx="10"/>
+          </p:nvPr>
+        </p:nvSpPr>
+        <p:spPr>
+          <a:xfrm>
+            <a:off x="8610600" y="6553200"/>
+            <a:ext cx="457200" cy="228600"/>
+          </a:xfrm>
+        </p:spPr>
+        <p:txBody>
+          <a:bodyPr/>
+          <a:lstStyle/>
+          <a:p>
+            <a:pPr>
+              <a:defRPr/>
+            </a:pPr>
+            <a:fld id="{58452FF4-89E3-4D1B-9927-2DBDC00E58D7}" type="slidenum">
+              <a:rPr lang="en-US" smtClean="0"/>
+              <a:pPr>
+                <a:defRPr/>
+              </a:pPr>
+              <a:t>41</a:t>
+            </a:fld>
+            <a:endParaRPr lang="en-US" dirty="0"/>
+          </a:p>
+        </p:txBody>
+      </p:sp>
+    </p:spTree>
+    <p:extLst>
+      <p:ext uri="{BB962C8B-B14F-4D97-AF65-F5344CB8AC3E}">
+        <p14:creationId xmlns:p14="http://schemas.microsoft.com/office/powerpoint/2010/main" val="910043465"/>
+      </p:ext>
+    </p:extLst>
+  </p:cSld>
+  <p:clrMapOvr>
+    <a:masterClrMapping/>
+  </p:clrMapOvr>
+  <p:transition/>
+  <p:timing>
+    <p:tnLst>
+      <p:par>
+        <p:cTn id="1" dur="indefinite" restart="never" nodeType="tmRoot"/>
+      </p:par>
+    </p:tnLst>
+  </p:timing>
+</p:sld>
+</file>
+
+<file path=ppt/slides/slide42.xml><?xml version="1.0" encoding="utf-8"?>
+<p:sld xmlns:a="http://schemas.openxmlformats.org/drawingml/2006/main" xmlns:r="http://schemas.openxmlformats.org/officeDocument/2006/relationships" xmlns:p="http://schemas.openxmlformats.org/presentationml/2006/main">
+  <p:cSld>
+    <p:spTree>
+      <p:nvGrpSpPr>
+        <p:cNvPr id="1" name=""/>
+        <p:cNvGrpSpPr/>
+        <p:nvPr/>
+      </p:nvGrpSpPr>
+      <p:grpSpPr>
+        <a:xfrm>
+          <a:off x="0" y="0"/>
+          <a:ext cx="0" cy="0"/>
+          <a:chOff x="0" y="0"/>
+          <a:chExt cx="0" cy="0"/>
+        </a:xfrm>
+      </p:grpSpPr>
+      <p:sp>
+        <p:nvSpPr>
+          <p:cNvPr id="595971" name="Rectangle 3"/>
+          <p:cNvSpPr>
+            <a:spLocks noGrp="1" noChangeArrowheads="1"/>
+          </p:cNvSpPr>
+          <p:nvPr>
+            <p:ph idx="1"/>
+          </p:nvPr>
+        </p:nvSpPr>
+        <p:spPr>
+          <a:xfrm>
+            <a:off x="228600" y="794656"/>
+            <a:ext cx="8686800" cy="5855335"/>
+          </a:xfrm>
+        </p:spPr>
+        <p:txBody>
+          <a:bodyPr/>
+          <a:lstStyle/>
+          <a:p>
+            <a:pPr marL="514350" indent="-514350">
+              <a:lnSpc>
+                <a:spcPts val="3500"/>
+              </a:lnSpc>
+              <a:buFont typeface="+mj-lt"/>
+              <a:buAutoNum type="arabicPeriod" startAt="15"/>
+              <a:tabLst/>
+            </a:pPr>
+            <a:r>
+              <a:rPr lang="en-US" sz="2800" dirty="0" smtClean="0">
+                <a:sym typeface="Wingdings" pitchFamily="2" charset="2"/>
+              </a:rPr>
+              <a:t>Write a program that finds all prime numbers in the range </a:t>
+            </a:r>
+            <a:r>
+              <a:rPr lang="en-US" sz="2800" noProof="1" smtClean="0">
+                <a:sym typeface="Wingdings" pitchFamily="2" charset="2"/>
+              </a:rPr>
+              <a:t>[1...10 000 000].</a:t>
+            </a:r>
+            <a:r>
+              <a:rPr lang="en-US" sz="2800" dirty="0" smtClean="0">
+                <a:sym typeface="Wingdings" pitchFamily="2" charset="2"/>
+              </a:rPr>
+              <a:t> Use the </a:t>
+            </a:r>
+            <a:r>
+              <a:rPr lang="en-US" sz="2800" dirty="0" smtClean="0">
+                <a:sym typeface="Wingdings" pitchFamily="2" charset="2"/>
+                <a:hlinkClick r:id="rId3"/>
+              </a:rPr>
+              <a:t>sieve of Eratosthenes</a:t>
+            </a:r>
+            <a:r>
+              <a:rPr lang="en-US" sz="2800" dirty="0" smtClean="0">
+                <a:sym typeface="Wingdings" pitchFamily="2" charset="2"/>
+              </a:rPr>
+              <a:t> algorithm </a:t>
+            </a:r>
+            <a:r>
+              <a:rPr lang="en-US" sz="2800" dirty="0" smtClean="0"/>
+              <a:t>(find it in Wikipedia)</a:t>
+            </a:r>
+            <a:r>
+              <a:rPr lang="en-US" sz="2800" dirty="0" smtClean="0">
+                <a:sym typeface="Wingdings" pitchFamily="2" charset="2"/>
+              </a:rPr>
+              <a:t>.</a:t>
+            </a:r>
+          </a:p>
+          <a:p>
+            <a:pPr marL="514350" indent="-514350">
+              <a:lnSpc>
+                <a:spcPts val="3500"/>
+              </a:lnSpc>
+              <a:buFont typeface="+mj-lt"/>
+              <a:buAutoNum type="arabicPeriod" startAt="15"/>
+              <a:tabLst/>
+            </a:pPr>
+            <a:r>
+              <a:rPr lang="en-US" sz="2800" dirty="0" smtClean="0">
+                <a:sym typeface="Wingdings" pitchFamily="2" charset="2"/>
+              </a:rPr>
+              <a:t>* We are given an array of integers and a number S. Write a program to find if there exists a subset of the elements of the array that has a sum S. Example:</a:t>
+            </a:r>
+          </a:p>
+          <a:p>
+            <a:pPr marL="450850" indent="-450850">
+              <a:lnSpc>
+                <a:spcPts val="3500"/>
+              </a:lnSpc>
+              <a:buFontTx/>
+              <a:buNone/>
+              <a:tabLst/>
+            </a:pPr>
+            <a:r>
+              <a:rPr lang="en-US" sz="2800" noProof="1" smtClean="0">
+                <a:sym typeface="Wingdings" pitchFamily="2" charset="2"/>
+              </a:rPr>
+              <a:t>	arr</a:t>
+            </a:r>
+            <a:r>
+              <a:rPr lang="en-US" sz="2800" dirty="0">
+                <a:sym typeface="Wingdings" pitchFamily="2" charset="2"/>
+              </a:rPr>
+              <a:t>={2, </a:t>
+            </a:r>
+            <a:r>
+              <a:rPr lang="en-US" sz="2800" dirty="0">
+                <a:solidFill>
+                  <a:schemeClr val="accent5">
+                    <a:lumMod val="20000"/>
+                    <a:lumOff val="80000"/>
+                  </a:schemeClr>
+                </a:solidFill>
+                <a:effectLst>
+                  <a:outerShdw blurRad="38100" dist="38100" dir="2700000" algn="tl">
+                    <a:srgbClr val="000000"/>
+                  </a:outerShdw>
+                </a:effectLst>
+                <a:sym typeface="Wingdings" pitchFamily="2" charset="2"/>
+              </a:rPr>
+              <a:t>1</a:t>
+            </a:r>
+            <a:r>
+              <a:rPr lang="en-US" sz="2800" dirty="0">
+                <a:sym typeface="Wingdings" pitchFamily="2" charset="2"/>
+              </a:rPr>
+              <a:t>, </a:t>
+            </a:r>
+            <a:r>
+              <a:rPr lang="en-US" sz="2800" dirty="0">
+                <a:solidFill>
+                  <a:schemeClr val="accent5">
+                    <a:lumMod val="20000"/>
+                    <a:lumOff val="80000"/>
+                  </a:schemeClr>
+                </a:solidFill>
+                <a:effectLst>
+                  <a:outerShdw blurRad="38100" dist="38100" dir="2700000" algn="tl">
+                    <a:srgbClr val="000000"/>
+                  </a:outerShdw>
+                </a:effectLst>
+                <a:sym typeface="Wingdings" pitchFamily="2" charset="2"/>
+              </a:rPr>
+              <a:t>2</a:t>
+            </a:r>
+            <a:r>
+              <a:rPr lang="en-US" sz="2800" dirty="0">
+                <a:sym typeface="Wingdings" pitchFamily="2" charset="2"/>
+              </a:rPr>
+              <a:t>, 4, 3, </a:t>
+            </a:r>
+            <a:r>
+              <a:rPr lang="en-US" sz="2800" dirty="0">
+                <a:solidFill>
+                  <a:schemeClr val="accent5">
+                    <a:lumMod val="20000"/>
+                    <a:lumOff val="80000"/>
+                  </a:schemeClr>
+                </a:solidFill>
+                <a:effectLst>
+                  <a:outerShdw blurRad="38100" dist="38100" dir="2700000" algn="tl">
+                    <a:srgbClr val="000000"/>
+                  </a:outerShdw>
+                </a:effectLst>
+                <a:sym typeface="Wingdings" pitchFamily="2" charset="2"/>
+              </a:rPr>
+              <a:t>5</a:t>
+            </a:r>
+            <a:r>
+              <a:rPr lang="en-US" sz="2800" dirty="0">
+                <a:sym typeface="Wingdings" pitchFamily="2" charset="2"/>
+              </a:rPr>
+              <a:t>, 2, </a:t>
+            </a:r>
+            <a:r>
+              <a:rPr lang="en-US" sz="2800" dirty="0">
+                <a:solidFill>
+                  <a:schemeClr val="accent5">
+                    <a:lumMod val="20000"/>
+                    <a:lumOff val="80000"/>
+                  </a:schemeClr>
+                </a:solidFill>
+                <a:effectLst>
+                  <a:outerShdw blurRad="38100" dist="38100" dir="2700000" algn="tl">
+                    <a:srgbClr val="000000"/>
+                  </a:outerShdw>
+                </a:effectLst>
+                <a:sym typeface="Wingdings" pitchFamily="2" charset="2"/>
+              </a:rPr>
+              <a:t>6</a:t>
+            </a:r>
+            <a:r>
+              <a:rPr lang="en-US" sz="2800" dirty="0">
+                <a:sym typeface="Wingdings" pitchFamily="2" charset="2"/>
+              </a:rPr>
+              <a:t>}, S=14  yes (1+2+5+6)</a:t>
+            </a:r>
+          </a:p>
+          <a:p>
+            <a:pPr marL="514350" indent="-514350">
+              <a:lnSpc>
+                <a:spcPts val="3500"/>
+              </a:lnSpc>
+              <a:buFont typeface="+mj-lt"/>
+              <a:buAutoNum type="arabicPeriod" startAt="17"/>
+              <a:tabLst/>
+            </a:pPr>
+            <a:r>
+              <a:rPr lang="en-US" sz="2800" dirty="0" smtClean="0">
+                <a:sym typeface="Wingdings" pitchFamily="2" charset="2"/>
+              </a:rPr>
+              <a:t>* Write </a:t>
+            </a:r>
+            <a:r>
+              <a:rPr lang="en-US" sz="2800" dirty="0">
+                <a:sym typeface="Wingdings" pitchFamily="2" charset="2"/>
+              </a:rPr>
+              <a:t>a program that reads </a:t>
+            </a:r>
+            <a:r>
+              <a:rPr lang="en-US" sz="2800" dirty="0" smtClean="0">
+                <a:sym typeface="Wingdings" pitchFamily="2" charset="2"/>
+              </a:rPr>
+              <a:t>three integer </a:t>
+            </a:r>
+            <a:r>
+              <a:rPr lang="en-US" sz="2800" dirty="0">
+                <a:sym typeface="Wingdings" pitchFamily="2" charset="2"/>
+              </a:rPr>
+              <a:t>numbers N, K and S and an array of N elements from the console. Find in the array a subset of K elements that have sum </a:t>
+            </a:r>
+            <a:r>
+              <a:rPr lang="en-US" sz="2800" dirty="0" smtClean="0">
+                <a:sym typeface="Wingdings" pitchFamily="2" charset="2"/>
+              </a:rPr>
+              <a:t>S or indicate about its absence.</a:t>
+            </a:r>
+            <a:endParaRPr lang="en-US" sz="2800" dirty="0">
+              <a:sym typeface="Wingdings" pitchFamily="2" charset="2"/>
+            </a:endParaRPr>
+          </a:p>
+        </p:txBody>
+      </p:sp>
+      <p:sp>
+        <p:nvSpPr>
+          <p:cNvPr id="595970" name="Rectangle 2"/>
+          <p:cNvSpPr>
+            <a:spLocks noGrp="1" noChangeArrowheads="1"/>
+          </p:cNvSpPr>
+          <p:nvPr>
+            <p:ph type="title"/>
+          </p:nvPr>
+        </p:nvSpPr>
+        <p:spPr/>
+        <p:txBody>
+          <a:bodyPr/>
+          <a:lstStyle/>
+          <a:p>
+            <a:r>
+              <a:rPr lang="en-US" dirty="0" smtClean="0"/>
+              <a:t>Exercises (7)</a:t>
+            </a:r>
+            <a:endParaRPr lang="bg-BG" dirty="0"/>
+          </a:p>
+        </p:txBody>
+      </p:sp>
+      <p:sp>
+        <p:nvSpPr>
+          <p:cNvPr id="4" name="Rectangle 5"/>
+          <p:cNvSpPr>
+            <a:spLocks noChangeArrowheads="1"/>
+          </p:cNvSpPr>
+          <p:nvPr/>
+        </p:nvSpPr>
+        <p:spPr bwMode="auto">
+          <a:xfrm>
+            <a:off x="1781175" y="4275790"/>
+            <a:ext cx="695325" cy="428625"/>
+          </a:xfrm>
+          <a:prstGeom prst="rect">
+            <a:avLst/>
+          </a:prstGeom>
+          <a:solidFill>
+            <a:schemeClr val="accent5">
+              <a:lumMod val="20000"/>
+              <a:lumOff val="80000"/>
+              <a:alpha val="20000"/>
+            </a:schemeClr>
+          </a:solidFill>
+          <a:ln w="9525" algn="ctr">
+            <a:solidFill>
+              <a:schemeClr val="accent5">
+                <a:lumMod val="20000"/>
+                <a:lumOff val="80000"/>
+              </a:schemeClr>
+            </a:solidFill>
+            <a:miter lim="800000"/>
+            <a:headEnd/>
+            <a:tailEnd/>
+          </a:ln>
+          <a:effectLst/>
+        </p:spPr>
+        <p:txBody>
+          <a:bodyPr wrap="none" anchor="ctr"/>
+          <a:lstStyle/>
+          <a:p>
+            <a:endParaRPr lang="en-US" dirty="0"/>
+          </a:p>
+        </p:txBody>
+      </p:sp>
+      <p:sp>
+        <p:nvSpPr>
+          <p:cNvPr id="5" name="Rectangle 5"/>
+          <p:cNvSpPr>
+            <a:spLocks noChangeArrowheads="1"/>
+          </p:cNvSpPr>
+          <p:nvPr/>
+        </p:nvSpPr>
+        <p:spPr bwMode="auto">
+          <a:xfrm>
+            <a:off x="3238501" y="4275791"/>
+            <a:ext cx="342900" cy="428625"/>
+          </a:xfrm>
+          <a:prstGeom prst="rect">
+            <a:avLst/>
+          </a:prstGeom>
+          <a:solidFill>
+            <a:schemeClr val="accent5">
+              <a:lumMod val="20000"/>
+              <a:lumOff val="80000"/>
+              <a:alpha val="20000"/>
+            </a:schemeClr>
+          </a:solidFill>
+          <a:ln w="9525" algn="ctr">
+            <a:solidFill>
+              <a:schemeClr val="accent5">
+                <a:lumMod val="20000"/>
+                <a:lumOff val="80000"/>
+              </a:schemeClr>
+            </a:solidFill>
+            <a:miter lim="800000"/>
+            <a:headEnd/>
+            <a:tailEnd/>
+          </a:ln>
+          <a:effectLst/>
+        </p:spPr>
+        <p:txBody>
+          <a:bodyPr wrap="none" anchor="ctr"/>
+          <a:lstStyle/>
+          <a:p>
+            <a:endParaRPr lang="en-US" dirty="0"/>
+          </a:p>
+        </p:txBody>
+      </p:sp>
+      <p:sp>
+        <p:nvSpPr>
+          <p:cNvPr id="6" name="Rectangle 5"/>
+          <p:cNvSpPr>
+            <a:spLocks noChangeArrowheads="1"/>
+          </p:cNvSpPr>
+          <p:nvPr/>
+        </p:nvSpPr>
+        <p:spPr bwMode="auto">
+          <a:xfrm>
+            <a:off x="3974276" y="4275791"/>
+            <a:ext cx="324591" cy="428625"/>
+          </a:xfrm>
+          <a:prstGeom prst="rect">
+            <a:avLst/>
+          </a:prstGeom>
+          <a:solidFill>
+            <a:schemeClr val="accent5">
+              <a:lumMod val="20000"/>
+              <a:lumOff val="80000"/>
+              <a:alpha val="20000"/>
+            </a:schemeClr>
+          </a:solidFill>
+          <a:ln w="9525" algn="ctr">
+            <a:solidFill>
+              <a:schemeClr val="accent5">
+                <a:lumMod val="20000"/>
+                <a:lumOff val="80000"/>
+              </a:schemeClr>
+            </a:solidFill>
+            <a:miter lim="800000"/>
+            <a:headEnd/>
+            <a:tailEnd/>
+          </a:ln>
+          <a:effectLst/>
+        </p:spPr>
+        <p:txBody>
+          <a:bodyPr wrap="none" anchor="ctr"/>
+          <a:lstStyle/>
+          <a:p>
+            <a:endParaRPr lang="en-US" dirty="0"/>
+          </a:p>
+        </p:txBody>
+      </p:sp>
+      <p:sp>
+        <p:nvSpPr>
+          <p:cNvPr id="7" name="Slide Number Placeholder 3"/>
+          <p:cNvSpPr>
+            <a:spLocks noGrp="1"/>
+          </p:cNvSpPr>
+          <p:nvPr>
+            <p:ph type="sldNum" sz="quarter" idx="10"/>
+          </p:nvPr>
+        </p:nvSpPr>
+        <p:spPr>
+          <a:xfrm>
+            <a:off x="8610600" y="6553200"/>
+            <a:ext cx="457200" cy="228600"/>
+          </a:xfrm>
+        </p:spPr>
+        <p:txBody>
+          <a:bodyPr/>
+          <a:lstStyle/>
+          <a:p>
+            <a:pPr>
+              <a:defRPr/>
+            </a:pPr>
+            <a:fld id="{58452FF4-89E3-4D1B-9927-2DBDC00E58D7}" type="slidenum">
+              <a:rPr lang="en-US" smtClean="0"/>
+              <a:pPr>
+                <a:defRPr/>
+              </a:pPr>
+              <a:t>42</a:t>
+            </a:fld>
+            <a:endParaRPr lang="en-US" dirty="0"/>
+          </a:p>
+        </p:txBody>
+      </p:sp>
+    </p:spTree>
+    <p:extLst>
+      <p:ext uri="{BB962C8B-B14F-4D97-AF65-F5344CB8AC3E}">
+        <p14:creationId xmlns:p14="http://schemas.microsoft.com/office/powerpoint/2010/main" val="981654840"/>
+      </p:ext>
+    </p:extLst>
+  </p:cSld>
+  <p:clrMapOvr>
+    <a:masterClrMapping/>
+  </p:clrMapOvr>
+  <p:transition/>
+  <p:timing>
+    <p:tnLst>
+      <p:par>
+        <p:cTn id="1" dur="indefinite" restart="never" nodeType="tmRoot"/>
+      </p:par>
+    </p:tnLst>
+  </p:timing>
+</p:sld>
+</file>
+
+<file path=ppt/slides/slide43.xml><?xml version="1.0" encoding="utf-8"?>
+<p:sld xmlns:a="http://schemas.openxmlformats.org/drawingml/2006/main" xmlns:r="http://schemas.openxmlformats.org/officeDocument/2006/relationships" xmlns:p="http://schemas.openxmlformats.org/presentationml/2006/main">
+  <p:cSld>
+    <p:spTree>
+      <p:nvGrpSpPr>
+        <p:cNvPr id="1" name=""/>
+        <p:cNvGrpSpPr/>
+        <p:nvPr/>
+      </p:nvGrpSpPr>
+      <p:grpSpPr>
+        <a:xfrm>
+          <a:off x="0" y="0"/>
+          <a:ext cx="0" cy="0"/>
+          <a:chOff x="0" y="0"/>
+          <a:chExt cx="0" cy="0"/>
+        </a:xfrm>
+      </p:grpSpPr>
+      <p:sp>
+        <p:nvSpPr>
+          <p:cNvPr id="5" name="Rectangle 5"/>
+          <p:cNvSpPr>
+            <a:spLocks noChangeArrowheads="1"/>
+          </p:cNvSpPr>
+          <p:nvPr/>
+        </p:nvSpPr>
+        <p:spPr bwMode="auto">
+          <a:xfrm>
+            <a:off x="1181100" y="3543300"/>
+            <a:ext cx="342900" cy="428625"/>
+          </a:xfrm>
+          <a:prstGeom prst="rect">
+            <a:avLst/>
+          </a:prstGeom>
+          <a:solidFill>
+            <a:schemeClr val="accent5">
+              <a:lumMod val="20000"/>
+              <a:lumOff val="80000"/>
+              <a:alpha val="20000"/>
+            </a:schemeClr>
+          </a:solidFill>
+          <a:ln w="9525" algn="ctr">
+            <a:solidFill>
+              <a:schemeClr val="accent5">
+                <a:lumMod val="20000"/>
+                <a:lumOff val="80000"/>
+              </a:schemeClr>
+            </a:solidFill>
+            <a:miter lim="800000"/>
+            <a:headEnd/>
+            <a:tailEnd/>
+          </a:ln>
+          <a:effectLst/>
+        </p:spPr>
+        <p:txBody>
+          <a:bodyPr wrap="none" anchor="ctr"/>
+          <a:lstStyle/>
+          <a:p>
+            <a:endParaRPr lang="en-US" dirty="0"/>
+          </a:p>
+        </p:txBody>
+      </p:sp>
+      <p:sp>
+        <p:nvSpPr>
+          <p:cNvPr id="6" name="Rectangle 5"/>
+          <p:cNvSpPr>
+            <a:spLocks noChangeArrowheads="1"/>
+          </p:cNvSpPr>
+          <p:nvPr/>
+        </p:nvSpPr>
+        <p:spPr bwMode="auto">
+          <a:xfrm>
+            <a:off x="1905000" y="3543300"/>
+            <a:ext cx="342900" cy="428625"/>
+          </a:xfrm>
+          <a:prstGeom prst="rect">
+            <a:avLst/>
+          </a:prstGeom>
+          <a:solidFill>
+            <a:schemeClr val="accent5">
+              <a:lumMod val="20000"/>
+              <a:lumOff val="80000"/>
+              <a:alpha val="20000"/>
+            </a:schemeClr>
+          </a:solidFill>
+          <a:ln w="9525" algn="ctr">
+            <a:solidFill>
+              <a:schemeClr val="accent5">
+                <a:lumMod val="20000"/>
+                <a:lumOff val="80000"/>
+              </a:schemeClr>
+            </a:solidFill>
+            <a:miter lim="800000"/>
+            <a:headEnd/>
+            <a:tailEnd/>
+          </a:ln>
+          <a:effectLst/>
+        </p:spPr>
+        <p:txBody>
+          <a:bodyPr wrap="none" anchor="ctr"/>
+          <a:lstStyle/>
+          <a:p>
+            <a:endParaRPr lang="en-US" dirty="0"/>
+          </a:p>
+        </p:txBody>
+      </p:sp>
+      <p:sp>
+        <p:nvSpPr>
+          <p:cNvPr id="8" name="Rectangle 7"/>
+          <p:cNvSpPr>
+            <a:spLocks noChangeArrowheads="1"/>
+          </p:cNvSpPr>
+          <p:nvPr/>
+        </p:nvSpPr>
+        <p:spPr bwMode="auto">
+          <a:xfrm>
+            <a:off x="2628900" y="3543300"/>
+            <a:ext cx="342900" cy="428625"/>
+          </a:xfrm>
+          <a:prstGeom prst="rect">
+            <a:avLst/>
+          </a:prstGeom>
+          <a:solidFill>
+            <a:schemeClr val="accent5">
+              <a:lumMod val="20000"/>
+              <a:lumOff val="80000"/>
+              <a:alpha val="20000"/>
+            </a:schemeClr>
+          </a:solidFill>
+          <a:ln w="9525" algn="ctr">
+            <a:solidFill>
+              <a:schemeClr val="accent5">
+                <a:lumMod val="20000"/>
+                <a:lumOff val="80000"/>
+              </a:schemeClr>
+            </a:solidFill>
+            <a:miter lim="800000"/>
+            <a:headEnd/>
+            <a:tailEnd/>
+          </a:ln>
+          <a:effectLst/>
+        </p:spPr>
+        <p:txBody>
+          <a:bodyPr wrap="none" anchor="ctr"/>
+          <a:lstStyle/>
+          <a:p>
+            <a:endParaRPr lang="en-US" dirty="0"/>
+          </a:p>
+        </p:txBody>
+      </p:sp>
+      <p:sp>
+        <p:nvSpPr>
+          <p:cNvPr id="9" name="Rectangle 8"/>
+          <p:cNvSpPr>
+            <a:spLocks noChangeArrowheads="1"/>
+          </p:cNvSpPr>
+          <p:nvPr/>
+        </p:nvSpPr>
+        <p:spPr bwMode="auto">
+          <a:xfrm>
+            <a:off x="3371850" y="3543300"/>
+            <a:ext cx="342900" cy="428625"/>
+          </a:xfrm>
+          <a:prstGeom prst="rect">
+            <a:avLst/>
+          </a:prstGeom>
+          <a:solidFill>
+            <a:schemeClr val="accent5">
+              <a:lumMod val="20000"/>
+              <a:lumOff val="80000"/>
+              <a:alpha val="20000"/>
+            </a:schemeClr>
+          </a:solidFill>
+          <a:ln w="9525" algn="ctr">
+            <a:solidFill>
+              <a:schemeClr val="accent5">
+                <a:lumMod val="20000"/>
+                <a:lumOff val="80000"/>
+              </a:schemeClr>
+            </a:solidFill>
+            <a:miter lim="800000"/>
+            <a:headEnd/>
+            <a:tailEnd/>
+          </a:ln>
+          <a:effectLst/>
+        </p:spPr>
+        <p:txBody>
+          <a:bodyPr wrap="none" anchor="ctr"/>
+          <a:lstStyle/>
+          <a:p>
+            <a:endParaRPr lang="en-US" dirty="0"/>
+          </a:p>
+        </p:txBody>
+      </p:sp>
+      <p:sp>
+        <p:nvSpPr>
+          <p:cNvPr id="10" name="Rectangle 9"/>
+          <p:cNvSpPr>
+            <a:spLocks noChangeArrowheads="1"/>
+          </p:cNvSpPr>
+          <p:nvPr/>
+        </p:nvSpPr>
+        <p:spPr bwMode="auto">
+          <a:xfrm>
+            <a:off x="3771900" y="3543300"/>
+            <a:ext cx="342900" cy="428625"/>
+          </a:xfrm>
+          <a:prstGeom prst="rect">
+            <a:avLst/>
+          </a:prstGeom>
+          <a:solidFill>
+            <a:schemeClr val="accent5">
+              <a:lumMod val="20000"/>
+              <a:lumOff val="80000"/>
+              <a:alpha val="20000"/>
+            </a:schemeClr>
+          </a:solidFill>
+          <a:ln w="9525" algn="ctr">
+            <a:solidFill>
+              <a:schemeClr val="accent5">
+                <a:lumMod val="20000"/>
+                <a:lumOff val="80000"/>
+              </a:schemeClr>
+            </a:solidFill>
+            <a:miter lim="800000"/>
+            <a:headEnd/>
+            <a:tailEnd/>
+          </a:ln>
+          <a:effectLst/>
+        </p:spPr>
+        <p:txBody>
+          <a:bodyPr wrap="none" anchor="ctr"/>
+          <a:lstStyle/>
+          <a:p>
+            <a:endParaRPr lang="en-US" dirty="0"/>
+          </a:p>
+        </p:txBody>
+      </p:sp>
+      <p:sp>
+        <p:nvSpPr>
+          <p:cNvPr id="605186" name="Rectangle 2"/>
+          <p:cNvSpPr>
+            <a:spLocks noGrp="1" noChangeArrowheads="1"/>
+          </p:cNvSpPr>
+          <p:nvPr>
+            <p:ph type="title"/>
+          </p:nvPr>
+        </p:nvSpPr>
+        <p:spPr/>
+        <p:txBody>
+          <a:bodyPr/>
+          <a:lstStyle/>
+          <a:p>
+            <a:r>
+              <a:rPr lang="en-US" dirty="0" smtClean="0"/>
+              <a:t>Exercises (8)</a:t>
+            </a:r>
+            <a:endParaRPr lang="bg-BG" dirty="0"/>
+          </a:p>
+        </p:txBody>
+      </p:sp>
+      <p:sp>
+        <p:nvSpPr>
+          <p:cNvPr id="605187" name="Rectangle 3"/>
+          <p:cNvSpPr>
+            <a:spLocks noGrp="1" noChangeArrowheads="1"/>
+          </p:cNvSpPr>
+          <p:nvPr>
+            <p:ph idx="1"/>
+          </p:nvPr>
+        </p:nvSpPr>
+        <p:spPr>
+          <a:xfrm>
+            <a:off x="228600" y="1066801"/>
+            <a:ext cx="8686800" cy="5530850"/>
+          </a:xfrm>
+        </p:spPr>
+        <p:txBody>
+          <a:bodyPr/>
+          <a:lstStyle/>
+          <a:p>
+            <a:pPr marL="514350" indent="-514350">
+              <a:lnSpc>
+                <a:spcPts val="3500"/>
+              </a:lnSpc>
+              <a:buFont typeface="+mj-lt"/>
+              <a:buAutoNum type="arabicPeriod" startAt="18"/>
+              <a:tabLst/>
+            </a:pPr>
+            <a:r>
+              <a:rPr lang="en-US" sz="2800" dirty="0" smtClean="0">
+                <a:sym typeface="Wingdings" pitchFamily="2" charset="2"/>
+              </a:rPr>
+              <a:t>* Write </a:t>
+            </a:r>
+            <a:r>
+              <a:rPr lang="en-US" sz="2800" dirty="0">
+                <a:sym typeface="Wingdings" pitchFamily="2" charset="2"/>
+              </a:rPr>
+              <a:t>a program that reads an array of integers and removes from it a minimal number of elements in such way that the remaining array is sorted in increasing order. Print the remaining sorted array. Example:</a:t>
+            </a:r>
+          </a:p>
+          <a:p>
+            <a:pPr marL="450850" indent="-450850">
+              <a:lnSpc>
+                <a:spcPts val="3500"/>
+              </a:lnSpc>
+              <a:buFontTx/>
+              <a:buNone/>
+              <a:tabLst/>
+            </a:pPr>
+            <a:r>
+              <a:rPr lang="en-US" sz="2800" dirty="0">
+                <a:sym typeface="Wingdings" pitchFamily="2" charset="2"/>
+              </a:rPr>
+              <a:t>	{6, </a:t>
+            </a:r>
+            <a:r>
+              <a:rPr lang="en-US" sz="2800" dirty="0">
+                <a:solidFill>
+                  <a:schemeClr val="accent5">
+                    <a:lumMod val="20000"/>
+                    <a:lumOff val="80000"/>
+                  </a:schemeClr>
+                </a:solidFill>
+                <a:effectLst>
+                  <a:outerShdw blurRad="38100" dist="38100" dir="2700000" algn="tl">
+                    <a:srgbClr val="000000"/>
+                  </a:outerShdw>
+                </a:effectLst>
+                <a:sym typeface="Wingdings" pitchFamily="2" charset="2"/>
+              </a:rPr>
+              <a:t>1</a:t>
+            </a:r>
+            <a:r>
+              <a:rPr lang="en-US" sz="2800" dirty="0">
+                <a:sym typeface="Wingdings" pitchFamily="2" charset="2"/>
+              </a:rPr>
+              <a:t>, 4, </a:t>
+            </a:r>
+            <a:r>
+              <a:rPr lang="en-US" sz="2800" dirty="0">
+                <a:solidFill>
+                  <a:schemeClr val="accent5">
+                    <a:lumMod val="20000"/>
+                    <a:lumOff val="80000"/>
+                  </a:schemeClr>
+                </a:solidFill>
+                <a:effectLst>
+                  <a:outerShdw blurRad="38100" dist="38100" dir="2700000" algn="tl">
+                    <a:srgbClr val="000000"/>
+                  </a:outerShdw>
+                </a:effectLst>
+                <a:sym typeface="Wingdings" pitchFamily="2" charset="2"/>
+              </a:rPr>
+              <a:t>3</a:t>
+            </a:r>
+            <a:r>
+              <a:rPr lang="en-US" sz="2800" dirty="0">
+                <a:sym typeface="Wingdings" pitchFamily="2" charset="2"/>
+              </a:rPr>
+              <a:t>, 0, </a:t>
+            </a:r>
+            <a:r>
+              <a:rPr lang="en-US" sz="2800" dirty="0">
+                <a:solidFill>
+                  <a:schemeClr val="accent5">
+                    <a:lumMod val="20000"/>
+                    <a:lumOff val="80000"/>
+                  </a:schemeClr>
+                </a:solidFill>
+                <a:effectLst>
+                  <a:outerShdw blurRad="38100" dist="38100" dir="2700000" algn="tl">
+                    <a:srgbClr val="000000"/>
+                  </a:outerShdw>
+                </a:effectLst>
+                <a:sym typeface="Wingdings" pitchFamily="2" charset="2"/>
+              </a:rPr>
+              <a:t>3</a:t>
+            </a:r>
+            <a:r>
+              <a:rPr lang="en-US" sz="2800" dirty="0">
+                <a:sym typeface="Wingdings" pitchFamily="2" charset="2"/>
+              </a:rPr>
+              <a:t>, 6, </a:t>
+            </a:r>
+            <a:r>
+              <a:rPr lang="en-US" sz="2800" dirty="0">
+                <a:solidFill>
+                  <a:schemeClr val="accent5">
+                    <a:lumMod val="20000"/>
+                    <a:lumOff val="80000"/>
+                  </a:schemeClr>
+                </a:solidFill>
+                <a:effectLst>
+                  <a:outerShdw blurRad="38100" dist="38100" dir="2700000" algn="tl">
+                    <a:srgbClr val="000000"/>
+                  </a:outerShdw>
+                </a:effectLst>
+                <a:sym typeface="Wingdings" pitchFamily="2" charset="2"/>
+              </a:rPr>
+              <a:t>4</a:t>
+            </a:r>
+            <a:r>
+              <a:rPr lang="en-US" sz="2800" dirty="0">
+                <a:sym typeface="Wingdings" pitchFamily="2" charset="2"/>
+              </a:rPr>
+              <a:t>, </a:t>
+            </a:r>
+            <a:r>
+              <a:rPr lang="en-US" sz="2800" dirty="0">
+                <a:solidFill>
+                  <a:schemeClr val="accent5">
+                    <a:lumMod val="20000"/>
+                    <a:lumOff val="80000"/>
+                  </a:schemeClr>
+                </a:solidFill>
+                <a:effectLst>
+                  <a:outerShdw blurRad="38100" dist="38100" dir="2700000" algn="tl">
+                    <a:srgbClr val="000000"/>
+                  </a:outerShdw>
+                </a:effectLst>
+                <a:sym typeface="Wingdings" pitchFamily="2" charset="2"/>
+              </a:rPr>
+              <a:t>5</a:t>
+            </a:r>
+            <a:r>
+              <a:rPr lang="en-US" sz="2800" dirty="0">
+                <a:sym typeface="Wingdings" pitchFamily="2" charset="2"/>
+              </a:rPr>
+              <a:t>}  {1, 3, 3, 4, 5}</a:t>
+            </a:r>
+          </a:p>
+          <a:p>
+            <a:pPr marL="514350" indent="-514350">
+              <a:lnSpc>
+                <a:spcPts val="3500"/>
+              </a:lnSpc>
+              <a:buFont typeface="+mj-lt"/>
+              <a:buAutoNum type="arabicPeriod" startAt="19"/>
+              <a:tabLst/>
+            </a:pPr>
+            <a:r>
+              <a:rPr lang="en-US" sz="2800" dirty="0" smtClean="0">
+                <a:sym typeface="Wingdings" pitchFamily="2" charset="2"/>
+              </a:rPr>
+              <a:t>* Write </a:t>
+            </a:r>
+            <a:r>
+              <a:rPr lang="en-US" sz="2800" dirty="0">
+                <a:sym typeface="Wingdings" pitchFamily="2" charset="2"/>
+              </a:rPr>
+              <a:t>a program that reads a number N and generates </a:t>
+            </a:r>
+            <a:r>
+              <a:rPr lang="en-US" sz="2800" dirty="0" smtClean="0">
+                <a:sym typeface="Wingdings" pitchFamily="2" charset="2"/>
+              </a:rPr>
+              <a:t>and prints all </a:t>
+            </a:r>
+            <a:r>
+              <a:rPr lang="en-US" sz="2800" dirty="0">
+                <a:sym typeface="Wingdings" pitchFamily="2" charset="2"/>
+              </a:rPr>
+              <a:t>the permutations of the numbers </a:t>
+            </a:r>
+            <a:r>
+              <a:rPr lang="en-US" sz="2800" dirty="0" smtClean="0">
+                <a:sym typeface="Wingdings" pitchFamily="2" charset="2"/>
+              </a:rPr>
+              <a:t>[1 … N]. </a:t>
+            </a:r>
+            <a:r>
+              <a:rPr lang="en-US" sz="2800" dirty="0">
+                <a:sym typeface="Wingdings" pitchFamily="2" charset="2"/>
+              </a:rPr>
+              <a:t>Example:</a:t>
+            </a:r>
+          </a:p>
+          <a:p>
+            <a:pPr marL="450850" indent="-450850">
+              <a:lnSpc>
+                <a:spcPts val="3500"/>
+              </a:lnSpc>
+              <a:buFontTx/>
+              <a:buNone/>
+              <a:tabLst/>
+            </a:pPr>
+            <a:r>
+              <a:rPr lang="en-US" sz="2800" dirty="0">
+                <a:sym typeface="Wingdings" pitchFamily="2" charset="2"/>
+              </a:rPr>
+              <a:t>	n = 3  {1, 2, 3}, {1, 3, 2}, {2, 1, 3}, {2, 3, 1}, {3, 1, 2}, {3, 2, 1}</a:t>
+            </a:r>
+          </a:p>
+        </p:txBody>
+      </p:sp>
+      <p:sp>
+        <p:nvSpPr>
+          <p:cNvPr id="11" name="Slide Number Placeholder 3"/>
+          <p:cNvSpPr>
+            <a:spLocks noGrp="1"/>
+          </p:cNvSpPr>
+          <p:nvPr>
+            <p:ph type="sldNum" sz="quarter" idx="10"/>
+          </p:nvPr>
+        </p:nvSpPr>
+        <p:spPr>
+          <a:xfrm>
+            <a:off x="8610600" y="6553200"/>
+            <a:ext cx="457200" cy="228600"/>
+          </a:xfrm>
+        </p:spPr>
+        <p:txBody>
+          <a:bodyPr/>
+          <a:lstStyle/>
+          <a:p>
+            <a:pPr>
+              <a:defRPr/>
+            </a:pPr>
+            <a:fld id="{58452FF4-89E3-4D1B-9927-2DBDC00E58D7}" type="slidenum">
+              <a:rPr lang="en-US" smtClean="0"/>
+              <a:pPr>
+                <a:defRPr/>
+              </a:pPr>
+              <a:t>43</a:t>
+            </a:fld>
+            <a:endParaRPr lang="en-US" dirty="0"/>
+          </a:p>
+        </p:txBody>
+      </p:sp>
+    </p:spTree>
+    <p:extLst>
+      <p:ext uri="{BB962C8B-B14F-4D97-AF65-F5344CB8AC3E}">
+        <p14:creationId xmlns:p14="http://schemas.microsoft.com/office/powerpoint/2010/main" val="2758715754"/>
+      </p:ext>
+    </p:extLst>
+  </p:cSld>
+  <p:clrMapOvr>
+    <a:masterClrMapping/>
+  </p:clrMapOvr>
+  <p:transition/>
+  <p:timing>
+    <p:tnLst>
+      <p:par>
+        <p:cTn id="1" dur="indefinite" restart="never" nodeType="tmRoot"/>
+      </p:par>
+    </p:tnLst>
+  </p:timing>
+</p:sld>
+</file>
+
+<file path=ppt/slides/slide44.xml><?xml version="1.0" encoding="utf-8"?>
+<p:sld xmlns:a="http://schemas.openxmlformats.org/drawingml/2006/main" xmlns:r="http://schemas.openxmlformats.org/officeDocument/2006/relationships" xmlns:p="http://schemas.openxmlformats.org/presentationml/2006/main">
+  <p:cSld>
+    <p:spTree>
+      <p:nvGrpSpPr>
+        <p:cNvPr id="1" name=""/>
+        <p:cNvGrpSpPr/>
+        <p:nvPr/>
+      </p:nvGrpSpPr>
+      <p:grpSpPr>
+        <a:xfrm>
+          <a:off x="0" y="0"/>
+          <a:ext cx="0" cy="0"/>
+          <a:chOff x="0" y="0"/>
+          <a:chExt cx="0" cy="0"/>
+        </a:xfrm>
+      </p:grpSpPr>
+      <p:sp>
+        <p:nvSpPr>
+          <p:cNvPr id="607234" name="Rectangle 2"/>
+          <p:cNvSpPr>
+            <a:spLocks noGrp="1" noChangeArrowheads="1"/>
+          </p:cNvSpPr>
+          <p:nvPr>
+            <p:ph type="title"/>
+          </p:nvPr>
+        </p:nvSpPr>
+        <p:spPr/>
+        <p:txBody>
+          <a:bodyPr/>
+          <a:lstStyle/>
+          <a:p>
+            <a:r>
+              <a:rPr lang="en-US" dirty="0" smtClean="0"/>
+              <a:t>Exercises (9)</a:t>
+            </a:r>
+            <a:endParaRPr lang="bg-BG" dirty="0"/>
+          </a:p>
+        </p:txBody>
+      </p:sp>
+      <p:sp>
+        <p:nvSpPr>
+          <p:cNvPr id="607235" name="Rectangle 3"/>
+          <p:cNvSpPr>
+            <a:spLocks noGrp="1" noChangeArrowheads="1"/>
+          </p:cNvSpPr>
+          <p:nvPr>
+            <p:ph idx="1"/>
+          </p:nvPr>
+        </p:nvSpPr>
+        <p:spPr>
+          <a:xfrm>
+            <a:off x="228600" y="1066800"/>
+            <a:ext cx="8686800" cy="5530851"/>
+          </a:xfrm>
+        </p:spPr>
+        <p:txBody>
+          <a:bodyPr/>
+          <a:lstStyle/>
+          <a:p>
+            <a:pPr marL="514350" indent="-514350">
+              <a:buFont typeface="+mj-lt"/>
+              <a:buAutoNum type="arabicPeriod" startAt="20"/>
+              <a:tabLst/>
+            </a:pPr>
+            <a:r>
+              <a:rPr lang="en-US" sz="2800" dirty="0" smtClean="0">
+                <a:sym typeface="Wingdings" pitchFamily="2" charset="2"/>
+              </a:rPr>
+              <a:t>Write </a:t>
+            </a:r>
+            <a:r>
+              <a:rPr lang="en-US" sz="2800" dirty="0">
+                <a:sym typeface="Wingdings" pitchFamily="2" charset="2"/>
+              </a:rPr>
+              <a:t>a program that reads two numbers N and K and generates all the variations of K elements from the set [1..N]. Example:</a:t>
+            </a:r>
+          </a:p>
+          <a:p>
+            <a:pPr marL="447675" indent="-447675">
+              <a:buFontTx/>
+              <a:buNone/>
+              <a:tabLst/>
+            </a:pPr>
+            <a:r>
+              <a:rPr lang="en-US" sz="2800" dirty="0">
+                <a:sym typeface="Wingdings" pitchFamily="2" charset="2"/>
+              </a:rPr>
+              <a:t>	N = 3, K = 2  {1, 1}, {1, 2}, {1, 3}, {2, 1}, {2, 2}, {2, 3}, {3, 1}, {3, 2}, {3, 3}</a:t>
+            </a:r>
+          </a:p>
+          <a:p>
+            <a:pPr marL="514350" indent="-514350">
+              <a:buFont typeface="+mj-lt"/>
+              <a:buAutoNum type="arabicPeriod" startAt="21"/>
+              <a:tabLst/>
+            </a:pPr>
+            <a:r>
+              <a:rPr lang="en-US" sz="2800" dirty="0">
+                <a:sym typeface="Wingdings" pitchFamily="2" charset="2"/>
+              </a:rPr>
+              <a:t>Write a program that reads two numbers N and K and generates all the combinations of K distinct elements from the set [1..N]. Example:</a:t>
+            </a:r>
+          </a:p>
+          <a:p>
+            <a:pPr marL="447675" indent="-447675">
+              <a:buFontTx/>
+              <a:buNone/>
+              <a:tabLst/>
+            </a:pPr>
+            <a:r>
+              <a:rPr lang="en-US" sz="2800" dirty="0">
+                <a:sym typeface="Wingdings" pitchFamily="2" charset="2"/>
+              </a:rPr>
+              <a:t>	N = 5, K = 2  {1, 2}, {1, 3}, {1, 4}, {1, 5}, {2, 3}, {2, 4}, {2, 5}, {3, 4}, {3, 5}, {4, 5}</a:t>
+            </a:r>
+          </a:p>
+        </p:txBody>
+      </p:sp>
+      <p:sp>
+        <p:nvSpPr>
+          <p:cNvPr id="4" name="Slide Number Placeholder 3"/>
+          <p:cNvSpPr>
+            <a:spLocks noGrp="1"/>
+          </p:cNvSpPr>
+          <p:nvPr>
+            <p:ph type="sldNum" sz="quarter" idx="10"/>
+          </p:nvPr>
+        </p:nvSpPr>
+        <p:spPr>
+          <a:xfrm>
+            <a:off x="8610600" y="6553200"/>
+            <a:ext cx="457200" cy="228600"/>
+          </a:xfrm>
+        </p:spPr>
+        <p:txBody>
+          <a:bodyPr/>
+          <a:lstStyle/>
+          <a:p>
+            <a:pPr>
+              <a:defRPr/>
+            </a:pPr>
+            <a:fld id="{58452FF4-89E3-4D1B-9927-2DBDC00E58D7}" type="slidenum">
+              <a:rPr lang="en-US" smtClean="0"/>
+              <a:pPr>
+                <a:defRPr/>
+              </a:pPr>
+              <a:t>44</a:t>
+            </a:fld>
+            <a:endParaRPr lang="en-US" dirty="0"/>
+          </a:p>
+        </p:txBody>
+      </p:sp>
+    </p:spTree>
+    <p:extLst>
+      <p:ext uri="{BB962C8B-B14F-4D97-AF65-F5344CB8AC3E}">
+        <p14:creationId xmlns:p14="http://schemas.microsoft.com/office/powerpoint/2010/main" val="507939697"/>
+      </p:ext>
+    </p:extLst>
+  </p:cSld>
+  <p:clrMapOvr>
+    <a:masterClrMapping/>
+  </p:clrMapOvr>
+  <p:transition/>
+  <p:timing>
+    <p:tnLst>
+      <p:par>
+        <p:cTn id="1" dur="indefinite" restart="never" nodeType="tmRoot"/>
+      </p:par>
+    </p:tnLst>
+  </p:timing>
+</p:sld>
+</file>
+
+<file path=ppt/slides/slide45.xml><?xml version="1.0" encoding="utf-8"?>
+<p:sld xmlns:a="http://schemas.openxmlformats.org/drawingml/2006/main" xmlns:r="http://schemas.openxmlformats.org/officeDocument/2006/relationships" xmlns:p="http://schemas.openxmlformats.org/presentationml/2006/main">
+  <p:cSld>
+    <p:spTree>
+      <p:nvGrpSpPr>
+        <p:cNvPr id="1" name=""/>
+        <p:cNvGrpSpPr/>
+        <p:nvPr/>
+      </p:nvGrpSpPr>
+      <p:grpSpPr>
+        <a:xfrm>
+          <a:off x="0" y="0"/>
+          <a:ext cx="0" cy="0"/>
+          <a:chOff x="0" y="0"/>
+          <a:chExt cx="0" cy="0"/>
+        </a:xfrm>
+      </p:grpSpPr>
+      <p:sp>
+        <p:nvSpPr>
+          <p:cNvPr id="3" name="Title 2"/>
+          <p:cNvSpPr>
+            <a:spLocks noGrp="1"/>
+          </p:cNvSpPr>
+          <p:nvPr>
+            <p:ph type="title"/>
+          </p:nvPr>
+        </p:nvSpPr>
+        <p:spPr/>
+        <p:txBody>
+          <a:bodyPr/>
+          <a:lstStyle/>
+          <a:p>
+            <a:r>
+              <a:rPr lang="en-US" sz="3600" dirty="0" smtClean="0"/>
+              <a:t>Free Trainings @ Telerik Academy</a:t>
+            </a:r>
+            <a:endParaRPr lang="en-US" sz="3600" dirty="0"/>
+          </a:p>
+        </p:txBody>
+      </p:sp>
+      <p:sp>
+        <p:nvSpPr>
+          <p:cNvPr id="4" name="Content Placeholder 3"/>
+          <p:cNvSpPr>
+            <a:spLocks noGrp="1"/>
+          </p:cNvSpPr>
+          <p:nvPr>
+            <p:ph idx="1"/>
+          </p:nvPr>
+        </p:nvSpPr>
+        <p:spPr>
+          <a:xfrm>
+            <a:off x="228600" y="1066800"/>
+            <a:ext cx="8686800" cy="5638800"/>
+          </a:xfrm>
+        </p:spPr>
+        <p:txBody>
+          <a:bodyPr/>
+          <a:lstStyle/>
+          <a:p>
+            <a:r>
+              <a:rPr lang="en-US" dirty="0" smtClean="0"/>
+              <a:t>“C# Programming @ Telerik Academy</a:t>
+            </a:r>
+          </a:p>
+          <a:p>
+            <a:pPr marL="574675" lvl="2" indent="-282575">
+              <a:buClr>
+                <a:schemeClr val="accent5">
+                  <a:lumMod val="40000"/>
+                  <a:lumOff val="60000"/>
+                </a:schemeClr>
+              </a:buClr>
+              <a:buSzPct val="70000"/>
+              <a:buFont typeface="Wingdings 2" pitchFamily="18" charset="2"/>
+              <a:buChar char=""/>
+              <a:tabLst>
+                <a:tab pos="282575" algn="l"/>
+              </a:tabLst>
+            </a:pPr>
+            <a:r>
+              <a:rPr lang="en-US" noProof="1">
+                <a:hlinkClick r:id="rId2"/>
+              </a:rPr>
+              <a:t>csharpfundamentals.telerik.com</a:t>
+            </a:r>
+            <a:endParaRPr lang="en-US" noProof="1"/>
+          </a:p>
+          <a:p>
+            <a:pPr marL="282575" lvl="1" indent="-282575">
+              <a:spcBef>
+                <a:spcPts val="1800"/>
+              </a:spcBef>
+              <a:buClr>
+                <a:schemeClr val="accent5">
+                  <a:lumMod val="40000"/>
+                  <a:lumOff val="60000"/>
+                </a:schemeClr>
+              </a:buClr>
+              <a:buSzPct val="70000"/>
+              <a:buFont typeface="Wingdings 2" pitchFamily="18" charset="2"/>
+              <a:buChar char=""/>
+              <a:tabLst>
+                <a:tab pos="282575" algn="l"/>
+              </a:tabLst>
+            </a:pPr>
+            <a:r>
+              <a:rPr lang="en-US" dirty="0" smtClean="0"/>
+              <a:t>Telerik Software Academy</a:t>
+            </a:r>
+          </a:p>
+          <a:p>
+            <a:pPr marL="574675" lvl="2" indent="-282575">
+              <a:buClr>
+                <a:schemeClr val="accent5">
+                  <a:lumMod val="40000"/>
+                  <a:lumOff val="60000"/>
+                </a:schemeClr>
+              </a:buClr>
+              <a:buSzPct val="70000"/>
+              <a:buFont typeface="Wingdings 2" pitchFamily="18" charset="2"/>
+              <a:buChar char=""/>
+              <a:tabLst>
+                <a:tab pos="282575" algn="l"/>
+              </a:tabLst>
+            </a:pPr>
+            <a:r>
+              <a:rPr lang="en-US" noProof="1" smtClean="0">
+                <a:hlinkClick r:id="rId3" tooltip="Telerik Software Academy - Free Programming Courses"/>
+              </a:rPr>
+              <a:t>academy.telerik.com</a:t>
+            </a:r>
+            <a:endParaRPr lang="en-US" noProof="1" smtClean="0"/>
+          </a:p>
+          <a:p>
+            <a:pPr marL="282575" lvl="1" indent="-282575">
+              <a:spcBef>
+                <a:spcPts val="1800"/>
+              </a:spcBef>
+              <a:buClr>
+                <a:schemeClr val="accent5">
+                  <a:lumMod val="40000"/>
+                  <a:lumOff val="60000"/>
+                </a:schemeClr>
+              </a:buClr>
+              <a:buSzPct val="70000"/>
+              <a:buFont typeface="Wingdings 2" pitchFamily="18" charset="2"/>
+              <a:buChar char=""/>
+              <a:tabLst>
+                <a:tab pos="282575" algn="l"/>
+              </a:tabLst>
+            </a:pPr>
+            <a:r>
+              <a:rPr lang="en-US" dirty="0" smtClean="0"/>
+              <a:t>Telerik Academy @ Facebook</a:t>
+            </a:r>
+          </a:p>
+          <a:p>
+            <a:pPr marL="574675" lvl="2" indent="-282575">
+              <a:buClr>
+                <a:schemeClr val="accent5">
+                  <a:lumMod val="40000"/>
+                  <a:lumOff val="60000"/>
+                </a:schemeClr>
+              </a:buClr>
+              <a:buSzPct val="70000"/>
+              <a:buFont typeface="Wingdings 2" pitchFamily="18" charset="2"/>
+              <a:buChar char=""/>
+              <a:tabLst>
+                <a:tab pos="282575" algn="l"/>
+              </a:tabLst>
+            </a:pPr>
+            <a:r>
+              <a:rPr lang="en-US" noProof="1" smtClean="0">
+                <a:hlinkClick r:id="rId4" tooltip="Telerik Softyware Academy @ Facebook"/>
+              </a:rPr>
+              <a:t>facebook.com/TelerikAcademy</a:t>
+            </a:r>
+            <a:endParaRPr lang="en-US" noProof="1" smtClean="0"/>
+          </a:p>
+          <a:p>
+            <a:pPr marL="282575" lvl="1" indent="-282575">
+              <a:spcBef>
+                <a:spcPts val="1800"/>
+              </a:spcBef>
+              <a:buClr>
+                <a:schemeClr val="accent5">
+                  <a:lumMod val="40000"/>
+                  <a:lumOff val="60000"/>
+                </a:schemeClr>
+              </a:buClr>
+              <a:buSzPct val="70000"/>
+              <a:buFont typeface="Wingdings 2" pitchFamily="18" charset="2"/>
+              <a:buChar char=""/>
+              <a:tabLst>
+                <a:tab pos="282575" algn="l"/>
+              </a:tabLst>
+            </a:pPr>
+            <a:r>
+              <a:rPr lang="en-US" dirty="0" smtClean="0"/>
+              <a:t>Telerik Software Academy Forums</a:t>
+            </a:r>
+          </a:p>
+          <a:p>
+            <a:pPr marL="574675" lvl="2" indent="-282575">
+              <a:buClr>
+                <a:schemeClr val="accent5">
+                  <a:lumMod val="40000"/>
+                  <a:lumOff val="60000"/>
+                </a:schemeClr>
+              </a:buClr>
+              <a:buSzPct val="70000"/>
+              <a:buFont typeface="Wingdings 2" pitchFamily="18" charset="2"/>
+              <a:buChar char=""/>
+              <a:tabLst>
+                <a:tab pos="282575" algn="l"/>
+              </a:tabLst>
+            </a:pPr>
+            <a:r>
+              <a:rPr lang="en-US" noProof="1" smtClean="0">
+                <a:hlinkClick r:id="rId5" tooltip="Telerik Software Academy Forums - Community for Programmers"/>
+              </a:rPr>
+              <a:t>forums.academy.telerik.com</a:t>
+            </a:r>
+            <a:endParaRPr lang="en-US" noProof="1"/>
+          </a:p>
+        </p:txBody>
+      </p:sp>
+      <p:pic>
+        <p:nvPicPr>
+          <p:cNvPr id="5" name="Picture 5">
+            <a:hlinkClick r:id="rId5" tooltip="Telerik Software Academy Forums - Discussion Board for Developers"/>
+          </p:cNvPr>
+          <p:cNvPicPr>
+            <a:picLocks noChangeAspect="1" noChangeArrowheads="1"/>
+          </p:cNvPicPr>
+          <p:nvPr/>
+        </p:nvPicPr>
+        <p:blipFill>
+          <a:blip r:embed="rId6">
+            <a:extLst>
+              <a:ext uri="{28A0092B-C50C-407E-A947-70E740481C1C}">
+                <a14:useLocalDpi xmlns:a14="http://schemas.microsoft.com/office/drawing/2010/main" val="0"/>
+              </a:ext>
+            </a:extLst>
+          </a:blip>
+          <a:srcRect/>
+          <a:stretch>
+            <a:fillRect/>
+          </a:stretch>
+        </p:blipFill>
+        <p:spPr bwMode="auto">
+          <a:xfrm>
+            <a:off x="7523898" y="5218092"/>
+            <a:ext cx="1162902" cy="1268619"/>
+          </a:xfrm>
+          <a:prstGeom prst="rect">
+            <a:avLst/>
+          </a:prstGeom>
+          <a:noFill/>
+          <a:ln>
+            <a:noFill/>
+          </a:ln>
+          <a:effectLst/>
+          <a:extLst>
+            <a:ext uri="{909E8E84-426E-40DD-AFC4-6F175D3DCCD1}">
+              <a14:hiddenFill xmlns:a14="http://schemas.microsoft.com/office/drawing/2010/main">
+                <a:solidFill>
+                  <a:schemeClr val="accent1"/>
+                </a:solidFill>
+              </a14:hiddenFill>
+            </a:ext>
+            <a:ext uri="{91240B29-F687-4F45-9708-019B960494DF}">
+              <a14:hiddenLine xmlns:a14="http://schemas.microsoft.com/office/drawing/2010/main" w="9525">
+                <a:solidFill>
+                  <a:schemeClr val="tx1"/>
+                </a:solidFill>
+                <a:miter lim="800000"/>
+                <a:headEnd/>
+                <a:tailEnd/>
+              </a14:hiddenLine>
+            </a:ext>
+            <a:ext uri="{AF507438-7753-43E0-B8FC-AC1667EBCBE1}">
+              <a14:hiddenEffects xmlns:a14="http://schemas.microsoft.com/office/drawing/2010/main">
+                <a:effectLst>
+                  <a:outerShdw dist="35921" dir="2700000" algn="ctr" rotWithShape="0">
+                    <a:schemeClr val="bg2"/>
+                  </a:outerShdw>
+                </a:effectLst>
+              </a14:hiddenEffects>
+            </a:ext>
+          </a:extLst>
+        </p:spPr>
+      </p:pic>
+      <p:pic>
+        <p:nvPicPr>
+          <p:cNvPr id="1028" name="Picture 4">
+            <a:hlinkClick r:id="rId3" tooltip="Telerik Software Academy"/>
+          </p:cNvPr>
+          <p:cNvPicPr>
+            <a:picLocks noChangeAspect="1" noChangeArrowheads="1"/>
+          </p:cNvPicPr>
+          <p:nvPr/>
+        </p:nvPicPr>
+        <p:blipFill>
+          <a:blip r:embed="rId7">
+            <a:extLst>
+              <a:ext uri="{28A0092B-C50C-407E-A947-70E740481C1C}">
+                <a14:useLocalDpi xmlns:a14="http://schemas.microsoft.com/office/drawing/2010/main" val="0"/>
+              </a:ext>
+            </a:extLst>
+          </a:blip>
+          <a:srcRect/>
+          <a:stretch>
+            <a:fillRect/>
+          </a:stretch>
+        </p:blipFill>
+        <p:spPr bwMode="auto">
+          <a:xfrm>
+            <a:off x="5548941" y="2667000"/>
+            <a:ext cx="3137859" cy="918234"/>
+          </a:xfrm>
+          <a:prstGeom prst="rect">
+            <a:avLst/>
+          </a:prstGeom>
+          <a:noFill/>
+          <a:ln>
+            <a:solidFill>
+              <a:srgbClr val="9BCC00"/>
+            </a:solidFill>
+          </a:ln>
+          <a:extLst>
+            <a:ext uri="{909E8E84-426E-40DD-AFC4-6F175D3DCCD1}">
+              <a14:hiddenFill xmlns:a14="http://schemas.microsoft.com/office/drawing/2010/main">
+                <a:solidFill>
+                  <a:srgbClr val="FFFFFF"/>
+                </a:solidFill>
+              </a14:hiddenFill>
+            </a:ext>
+          </a:extLst>
+        </p:spPr>
+      </p:pic>
+      <p:pic>
+        <p:nvPicPr>
+          <p:cNvPr id="1037" name="Picture 13">
+            <a:hlinkClick r:id="rId8" tooltip="Telerik Academy @ Facebook"/>
+          </p:cNvPr>
+          <p:cNvPicPr>
+            <a:picLocks noChangeAspect="1" noChangeArrowheads="1"/>
+          </p:cNvPicPr>
+          <p:nvPr/>
+        </p:nvPicPr>
+        <p:blipFill>
+          <a:blip r:embed="rId9">
+            <a:extLst>
+              <a:ext uri="{28A0092B-C50C-407E-A947-70E740481C1C}">
+                <a14:useLocalDpi xmlns:a14="http://schemas.microsoft.com/office/drawing/2010/main" val="0"/>
+              </a:ext>
+            </a:extLst>
+          </a:blip>
+          <a:srcRect/>
+          <a:stretch>
+            <a:fillRect/>
+          </a:stretch>
+        </p:blipFill>
+        <p:spPr bwMode="auto">
+          <a:xfrm>
+            <a:off x="7748587" y="4003901"/>
+            <a:ext cx="938213" cy="938213"/>
+          </a:xfrm>
+          <a:prstGeom prst="rect">
+            <a:avLst/>
+          </a:prstGeom>
+          <a:noFill/>
+          <a:ln>
+            <a:noFill/>
+          </a:ln>
+          <a:effectLst/>
+          <a:extLst>
+            <a:ext uri="{909E8E84-426E-40DD-AFC4-6F175D3DCCD1}">
+              <a14:hiddenFill xmlns:a14="http://schemas.microsoft.com/office/drawing/2010/main">
+                <a:solidFill>
+                  <a:schemeClr val="accent1"/>
+                </a:solidFill>
+              </a14:hiddenFill>
+            </a:ext>
+            <a:ext uri="{91240B29-F687-4F45-9708-019B960494DF}">
+              <a14:hiddenLine xmlns:a14="http://schemas.microsoft.com/office/drawing/2010/main" w="9525">
+                <a:solidFill>
+                  <a:schemeClr val="tx1"/>
+                </a:solidFill>
+                <a:miter lim="800000"/>
+                <a:headEnd/>
+                <a:tailEnd/>
+              </a14:hiddenLine>
+            </a:ext>
+            <a:ext uri="{AF507438-7753-43E0-B8FC-AC1667EBCBE1}">
+              <a14:hiddenEffects xmlns:a14="http://schemas.microsoft.com/office/drawing/2010/main">
+                <a:effectLst>
+                  <a:outerShdw dist="35921" dir="2700000" algn="ctr" rotWithShape="0">
+                    <a:schemeClr val="bg2"/>
+                  </a:outerShdw>
+                </a:effectLst>
+              </a14:hiddenEffects>
+            </a:ext>
+          </a:extLst>
+        </p:spPr>
+      </p:pic>
+      <p:pic>
+        <p:nvPicPr>
+          <p:cNvPr id="2" name="Picture 1">
+            <a:hlinkClick r:id="rId2"/>
+          </p:cNvPr>
+          <p:cNvPicPr>
+            <a:picLocks noChangeAspect="1"/>
+          </p:cNvPicPr>
+          <p:nvPr/>
+        </p:nvPicPr>
+        <p:blipFill>
+          <a:blip r:embed="rId10" cstate="print">
+            <a:extLst>
+              <a:ext uri="{28A0092B-C50C-407E-A947-70E740481C1C}">
+                <a14:useLocalDpi xmlns:a14="http://schemas.microsoft.com/office/drawing/2010/main" val="0"/>
+              </a:ext>
+            </a:extLst>
+          </a:blip>
+          <a:stretch>
+            <a:fillRect/>
+          </a:stretch>
+        </p:blipFill>
+        <p:spPr>
+          <a:xfrm>
+            <a:off x="7562025" y="1123558"/>
+            <a:ext cx="1124775" cy="1124775"/>
+          </a:xfrm>
+          <a:prstGeom prst="rect">
+            <a:avLst/>
+          </a:prstGeom>
+        </p:spPr>
+      </p:pic>
+    </p:spTree>
+    <p:extLst>
+      <p:ext uri="{BB962C8B-B14F-4D97-AF65-F5344CB8AC3E}">
+        <p14:creationId xmlns:p14="http://schemas.microsoft.com/office/powerpoint/2010/main" val="495879396"/>
+      </p:ext>
+    </p:extLst>
+  </p:cSld>
+  <p:clrMapOvr>
+    <a:masterClrMapping/>
+  </p:clrMapOvr>
+  <p:timing>
+    <p:tnLst>
+      <p:par>
+        <p:cTn id="1" dur="indefinite" restart="never" nodeType="tmRoot"/>
+      </p:par>
+    </p:tnLst>
   </p:timing>
 </p:sld>
 </file>
